--- a/reports/Apragon_April28.pptx
+++ b/reports/Apragon_April28.pptx
@@ -299,7 +299,7 @@
               <a:pPr>
                 <a:defRPr/>
               </a:pPr>
-              <a:t>1/5/25</a:t>
+              <a:t>2/5/25</a:t>
             </a:fld>
             <a:endParaRPr lang="es-ES"/>
           </a:p>
@@ -1306,7 +1306,7 @@
             </a:pPr>
             <a:fld id="{17C4E9E0-B3F9-4104-BB39-F8E96513EFFE}" type="datetime1">
               <a:rPr lang="es-ES" smtClean="0"/>
-              <a:t>1/5/25</a:t>
+              <a:t>2/5/25</a:t>
             </a:fld>
             <a:endParaRPr lang="es-ES"/>
           </a:p>
@@ -1502,7 +1502,7 @@
             </a:pPr>
             <a:fld id="{68DF384E-2141-45FA-86B8-4035FECD32BB}" type="datetime1">
               <a:rPr lang="es-ES" smtClean="0"/>
-              <a:t>1/5/25</a:t>
+              <a:t>2/5/25</a:t>
             </a:fld>
             <a:endParaRPr lang="es-ES"/>
           </a:p>
@@ -1708,7 +1708,7 @@
             </a:pPr>
             <a:fld id="{4704F67A-A11F-44C2-A1E8-90455DDFC625}" type="datetime1">
               <a:rPr lang="es-ES" smtClean="0"/>
-              <a:t>1/5/25</a:t>
+              <a:t>2/5/25</a:t>
             </a:fld>
             <a:endParaRPr lang="es-ES"/>
           </a:p>
@@ -1904,7 +1904,7 @@
             </a:pPr>
             <a:fld id="{AB261817-F231-4105-ACC8-75380DF33C1E}" type="datetime1">
               <a:rPr lang="es-ES" smtClean="0"/>
-              <a:t>1/5/25</a:t>
+              <a:t>2/5/25</a:t>
             </a:fld>
             <a:endParaRPr lang="es-ES"/>
           </a:p>
@@ -2205,7 +2205,7 @@
             </a:pPr>
             <a:fld id="{8133D45C-A159-4290-849D-4C55782B747E}" type="datetime1">
               <a:rPr lang="es-ES" smtClean="0"/>
-              <a:t>1/5/25</a:t>
+              <a:t>2/5/25</a:t>
             </a:fld>
             <a:endParaRPr lang="es-ES"/>
           </a:p>
@@ -2443,7 +2443,7 @@
             </a:pPr>
             <a:fld id="{40C8C649-08CF-4E01-8905-C809A36F6021}" type="datetime1">
               <a:rPr lang="es-ES" smtClean="0"/>
-              <a:t>1/5/25</a:t>
+              <a:t>2/5/25</a:t>
             </a:fld>
             <a:endParaRPr lang="es-ES"/>
           </a:p>
@@ -2834,7 +2834,7 @@
             </a:pPr>
             <a:fld id="{D0BFE5C1-FFDC-425F-A1F2-1672BC227ACA}" type="datetime1">
               <a:rPr lang="es-ES" smtClean="0"/>
-              <a:t>1/5/25</a:t>
+              <a:t>2/5/25</a:t>
             </a:fld>
             <a:endParaRPr lang="es-ES"/>
           </a:p>
@@ -2998,7 +2998,7 @@
             </a:pPr>
             <a:fld id="{43EAD619-8BAB-49A3-B0CE-2A9D98840EB9}" type="datetime1">
               <a:rPr lang="es-ES" smtClean="0"/>
-              <a:t>1/5/25</a:t>
+              <a:t>2/5/25</a:t>
             </a:fld>
             <a:endParaRPr lang="es-ES"/>
           </a:p>
@@ -3134,7 +3134,7 @@
             </a:pPr>
             <a:fld id="{D99459DC-3678-4699-A046-149B616B5321}" type="datetime1">
               <a:rPr lang="es-ES" smtClean="0"/>
-              <a:t>1/5/25</a:t>
+              <a:t>2/5/25</a:t>
             </a:fld>
             <a:endParaRPr lang="es-ES"/>
           </a:p>
@@ -3446,7 +3446,7 @@
             </a:pPr>
             <a:fld id="{40297841-9C7B-4697-A49A-0D2556730D1A}" type="datetime1">
               <a:rPr lang="es-ES" smtClean="0"/>
-              <a:t>1/5/25</a:t>
+              <a:t>2/5/25</a:t>
             </a:fld>
             <a:endParaRPr lang="es-ES"/>
           </a:p>
@@ -3763,7 +3763,7 @@
             </a:pPr>
             <a:fld id="{3FD2BDBA-CD70-4054-9E2A-88A88D237B78}" type="datetime1">
               <a:rPr lang="es-ES" smtClean="0"/>
-              <a:t>1/5/25</a:t>
+              <a:t>2/5/25</a:t>
             </a:fld>
             <a:endParaRPr lang="es-ES"/>
           </a:p>
@@ -4036,7 +4036,7 @@
             </a:pPr>
             <a:fld id="{7BAEFEA7-FA12-4EE1-A405-B5F3690C8AD7}" type="datetime1">
               <a:rPr lang="es-ES" smtClean="0"/>
-              <a:t>1/5/25</a:t>
+              <a:t>2/5/25</a:t>
             </a:fld>
             <a:endParaRPr lang="es-ES"/>
           </a:p>
@@ -14412,19 +14412,11 @@
                   <a:srgbClr val="C00000"/>
                 </a:solidFill>
               </a:rPr>
-              <a:t>12:32:57.3</a:t>
+              <a:t>12:33:16.5</a:t>
             </a:r>
             <a:r>
               <a:rPr lang="en-US" dirty="0"/>
-              <a:t>. </a:t>
-            </a:r>
-            <a:r>
-              <a:rPr lang="en-US" dirty="0" err="1"/>
-              <a:t>Lilely</a:t>
-            </a:r>
-            <a:r>
-              <a:rPr lang="en-US" dirty="0"/>
-              <a:t> some large source tripped and started the cascade of “15GW in 5 seconds”</a:t>
+              <a:t>. Likely some large source tripped and started the cascade of “15GW in 5 seconds”.</a:t>
             </a:r>
           </a:p>
         </p:txBody>
@@ -16554,15 +16546,6 @@
 </file>
 
 <file path=customXml/item1.xml><?xml version="1.0" encoding="utf-8"?>
-<?mso-contentType ?>
-<FormTemplates xmlns="http://schemas.microsoft.com/sharepoint/v3/contenttype/forms">
-  <Display>DocumentLibraryForm</Display>
-  <Edit>DocumentLibraryForm</Edit>
-  <New>DocumentLibraryForm</New>
-</FormTemplates>
-</file>
-
-<file path=customXml/item2.xml><?xml version="1.0" encoding="utf-8"?>
 <ct:contentTypeSchema xmlns:ct="http://schemas.microsoft.com/office/2006/metadata/contentType" xmlns:ma="http://schemas.microsoft.com/office/2006/metadata/properties/metaAttributes" ct:_="" ma:_="" ma:contentTypeName="Documento" ma:contentTypeID="0x01010073B546F8B429F441AB517FD40C7758B9" ma:contentTypeVersion="9" ma:contentTypeDescription="Crear nuevo documento." ma:contentTypeScope="" ma:versionID="befdb5c2a76d165b7963a9516cf1ff49">
   <xsd:schema xmlns:xsd="http://www.w3.org/2001/XMLSchema" xmlns:xs="http://www.w3.org/2001/XMLSchema" xmlns:p="http://schemas.microsoft.com/office/2006/metadata/properties" xmlns:ns2="2711c295-d9dc-4290-94d2-434158111b76" targetNamespace="http://schemas.microsoft.com/office/2006/metadata/properties" ma:root="true" ma:fieldsID="ca2b8862da53eb6a9ce780760509eba3" ns2:_="">
     <xsd:import namespace="2711c295-d9dc-4290-94d2-434158111b76"/>
@@ -16740,15 +16723,16 @@
 </ct:contentTypeSchema>
 </file>
 
-<file path=customXml/itemProps1.xml><?xml version="1.0" encoding="utf-8"?>
-<ds:datastoreItem xmlns:ds="http://schemas.openxmlformats.org/officeDocument/2006/customXml" ds:itemID="{89347A6E-B2D6-4CDD-A77A-DC57154271F4}">
-  <ds:schemaRefs>
-    <ds:schemaRef ds:uri="http://schemas.microsoft.com/sharepoint/v3/contenttype/forms"/>
-  </ds:schemaRefs>
-</ds:datastoreItem>
+<file path=customXml/item2.xml><?xml version="1.0" encoding="utf-8"?>
+<?mso-contentType ?>
+<FormTemplates xmlns="http://schemas.microsoft.com/sharepoint/v3/contenttype/forms">
+  <Display>DocumentLibraryForm</Display>
+  <Edit>DocumentLibraryForm</Edit>
+  <New>DocumentLibraryForm</New>
+</FormTemplates>
 </file>
 
-<file path=customXml/itemProps2.xml><?xml version="1.0" encoding="utf-8"?>
+<file path=customXml/itemProps1.xml><?xml version="1.0" encoding="utf-8"?>
 <ds:datastoreItem xmlns:ds="http://schemas.openxmlformats.org/officeDocument/2006/customXml" ds:itemID="{F16D57E5-64C1-4DFF-BAE4-F891A5313303}">
   <ds:schemaRefs>
     <ds:schemaRef ds:uri="2711c295-d9dc-4290-94d2-434158111b76"/>
@@ -16764,4 +16748,12 @@
     <ds:schemaRef ds:uri="http://www.w3.org/2001/XMLSchema"/>
   </ds:schemaRefs>
 </ds:datastoreItem>
+</file>
+
+<file path=customXml/itemProps2.xml><?xml version="1.0" encoding="utf-8"?>
+<ds:datastoreItem xmlns:ds="http://schemas.openxmlformats.org/officeDocument/2006/customXml" ds:itemID="{89347A6E-B2D6-4CDD-A77A-DC57154271F4}">
+  <ds:schemaRefs>
+    <ds:schemaRef ds:uri="http://schemas.microsoft.com/sharepoint/v3/contenttype/forms"/>
+  </ds:schemaRefs>
+</ds:datastoreItem>
 </file>
--- a/reports/Apragon_April28.pptx
+++ b/reports/Apragon_April28.pptx
@@ -5,7 +5,7 @@
     <p:sldMasterId id="2147483648" r:id="rId3"/>
   </p:sldMasterIdLst>
   <p:notesMasterIdLst>
-    <p:notesMasterId r:id="rId17"/>
+    <p:notesMasterId r:id="rId19"/>
   </p:notesMasterIdLst>
   <p:sldIdLst>
     <p:sldId id="256" r:id="rId4"/>
@@ -16,11 +16,13 @@
     <p:sldId id="331" r:id="rId9"/>
     <p:sldId id="332" r:id="rId10"/>
     <p:sldId id="333" r:id="rId11"/>
-    <p:sldId id="334" r:id="rId12"/>
-    <p:sldId id="260" r:id="rId13"/>
-    <p:sldId id="261" r:id="rId14"/>
-    <p:sldId id="311" r:id="rId15"/>
-    <p:sldId id="310" r:id="rId16"/>
+    <p:sldId id="335" r:id="rId12"/>
+    <p:sldId id="336" r:id="rId13"/>
+    <p:sldId id="334" r:id="rId14"/>
+    <p:sldId id="260" r:id="rId15"/>
+    <p:sldId id="261" r:id="rId16"/>
+    <p:sldId id="311" r:id="rId17"/>
+    <p:sldId id="310" r:id="rId18"/>
   </p:sldIdLst>
   <p:sldSz cx="12192000" cy="6858000"/>
   <p:notesSz cx="6858000" cy="9144000"/>
@@ -1136,7 +1138,7 @@
                 <a:latin typeface="Cabin Regular" pitchFamily="2" charset="0"/>
               </a:rPr>
               <a:pPr/>
-              <a:t>12</a:t>
+              <a:t>14</a:t>
             </a:fld>
             <a:endParaRPr lang="es-ES" altLang="es-ES">
               <a:latin typeface="Cabin Regular" pitchFamily="2" charset="0"/>
@@ -1939,10 +1941,14 @@
               <a:defRPr/>
             </a:pPr>
             <a:r>
-              <a:rPr lang="en-US"/>
-              <a:t>Presentation title or audience xxth -----  20xx</a:t>
-            </a:r>
-            <a:endParaRPr lang="es-ES"/>
+              <a:rPr lang="en-US" dirty="0" err="1"/>
+              <a:t>Apagon</a:t>
+            </a:r>
+            <a:r>
+              <a:rPr lang="en-US" dirty="0"/>
+              <a:t> – April 28, 2025</a:t>
+            </a:r>
+            <a:endParaRPr lang="es-ES" dirty="0"/>
           </a:p>
         </p:txBody>
       </p:sp>
@@ -3169,10 +3175,14 @@
               <a:defRPr/>
             </a:pPr>
             <a:r>
-              <a:rPr lang="en-US"/>
-              <a:t>Presentation title or audience xxth -----  20xx</a:t>
-            </a:r>
-            <a:endParaRPr lang="es-ES"/>
+              <a:rPr lang="en-US" dirty="0" err="1"/>
+              <a:t>Apagón</a:t>
+            </a:r>
+            <a:r>
+              <a:rPr lang="en-US" dirty="0"/>
+              <a:t> – April 28, 2025</a:t>
+            </a:r>
+            <a:endParaRPr lang="es-ES" dirty="0"/>
           </a:p>
         </p:txBody>
       </p:sp>
@@ -5933,38 +5943,6 @@
       </p:sp>
       <p:sp>
         <p:nvSpPr>
-          <p:cNvPr id="37" name="Marcador de pie de página 36">
-            <a:extLst>
-              <a:ext uri="{FF2B5EF4-FFF2-40B4-BE49-F238E27FC236}">
-                <a16:creationId xmlns:a16="http://schemas.microsoft.com/office/drawing/2014/main" id="{F4888ABF-FF19-FC4A-9023-E5DBDC36D43A}"/>
-              </a:ext>
-            </a:extLst>
-          </p:cNvPr>
-          <p:cNvSpPr>
-            <a:spLocks noGrp="1"/>
-          </p:cNvSpPr>
-          <p:nvPr>
-            <p:ph type="ftr" sz="quarter" idx="11"/>
-          </p:nvPr>
-        </p:nvSpPr>
-        <p:spPr/>
-        <p:txBody>
-          <a:bodyPr/>
-          <a:lstStyle/>
-          <a:p>
-            <a:pPr>
-              <a:defRPr/>
-            </a:pPr>
-            <a:r>
-              <a:rPr lang="en-US"/>
-              <a:t>Presentation title or audience xxth -----  20xx</a:t>
-            </a:r>
-            <a:endParaRPr lang="es-ES"/>
-          </a:p>
-        </p:txBody>
-      </p:sp>
-      <p:sp>
-        <p:nvSpPr>
           <p:cNvPr id="38" name="Marcador de número de diapositiva 37">
             <a:extLst>
               <a:ext uri="{FF2B5EF4-FFF2-40B4-BE49-F238E27FC236}">
@@ -6330,6 +6308,969 @@
   <p:cSld>
     <p:spTree>
       <p:nvGrpSpPr>
+        <p:cNvPr id="1" name="">
+          <a:extLst>
+            <a:ext uri="{FF2B5EF4-FFF2-40B4-BE49-F238E27FC236}">
+              <a16:creationId xmlns:a16="http://schemas.microsoft.com/office/drawing/2014/main" id="{9979573E-7D7A-5FCF-3A5B-D671563FA346}"/>
+            </a:ext>
+          </a:extLst>
+        </p:cNvPr>
+        <p:cNvGrpSpPr/>
+        <p:nvPr/>
+      </p:nvGrpSpPr>
+      <p:grpSpPr>
+        <a:xfrm>
+          <a:off x="0" y="0"/>
+          <a:ext cx="0" cy="0"/>
+          <a:chOff x="0" y="0"/>
+          <a:chExt cx="0" cy="0"/>
+        </a:xfrm>
+      </p:grpSpPr>
+      <p:pic>
+        <p:nvPicPr>
+          <p:cNvPr id="30" name="Picture 29" descr="A graph showing a red line&#10;&#10;AI-generated content may be incorrect.">
+            <a:extLst>
+              <a:ext uri="{FF2B5EF4-FFF2-40B4-BE49-F238E27FC236}">
+                <a16:creationId xmlns:a16="http://schemas.microsoft.com/office/drawing/2014/main" id="{3D472971-74C3-BCF5-B41D-9B2278C5CB8D}"/>
+              </a:ext>
+            </a:extLst>
+          </p:cNvPr>
+          <p:cNvPicPr>
+            <a:picLocks noGrp="1" noRot="1" noChangeAspect="1" noMove="1" noResize="1" noEditPoints="1" noAdjustHandles="1" noChangeArrowheads="1" noChangeShapeType="1" noCrop="1"/>
+          </p:cNvPicPr>
+          <p:nvPr/>
+        </p:nvPicPr>
+        <p:blipFill>
+          <a:blip r:embed="rId2"/>
+          <a:stretch>
+            <a:fillRect/>
+          </a:stretch>
+        </p:blipFill>
+        <p:spPr>
+          <a:xfrm>
+            <a:off x="1271332" y="975436"/>
+            <a:ext cx="10761828" cy="5380914"/>
+          </a:xfrm>
+          <a:prstGeom prst="rect">
+            <a:avLst/>
+          </a:prstGeom>
+        </p:spPr>
+      </p:pic>
+      <p:sp>
+        <p:nvSpPr>
+          <p:cNvPr id="5" name="Slide Number Placeholder 4">
+            <a:extLst>
+              <a:ext uri="{FF2B5EF4-FFF2-40B4-BE49-F238E27FC236}">
+                <a16:creationId xmlns:a16="http://schemas.microsoft.com/office/drawing/2014/main" id="{1673DF0E-07FE-36AA-78E9-FB2BD043D3F8}"/>
+              </a:ext>
+            </a:extLst>
+          </p:cNvPr>
+          <p:cNvSpPr>
+            <a:spLocks noGrp="1"/>
+          </p:cNvSpPr>
+          <p:nvPr>
+            <p:ph type="sldNum" sz="quarter" idx="12"/>
+          </p:nvPr>
+        </p:nvSpPr>
+        <p:spPr/>
+        <p:txBody>
+          <a:bodyPr/>
+          <a:lstStyle/>
+          <a:p>
+            <a:fld id="{D86B3D54-5C84-4380-B90C-31F636633DA2}" type="slidenum">
+              <a:rPr lang="es-ES" altLang="es-ES" smtClean="0"/>
+              <a:pPr/>
+              <a:t>10</a:t>
+            </a:fld>
+            <a:endParaRPr lang="es-ES" altLang="es-ES"/>
+          </a:p>
+        </p:txBody>
+      </p:sp>
+      <p:sp>
+        <p:nvSpPr>
+          <p:cNvPr id="85" name="TextBox 84">
+            <a:extLst>
+              <a:ext uri="{FF2B5EF4-FFF2-40B4-BE49-F238E27FC236}">
+                <a16:creationId xmlns:a16="http://schemas.microsoft.com/office/drawing/2014/main" id="{37A1BB6A-3EB3-51E7-F724-3D1BCA85CB51}"/>
+              </a:ext>
+            </a:extLst>
+          </p:cNvPr>
+          <p:cNvSpPr txBox="1"/>
+          <p:nvPr/>
+        </p:nvSpPr>
+        <p:spPr>
+          <a:xfrm>
+            <a:off x="1928618" y="3123653"/>
+            <a:ext cx="3718447" cy="1354217"/>
+          </a:xfrm>
+          <a:prstGeom prst="rect">
+            <a:avLst/>
+          </a:prstGeom>
+          <a:solidFill>
+            <a:srgbClr val="E9E9E9"/>
+          </a:solidFill>
+        </p:spPr>
+        <p:txBody>
+          <a:bodyPr wrap="square" rtlCol="0">
+            <a:spAutoFit/>
+          </a:bodyPr>
+          <a:lstStyle/>
+          <a:p>
+            <a:r>
+              <a:rPr lang="en-US" sz="1600" dirty="0"/>
+              <a:t>ES_Malaga PMU data* did not violate any of the entso-e RoCoF disconnection limits:</a:t>
+            </a:r>
+          </a:p>
+          <a:p>
+            <a:pPr marL="285750" indent="-285750">
+              <a:buFont typeface="Arial" panose="020B0604020202020204" pitchFamily="34" charset="0"/>
+              <a:buChar char="•"/>
+            </a:pPr>
+            <a:r>
+              <a:rPr lang="en-US" sz="1600" dirty="0"/>
+              <a:t>&gt; 1.25 Hz/s for 500ms </a:t>
+            </a:r>
+          </a:p>
+          <a:p>
+            <a:pPr marL="285750" indent="-285750">
+              <a:buFont typeface="Arial" panose="020B0604020202020204" pitchFamily="34" charset="0"/>
+              <a:buChar char="•"/>
+            </a:pPr>
+            <a:r>
+              <a:rPr lang="en-US" sz="1600" dirty="0"/>
+              <a:t>&gt; 1.5 Hz/s for 1s</a:t>
+            </a:r>
+          </a:p>
+          <a:p>
+            <a:pPr marL="285750" indent="-285750">
+              <a:buFont typeface="Arial" panose="020B0604020202020204" pitchFamily="34" charset="0"/>
+              <a:buChar char="•"/>
+            </a:pPr>
+            <a:r>
+              <a:rPr lang="en-US" sz="1600" dirty="0"/>
+              <a:t>&gt; 2 Hz/s for 2s</a:t>
+            </a:r>
+          </a:p>
+        </p:txBody>
+      </p:sp>
+      <p:pic>
+        <p:nvPicPr>
+          <p:cNvPr id="15" name="Imagen 5">
+            <a:extLst>
+              <a:ext uri="{FF2B5EF4-FFF2-40B4-BE49-F238E27FC236}">
+                <a16:creationId xmlns:a16="http://schemas.microsoft.com/office/drawing/2014/main" id="{6CBFC385-2BF1-C2C4-6425-B8F6E4E0B51F}"/>
+              </a:ext>
+            </a:extLst>
+          </p:cNvPr>
+          <p:cNvPicPr>
+            <a:picLocks noChangeAspect="1" noChangeArrowheads="1"/>
+          </p:cNvPicPr>
+          <p:nvPr/>
+        </p:nvPicPr>
+        <p:blipFill>
+          <a:blip r:embed="rId3">
+            <a:extLst>
+              <a:ext uri="{28A0092B-C50C-407E-A947-70E740481C1C}">
+                <a14:useLocalDpi xmlns:a14="http://schemas.microsoft.com/office/drawing/2010/main" val="0"/>
+              </a:ext>
+            </a:extLst>
+          </a:blip>
+          <a:srcRect/>
+          <a:stretch>
+            <a:fillRect/>
+          </a:stretch>
+        </p:blipFill>
+        <p:spPr bwMode="auto">
+          <a:xfrm>
+            <a:off x="11129080" y="122503"/>
+            <a:ext cx="904080" cy="809624"/>
+          </a:xfrm>
+          <a:prstGeom prst="rect">
+            <a:avLst/>
+          </a:prstGeom>
+          <a:noFill/>
+          <a:ln>
+            <a:noFill/>
+          </a:ln>
+          <a:extLst>
+            <a:ext uri="{909E8E84-426E-40DD-AFC4-6F175D3DCCD1}">
+              <a14:hiddenFill xmlns:a14="http://schemas.microsoft.com/office/drawing/2010/main">
+                <a:solidFill>
+                  <a:srgbClr val="FFFFFF"/>
+                </a:solidFill>
+              </a14:hiddenFill>
+            </a:ext>
+            <a:ext uri="{91240B29-F687-4F45-9708-019B960494DF}">
+              <a14:hiddenLine xmlns:a14="http://schemas.microsoft.com/office/drawing/2010/main" w="9525">
+                <a:solidFill>
+                  <a:srgbClr val="000000"/>
+                </a:solidFill>
+                <a:miter lim="800000"/>
+                <a:headEnd/>
+                <a:tailEnd/>
+              </a14:hiddenLine>
+            </a:ext>
+          </a:extLst>
+        </p:spPr>
+      </p:pic>
+      <p:pic>
+        <p:nvPicPr>
+          <p:cNvPr id="16" name="Picture 2">
+            <a:extLst>
+              <a:ext uri="{FF2B5EF4-FFF2-40B4-BE49-F238E27FC236}">
+                <a16:creationId xmlns:a16="http://schemas.microsoft.com/office/drawing/2014/main" id="{45132D9B-2BF5-89E3-3061-3D26EA8BC040}"/>
+              </a:ext>
+            </a:extLst>
+          </p:cNvPr>
+          <p:cNvPicPr>
+            <a:picLocks noChangeAspect="1" noChangeArrowheads="1"/>
+          </p:cNvPicPr>
+          <p:nvPr/>
+        </p:nvPicPr>
+        <p:blipFill>
+          <a:blip r:embed="rId4">
+            <a:extLst>
+              <a:ext uri="{28A0092B-C50C-407E-A947-70E740481C1C}">
+                <a14:useLocalDpi xmlns:a14="http://schemas.microsoft.com/office/drawing/2010/main" val="0"/>
+              </a:ext>
+            </a:extLst>
+          </a:blip>
+          <a:srcRect/>
+          <a:stretch>
+            <a:fillRect/>
+          </a:stretch>
+        </p:blipFill>
+        <p:spPr bwMode="auto">
+          <a:xfrm>
+            <a:off x="158840" y="122503"/>
+            <a:ext cx="1097236" cy="809624"/>
+          </a:xfrm>
+          <a:prstGeom prst="rect">
+            <a:avLst/>
+          </a:prstGeom>
+          <a:noFill/>
+          <a:ln>
+            <a:noFill/>
+          </a:ln>
+          <a:extLst>
+            <a:ext uri="{909E8E84-426E-40DD-AFC4-6F175D3DCCD1}">
+              <a14:hiddenFill xmlns:a14="http://schemas.microsoft.com/office/drawing/2010/main">
+                <a:solidFill>
+                  <a:srgbClr val="FFFFFF"/>
+                </a:solidFill>
+              </a14:hiddenFill>
+            </a:ext>
+            <a:ext uri="{91240B29-F687-4F45-9708-019B960494DF}">
+              <a14:hiddenLine xmlns:a14="http://schemas.microsoft.com/office/drawing/2010/main" w="9525">
+                <a:solidFill>
+                  <a:srgbClr val="000000"/>
+                </a:solidFill>
+                <a:miter lim="800000"/>
+                <a:headEnd/>
+                <a:tailEnd/>
+              </a14:hiddenLine>
+            </a:ext>
+          </a:extLst>
+        </p:spPr>
+      </p:pic>
+      <p:sp>
+        <p:nvSpPr>
+          <p:cNvPr id="17" name="Title 1">
+            <a:extLst>
+              <a:ext uri="{FF2B5EF4-FFF2-40B4-BE49-F238E27FC236}">
+                <a16:creationId xmlns:a16="http://schemas.microsoft.com/office/drawing/2014/main" id="{C5650704-1C8B-A9C8-03AB-0FB7643A2115}"/>
+              </a:ext>
+            </a:extLst>
+          </p:cNvPr>
+          <p:cNvSpPr>
+            <a:spLocks noGrp="1"/>
+          </p:cNvSpPr>
+          <p:nvPr>
+            <p:ph type="title"/>
+          </p:nvPr>
+        </p:nvSpPr>
+        <p:spPr>
+          <a:xfrm>
+            <a:off x="1251857" y="252094"/>
+            <a:ext cx="9541481" cy="593751"/>
+          </a:xfrm>
+        </p:spPr>
+        <p:txBody>
+          <a:bodyPr/>
+          <a:lstStyle/>
+          <a:p>
+            <a:r>
+              <a:rPr lang="en-US" dirty="0" err="1"/>
+              <a:t>Rocof</a:t>
+            </a:r>
+            <a:r>
+              <a:rPr lang="en-US" dirty="0"/>
+              <a:t> stayed within limits</a:t>
+            </a:r>
+          </a:p>
+        </p:txBody>
+      </p:sp>
+      <p:cxnSp>
+        <p:nvCxnSpPr>
+          <p:cNvPr id="18" name="Straight Arrow Connector 17">
+            <a:extLst>
+              <a:ext uri="{FF2B5EF4-FFF2-40B4-BE49-F238E27FC236}">
+                <a16:creationId xmlns:a16="http://schemas.microsoft.com/office/drawing/2014/main" id="{09DE31A1-6F0A-C632-77FF-6866952BF68B}"/>
+              </a:ext>
+            </a:extLst>
+          </p:cNvPr>
+          <p:cNvCxnSpPr>
+            <a:cxnSpLocks/>
+            <a:stCxn id="14" idx="1"/>
+          </p:cNvCxnSpPr>
+          <p:nvPr/>
+        </p:nvCxnSpPr>
+        <p:spPr>
+          <a:xfrm flipH="1">
+            <a:off x="7256477" y="3539152"/>
+            <a:ext cx="499623" cy="588231"/>
+          </a:xfrm>
+          <a:prstGeom prst="straightConnector1">
+            <a:avLst/>
+          </a:prstGeom>
+          <a:ln w="38100">
+            <a:solidFill>
+              <a:srgbClr val="FFCC28"/>
+            </a:solidFill>
+            <a:tailEnd type="triangle"/>
+          </a:ln>
+        </p:spPr>
+        <p:style>
+          <a:lnRef idx="1">
+            <a:schemeClr val="accent1"/>
+          </a:lnRef>
+          <a:fillRef idx="0">
+            <a:schemeClr val="accent1"/>
+          </a:fillRef>
+          <a:effectRef idx="0">
+            <a:schemeClr val="accent1"/>
+          </a:effectRef>
+          <a:fontRef idx="minor">
+            <a:schemeClr val="tx1"/>
+          </a:fontRef>
+        </p:style>
+      </p:cxnSp>
+      <p:sp>
+        <p:nvSpPr>
+          <p:cNvPr id="14" name="TextBox 13">
+            <a:extLst>
+              <a:ext uri="{FF2B5EF4-FFF2-40B4-BE49-F238E27FC236}">
+                <a16:creationId xmlns:a16="http://schemas.microsoft.com/office/drawing/2014/main" id="{16782EFF-5B85-BEB6-101A-E552468ABC61}"/>
+              </a:ext>
+            </a:extLst>
+          </p:cNvPr>
+          <p:cNvSpPr txBox="1"/>
+          <p:nvPr/>
+        </p:nvSpPr>
+        <p:spPr>
+          <a:xfrm>
+            <a:off x="7756100" y="3277542"/>
+            <a:ext cx="1709000" cy="523220"/>
+          </a:xfrm>
+          <a:prstGeom prst="rect">
+            <a:avLst/>
+          </a:prstGeom>
+          <a:solidFill>
+            <a:srgbClr val="E9E9E9"/>
+          </a:solidFill>
+        </p:spPr>
+        <p:txBody>
+          <a:bodyPr wrap="square" rtlCol="0">
+            <a:spAutoFit/>
+          </a:bodyPr>
+          <a:lstStyle/>
+          <a:p>
+            <a:pPr algn="ctr"/>
+            <a:r>
+              <a:rPr lang="en-US" sz="1400" dirty="0"/>
+              <a:t>Instantaneous RoCoF = 0.8 Hz/s</a:t>
+            </a:r>
+          </a:p>
+        </p:txBody>
+      </p:sp>
+      <p:sp>
+        <p:nvSpPr>
+          <p:cNvPr id="27" name="TextBox 26">
+            <a:extLst>
+              <a:ext uri="{FF2B5EF4-FFF2-40B4-BE49-F238E27FC236}">
+                <a16:creationId xmlns:a16="http://schemas.microsoft.com/office/drawing/2014/main" id="{7304612C-CED3-0A53-97EA-22145C10B133}"/>
+              </a:ext>
+            </a:extLst>
+          </p:cNvPr>
+          <p:cNvSpPr txBox="1"/>
+          <p:nvPr/>
+        </p:nvSpPr>
+        <p:spPr>
+          <a:xfrm>
+            <a:off x="7638874" y="4583161"/>
+            <a:ext cx="1943451" cy="1200329"/>
+          </a:xfrm>
+          <a:prstGeom prst="rect">
+            <a:avLst/>
+          </a:prstGeom>
+          <a:solidFill>
+            <a:srgbClr val="E9E9E9"/>
+          </a:solidFill>
+        </p:spPr>
+        <p:txBody>
+          <a:bodyPr wrap="square" rtlCol="0">
+            <a:spAutoFit/>
+          </a:bodyPr>
+          <a:lstStyle/>
+          <a:p>
+            <a:r>
+              <a:rPr lang="en-US" dirty="0"/>
+              <a:t>*Physical RoCoF probably lower, but limited by the PMU recording</a:t>
+            </a:r>
+          </a:p>
+        </p:txBody>
+      </p:sp>
+      <p:cxnSp>
+        <p:nvCxnSpPr>
+          <p:cNvPr id="33" name="Straight Arrow Connector 32">
+            <a:extLst>
+              <a:ext uri="{FF2B5EF4-FFF2-40B4-BE49-F238E27FC236}">
+                <a16:creationId xmlns:a16="http://schemas.microsoft.com/office/drawing/2014/main" id="{0294482A-739B-D2AA-F89E-72C0208AE0AD}"/>
+              </a:ext>
+            </a:extLst>
+          </p:cNvPr>
+          <p:cNvCxnSpPr>
+            <a:cxnSpLocks/>
+          </p:cNvCxnSpPr>
+          <p:nvPr/>
+        </p:nvCxnSpPr>
+        <p:spPr>
+          <a:xfrm>
+            <a:off x="7256477" y="4256974"/>
+            <a:ext cx="382397" cy="986145"/>
+          </a:xfrm>
+          <a:prstGeom prst="straightConnector1">
+            <a:avLst/>
+          </a:prstGeom>
+          <a:ln w="38100">
+            <a:solidFill>
+              <a:srgbClr val="FFCC28"/>
+            </a:solidFill>
+            <a:tailEnd type="triangle"/>
+          </a:ln>
+        </p:spPr>
+        <p:style>
+          <a:lnRef idx="1">
+            <a:schemeClr val="accent1"/>
+          </a:lnRef>
+          <a:fillRef idx="0">
+            <a:schemeClr val="accent1"/>
+          </a:fillRef>
+          <a:effectRef idx="0">
+            <a:schemeClr val="accent1"/>
+          </a:effectRef>
+          <a:fontRef idx="minor">
+            <a:schemeClr val="tx1"/>
+          </a:fontRef>
+        </p:style>
+      </p:cxnSp>
+    </p:spTree>
+    <p:extLst>
+      <p:ext uri="{BB962C8B-B14F-4D97-AF65-F5344CB8AC3E}">
+        <p14:creationId xmlns:p14="http://schemas.microsoft.com/office/powerpoint/2010/main" val="2417336978"/>
+      </p:ext>
+    </p:extLst>
+  </p:cSld>
+  <p:clrMapOvr>
+    <a:masterClrMapping/>
+  </p:clrMapOvr>
+</p:sld>
+</file>
+
+<file path=ppt/slides/slide11.xml><?xml version="1.0" encoding="utf-8"?>
+<p:sld xmlns:a="http://schemas.openxmlformats.org/drawingml/2006/main" xmlns:r="http://schemas.openxmlformats.org/officeDocument/2006/relationships" xmlns:p="http://schemas.openxmlformats.org/presentationml/2006/main">
+  <p:cSld>
+    <p:spTree>
+      <p:nvGrpSpPr>
+        <p:cNvPr id="1" name="">
+          <a:extLst>
+            <a:ext uri="{FF2B5EF4-FFF2-40B4-BE49-F238E27FC236}">
+              <a16:creationId xmlns:a16="http://schemas.microsoft.com/office/drawing/2014/main" id="{BB7EF2D4-BDDA-4675-9E5D-EAA76C4CD249}"/>
+            </a:ext>
+          </a:extLst>
+        </p:cNvPr>
+        <p:cNvGrpSpPr/>
+        <p:nvPr/>
+      </p:nvGrpSpPr>
+      <p:grpSpPr>
+        <a:xfrm>
+          <a:off x="0" y="0"/>
+          <a:ext cx="0" cy="0"/>
+          <a:chOff x="0" y="0"/>
+          <a:chExt cx="0" cy="0"/>
+        </a:xfrm>
+      </p:grpSpPr>
+      <p:sp>
+        <p:nvSpPr>
+          <p:cNvPr id="7" name="Paralelogramo 6">
+            <a:extLst>
+              <a:ext uri="{FF2B5EF4-FFF2-40B4-BE49-F238E27FC236}">
+                <a16:creationId xmlns:a16="http://schemas.microsoft.com/office/drawing/2014/main" id="{7E7A16FC-5441-26D6-EEC7-EBC87FBC560F}"/>
+              </a:ext>
+            </a:extLst>
+          </p:cNvPr>
+          <p:cNvSpPr/>
+          <p:nvPr/>
+        </p:nvSpPr>
+        <p:spPr>
+          <a:xfrm flipH="1">
+            <a:off x="0" y="0"/>
+            <a:ext cx="5527675" cy="6858000"/>
+          </a:xfrm>
+          <a:prstGeom prst="parallelogram">
+            <a:avLst/>
+          </a:prstGeom>
+          <a:solidFill>
+            <a:srgbClr val="FFCC28"/>
+          </a:solidFill>
+          <a:ln>
+            <a:noFill/>
+          </a:ln>
+        </p:spPr>
+        <p:style>
+          <a:lnRef idx="2">
+            <a:schemeClr val="accent1">
+              <a:shade val="50000"/>
+            </a:schemeClr>
+          </a:lnRef>
+          <a:fillRef idx="1">
+            <a:schemeClr val="accent1"/>
+          </a:fillRef>
+          <a:effectRef idx="0">
+            <a:schemeClr val="accent1"/>
+          </a:effectRef>
+          <a:fontRef idx="minor">
+            <a:schemeClr val="lt1"/>
+          </a:fontRef>
+        </p:style>
+        <p:txBody>
+          <a:bodyPr anchor="ctr"/>
+          <a:lstStyle/>
+          <a:p>
+            <a:pPr algn="ctr" eaLnBrk="1" fontAlgn="auto" hangingPunct="1">
+              <a:spcBef>
+                <a:spcPts val="0"/>
+              </a:spcBef>
+              <a:spcAft>
+                <a:spcPts val="0"/>
+              </a:spcAft>
+              <a:defRPr/>
+            </a:pPr>
+            <a:endParaRPr lang="es-ES">
+              <a:latin typeface="Cabin Regular" pitchFamily="2" charset="77"/>
+            </a:endParaRPr>
+          </a:p>
+        </p:txBody>
+      </p:sp>
+      <p:sp>
+        <p:nvSpPr>
+          <p:cNvPr id="3" name="Marcador de número de diapositiva 2">
+            <a:extLst>
+              <a:ext uri="{FF2B5EF4-FFF2-40B4-BE49-F238E27FC236}">
+                <a16:creationId xmlns:a16="http://schemas.microsoft.com/office/drawing/2014/main" id="{11D21DFF-47F3-4651-0614-3E6F383F7505}"/>
+              </a:ext>
+            </a:extLst>
+          </p:cNvPr>
+          <p:cNvSpPr>
+            <a:spLocks noGrp="1"/>
+          </p:cNvSpPr>
+          <p:nvPr>
+            <p:ph type="sldNum" sz="quarter" idx="12"/>
+          </p:nvPr>
+        </p:nvSpPr>
+        <p:spPr/>
+        <p:txBody>
+          <a:bodyPr/>
+          <a:lstStyle>
+            <a:lvl1pPr>
+              <a:defRPr>
+                <a:solidFill>
+                  <a:schemeClr val="tx1"/>
+                </a:solidFill>
+                <a:latin typeface="Calibri" panose="020F0502020204030204" pitchFamily="34" charset="0"/>
+              </a:defRPr>
+            </a:lvl1pPr>
+            <a:lvl2pPr marL="742950" indent="-285750">
+              <a:defRPr>
+                <a:solidFill>
+                  <a:schemeClr val="tx1"/>
+                </a:solidFill>
+                <a:latin typeface="Calibri" panose="020F0502020204030204" pitchFamily="34" charset="0"/>
+              </a:defRPr>
+            </a:lvl2pPr>
+            <a:lvl3pPr marL="1143000" indent="-228600">
+              <a:defRPr>
+                <a:solidFill>
+                  <a:schemeClr val="tx1"/>
+                </a:solidFill>
+                <a:latin typeface="Calibri" panose="020F0502020204030204" pitchFamily="34" charset="0"/>
+              </a:defRPr>
+            </a:lvl3pPr>
+            <a:lvl4pPr marL="1600200" indent="-228600">
+              <a:defRPr>
+                <a:solidFill>
+                  <a:schemeClr val="tx1"/>
+                </a:solidFill>
+                <a:latin typeface="Calibri" panose="020F0502020204030204" pitchFamily="34" charset="0"/>
+              </a:defRPr>
+            </a:lvl4pPr>
+            <a:lvl5pPr marL="2057400" indent="-228600">
+              <a:defRPr>
+                <a:solidFill>
+                  <a:schemeClr val="tx1"/>
+                </a:solidFill>
+                <a:latin typeface="Calibri" panose="020F0502020204030204" pitchFamily="34" charset="0"/>
+              </a:defRPr>
+            </a:lvl5pPr>
+            <a:lvl6pPr marL="2514600" indent="-228600" fontAlgn="base">
+              <a:spcBef>
+                <a:spcPct val="0"/>
+              </a:spcBef>
+              <a:spcAft>
+                <a:spcPct val="0"/>
+              </a:spcAft>
+              <a:defRPr>
+                <a:solidFill>
+                  <a:schemeClr val="tx1"/>
+                </a:solidFill>
+                <a:latin typeface="Calibri" panose="020F0502020204030204" pitchFamily="34" charset="0"/>
+              </a:defRPr>
+            </a:lvl6pPr>
+            <a:lvl7pPr marL="2971800" indent="-228600" fontAlgn="base">
+              <a:spcBef>
+                <a:spcPct val="0"/>
+              </a:spcBef>
+              <a:spcAft>
+                <a:spcPct val="0"/>
+              </a:spcAft>
+              <a:defRPr>
+                <a:solidFill>
+                  <a:schemeClr val="tx1"/>
+                </a:solidFill>
+                <a:latin typeface="Calibri" panose="020F0502020204030204" pitchFamily="34" charset="0"/>
+              </a:defRPr>
+            </a:lvl7pPr>
+            <a:lvl8pPr marL="3429000" indent="-228600" fontAlgn="base">
+              <a:spcBef>
+                <a:spcPct val="0"/>
+              </a:spcBef>
+              <a:spcAft>
+                <a:spcPct val="0"/>
+              </a:spcAft>
+              <a:defRPr>
+                <a:solidFill>
+                  <a:schemeClr val="tx1"/>
+                </a:solidFill>
+                <a:latin typeface="Calibri" panose="020F0502020204030204" pitchFamily="34" charset="0"/>
+              </a:defRPr>
+            </a:lvl8pPr>
+            <a:lvl9pPr marL="3886200" indent="-228600" fontAlgn="base">
+              <a:spcBef>
+                <a:spcPct val="0"/>
+              </a:spcBef>
+              <a:spcAft>
+                <a:spcPct val="0"/>
+              </a:spcAft>
+              <a:defRPr>
+                <a:solidFill>
+                  <a:schemeClr val="tx1"/>
+                </a:solidFill>
+                <a:latin typeface="Calibri" panose="020F0502020204030204" pitchFamily="34" charset="0"/>
+              </a:defRPr>
+            </a:lvl9pPr>
+          </a:lstStyle>
+          <a:p>
+            <a:fld id="{75AE09BB-B6BF-466C-9F64-2188A5A41A10}" type="slidenum">
+              <a:rPr lang="es-ES" altLang="es-ES">
+                <a:solidFill>
+                  <a:srgbClr val="898989"/>
+                </a:solidFill>
+                <a:latin typeface="Cabin Regular" pitchFamily="2" charset="0"/>
+              </a:rPr>
+              <a:pPr/>
+              <a:t>11</a:t>
+            </a:fld>
+            <a:endParaRPr lang="es-ES" altLang="es-ES">
+              <a:solidFill>
+                <a:srgbClr val="898989"/>
+              </a:solidFill>
+              <a:latin typeface="Cabin Regular" pitchFamily="2" charset="0"/>
+            </a:endParaRPr>
+          </a:p>
+        </p:txBody>
+      </p:sp>
+      <p:sp>
+        <p:nvSpPr>
+          <p:cNvPr id="4" name="CuadroTexto 3">
+            <a:extLst>
+              <a:ext uri="{FF2B5EF4-FFF2-40B4-BE49-F238E27FC236}">
+                <a16:creationId xmlns:a16="http://schemas.microsoft.com/office/drawing/2014/main" id="{837C085E-995A-6D6D-AEFC-AE153E0B3A91}"/>
+              </a:ext>
+            </a:extLst>
+          </p:cNvPr>
+          <p:cNvSpPr txBox="1"/>
+          <p:nvPr/>
+        </p:nvSpPr>
+        <p:spPr>
+          <a:xfrm>
+            <a:off x="2252663" y="2787650"/>
+            <a:ext cx="7596187" cy="923925"/>
+          </a:xfrm>
+          <a:prstGeom prst="rect">
+            <a:avLst/>
+          </a:prstGeom>
+          <a:noFill/>
+        </p:spPr>
+        <p:txBody>
+          <a:bodyPr wrap="square">
+            <a:spAutoFit/>
+          </a:bodyPr>
+          <a:lstStyle/>
+          <a:p>
+            <a:pPr algn="r" eaLnBrk="1" fontAlgn="auto" hangingPunct="1">
+              <a:spcBef>
+                <a:spcPts val="0"/>
+              </a:spcBef>
+              <a:spcAft>
+                <a:spcPts val="0"/>
+              </a:spcAft>
+              <a:defRPr/>
+            </a:pPr>
+            <a:r>
+              <a:rPr lang="es-ES" sz="3600" b="1" spc="300" dirty="0">
+                <a:latin typeface="Open Sans Extrabold" panose="020B0606030504020204" pitchFamily="34" charset="0"/>
+                <a:ea typeface="Open Sans Extrabold" panose="020B0606030504020204" pitchFamily="34" charset="0"/>
+                <a:cs typeface="Open Sans Extrabold" panose="020B0606030504020204" pitchFamily="34" charset="0"/>
+              </a:rPr>
+              <a:t>LEMUR</a:t>
+            </a:r>
+          </a:p>
+          <a:p>
+            <a:pPr eaLnBrk="1" fontAlgn="auto" hangingPunct="1">
+              <a:spcBef>
+                <a:spcPts val="0"/>
+              </a:spcBef>
+              <a:spcAft>
+                <a:spcPts val="0"/>
+              </a:spcAft>
+              <a:defRPr/>
+            </a:pPr>
+            <a:endParaRPr lang="es-ES" dirty="0">
+              <a:latin typeface="Cabin Regular" pitchFamily="2" charset="77"/>
+            </a:endParaRPr>
+          </a:p>
+        </p:txBody>
+      </p:sp>
+      <p:sp>
+        <p:nvSpPr>
+          <p:cNvPr id="5" name="Rectángulo 4">
+            <a:extLst>
+              <a:ext uri="{FF2B5EF4-FFF2-40B4-BE49-F238E27FC236}">
+                <a16:creationId xmlns:a16="http://schemas.microsoft.com/office/drawing/2014/main" id="{B108858A-EDB6-BBF6-EFB8-92CE683D63B6}"/>
+              </a:ext>
+            </a:extLst>
+          </p:cNvPr>
+          <p:cNvSpPr/>
+          <p:nvPr/>
+        </p:nvSpPr>
+        <p:spPr>
+          <a:xfrm flipV="1">
+            <a:off x="8097838" y="3527425"/>
+            <a:ext cx="1751012" cy="46038"/>
+          </a:xfrm>
+          <a:prstGeom prst="rect">
+            <a:avLst/>
+          </a:prstGeom>
+          <a:solidFill>
+            <a:srgbClr val="FFCC28"/>
+          </a:solidFill>
+          <a:ln>
+            <a:noFill/>
+          </a:ln>
+        </p:spPr>
+        <p:style>
+          <a:lnRef idx="2">
+            <a:schemeClr val="accent1">
+              <a:shade val="50000"/>
+            </a:schemeClr>
+          </a:lnRef>
+          <a:fillRef idx="1">
+            <a:schemeClr val="accent1"/>
+          </a:fillRef>
+          <a:effectRef idx="0">
+            <a:schemeClr val="accent1"/>
+          </a:effectRef>
+          <a:fontRef idx="minor">
+            <a:schemeClr val="lt1"/>
+          </a:fontRef>
+        </p:style>
+        <p:txBody>
+          <a:bodyPr anchor="ctr"/>
+          <a:lstStyle/>
+          <a:p>
+            <a:pPr algn="ctr" eaLnBrk="1" fontAlgn="auto" hangingPunct="1">
+              <a:spcBef>
+                <a:spcPts val="0"/>
+              </a:spcBef>
+              <a:spcAft>
+                <a:spcPts val="0"/>
+              </a:spcAft>
+              <a:defRPr/>
+            </a:pPr>
+            <a:endParaRPr lang="es-ES">
+              <a:latin typeface="Cabin Regular" pitchFamily="2" charset="77"/>
+            </a:endParaRPr>
+          </a:p>
+        </p:txBody>
+      </p:sp>
+      <p:pic>
+        <p:nvPicPr>
+          <p:cNvPr id="9" name="Imagen 5">
+            <a:extLst>
+              <a:ext uri="{FF2B5EF4-FFF2-40B4-BE49-F238E27FC236}">
+                <a16:creationId xmlns:a16="http://schemas.microsoft.com/office/drawing/2014/main" id="{89A4D5E0-3A45-A7C8-6E5F-66CA40D052DC}"/>
+              </a:ext>
+            </a:extLst>
+          </p:cNvPr>
+          <p:cNvPicPr>
+            <a:picLocks noChangeAspect="1" noChangeArrowheads="1"/>
+          </p:cNvPicPr>
+          <p:nvPr/>
+        </p:nvPicPr>
+        <p:blipFill>
+          <a:blip r:embed="rId2">
+            <a:extLst>
+              <a:ext uri="{28A0092B-C50C-407E-A947-70E740481C1C}">
+                <a14:useLocalDpi xmlns:a14="http://schemas.microsoft.com/office/drawing/2010/main" val="0"/>
+              </a:ext>
+            </a:extLst>
+          </a:blip>
+          <a:srcRect/>
+          <a:stretch>
+            <a:fillRect/>
+          </a:stretch>
+        </p:blipFill>
+        <p:spPr bwMode="auto">
+          <a:xfrm>
+            <a:off x="11129080" y="122503"/>
+            <a:ext cx="904080" cy="809624"/>
+          </a:xfrm>
+          <a:prstGeom prst="rect">
+            <a:avLst/>
+          </a:prstGeom>
+          <a:noFill/>
+          <a:ln>
+            <a:noFill/>
+          </a:ln>
+          <a:extLst>
+            <a:ext uri="{909E8E84-426E-40DD-AFC4-6F175D3DCCD1}">
+              <a14:hiddenFill xmlns:a14="http://schemas.microsoft.com/office/drawing/2010/main">
+                <a:solidFill>
+                  <a:srgbClr val="FFFFFF"/>
+                </a:solidFill>
+              </a14:hiddenFill>
+            </a:ext>
+            <a:ext uri="{91240B29-F687-4F45-9708-019B960494DF}">
+              <a14:hiddenLine xmlns:a14="http://schemas.microsoft.com/office/drawing/2010/main" w="9525">
+                <a:solidFill>
+                  <a:srgbClr val="000000"/>
+                </a:solidFill>
+                <a:miter lim="800000"/>
+                <a:headEnd/>
+                <a:tailEnd/>
+              </a14:hiddenLine>
+            </a:ext>
+          </a:extLst>
+        </p:spPr>
+      </p:pic>
+      <p:pic>
+        <p:nvPicPr>
+          <p:cNvPr id="10" name="Picture 2">
+            <a:extLst>
+              <a:ext uri="{FF2B5EF4-FFF2-40B4-BE49-F238E27FC236}">
+                <a16:creationId xmlns:a16="http://schemas.microsoft.com/office/drawing/2014/main" id="{31DB6920-B177-CFB4-6C48-6A91DA64DAF2}"/>
+              </a:ext>
+            </a:extLst>
+          </p:cNvPr>
+          <p:cNvPicPr>
+            <a:picLocks noChangeAspect="1" noChangeArrowheads="1"/>
+          </p:cNvPicPr>
+          <p:nvPr/>
+        </p:nvPicPr>
+        <p:blipFill>
+          <a:blip r:embed="rId3">
+            <a:extLst>
+              <a:ext uri="{28A0092B-C50C-407E-A947-70E740481C1C}">
+                <a14:useLocalDpi xmlns:a14="http://schemas.microsoft.com/office/drawing/2010/main" val="0"/>
+              </a:ext>
+            </a:extLst>
+          </a:blip>
+          <a:srcRect/>
+          <a:stretch>
+            <a:fillRect/>
+          </a:stretch>
+        </p:blipFill>
+        <p:spPr bwMode="auto">
+          <a:xfrm>
+            <a:off x="158840" y="122503"/>
+            <a:ext cx="1097236" cy="809624"/>
+          </a:xfrm>
+          <a:prstGeom prst="rect">
+            <a:avLst/>
+          </a:prstGeom>
+          <a:noFill/>
+          <a:ln>
+            <a:noFill/>
+          </a:ln>
+          <a:extLst>
+            <a:ext uri="{909E8E84-426E-40DD-AFC4-6F175D3DCCD1}">
+              <a14:hiddenFill xmlns:a14="http://schemas.microsoft.com/office/drawing/2010/main">
+                <a:solidFill>
+                  <a:srgbClr val="FFFFFF"/>
+                </a:solidFill>
+              </a14:hiddenFill>
+            </a:ext>
+            <a:ext uri="{91240B29-F687-4F45-9708-019B960494DF}">
+              <a14:hiddenLine xmlns:a14="http://schemas.microsoft.com/office/drawing/2010/main" w="9525">
+                <a:solidFill>
+                  <a:srgbClr val="000000"/>
+                </a:solidFill>
+                <a:miter lim="800000"/>
+                <a:headEnd/>
+                <a:tailEnd/>
+              </a14:hiddenLine>
+            </a:ext>
+          </a:extLst>
+        </p:spPr>
+      </p:pic>
+    </p:spTree>
+    <p:extLst>
+      <p:ext uri="{BB962C8B-B14F-4D97-AF65-F5344CB8AC3E}">
+        <p14:creationId xmlns:p14="http://schemas.microsoft.com/office/powerpoint/2010/main" val="2278873645"/>
+      </p:ext>
+    </p:extLst>
+  </p:cSld>
+  <p:clrMapOvr>
+    <a:masterClrMapping/>
+  </p:clrMapOvr>
+</p:sld>
+</file>
+
+<file path=ppt/slides/slide12.xml><?xml version="1.0" encoding="utf-8"?>
+<p:sld xmlns:a="http://schemas.openxmlformats.org/drawingml/2006/main" xmlns:r="http://schemas.openxmlformats.org/officeDocument/2006/relationships" xmlns:p="http://schemas.openxmlformats.org/presentationml/2006/main">
+  <p:cSld>
+    <p:spTree>
+      <p:nvGrpSpPr>
         <p:cNvPr id="1" name=""/>
         <p:cNvGrpSpPr/>
         <p:nvPr/>
@@ -6344,38 +7285,6 @@
       </p:grpSpPr>
       <p:sp>
         <p:nvSpPr>
-          <p:cNvPr id="2" name="Marcador de pie de página 1">
-            <a:extLst>
-              <a:ext uri="{FF2B5EF4-FFF2-40B4-BE49-F238E27FC236}">
-                <a16:creationId xmlns:a16="http://schemas.microsoft.com/office/drawing/2014/main" id="{D98776EF-0C6B-8B48-B8FC-72D089A410D9}"/>
-              </a:ext>
-            </a:extLst>
-          </p:cNvPr>
-          <p:cNvSpPr>
-            <a:spLocks noGrp="1"/>
-          </p:cNvSpPr>
-          <p:nvPr>
-            <p:ph type="ftr" sz="quarter" idx="11"/>
-          </p:nvPr>
-        </p:nvSpPr>
-        <p:spPr/>
-        <p:txBody>
-          <a:bodyPr/>
-          <a:lstStyle/>
-          <a:p>
-            <a:pPr>
-              <a:defRPr/>
-            </a:pPr>
-            <a:r>
-              <a:rPr lang="en-US"/>
-              <a:t>Presentation title or audience xxth -----  20xx</a:t>
-            </a:r>
-            <a:endParaRPr lang="es-ES"/>
-          </a:p>
-        </p:txBody>
-      </p:sp>
-      <p:sp>
-        <p:nvSpPr>
           <p:cNvPr id="3" name="Marcador de número de diapositiva 2">
             <a:extLst>
               <a:ext uri="{FF2B5EF4-FFF2-40B4-BE49-F238E27FC236}">
@@ -6500,7 +7409,7 @@
                 <a:latin typeface="Cabin Regular" pitchFamily="2" charset="0"/>
               </a:rPr>
               <a:pPr/>
-              <a:t>10</a:t>
+              <a:t>12</a:t>
             </a:fld>
             <a:endParaRPr lang="es-ES" altLang="es-ES">
               <a:solidFill>
@@ -7430,7 +8339,7 @@
 </p:sld>
 </file>
 
-<file path=ppt/slides/slide11.xml><?xml version="1.0" encoding="utf-8"?>
+<file path=ppt/slides/slide13.xml><?xml version="1.0" encoding="utf-8"?>
 <p:sld xmlns:a="http://schemas.openxmlformats.org/drawingml/2006/main" xmlns:r="http://schemas.openxmlformats.org/officeDocument/2006/relationships" xmlns:p="http://schemas.openxmlformats.org/presentationml/2006/main">
   <p:cSld>
     <p:spTree>
@@ -7449,38 +8358,6 @@
       </p:grpSpPr>
       <p:sp>
         <p:nvSpPr>
-          <p:cNvPr id="2" name="Marcador de pie de página 1">
-            <a:extLst>
-              <a:ext uri="{FF2B5EF4-FFF2-40B4-BE49-F238E27FC236}">
-                <a16:creationId xmlns:a16="http://schemas.microsoft.com/office/drawing/2014/main" id="{E1BE85F9-1F56-FB4F-B3C3-98909018939D}"/>
-              </a:ext>
-            </a:extLst>
-          </p:cNvPr>
-          <p:cNvSpPr>
-            <a:spLocks noGrp="1"/>
-          </p:cNvSpPr>
-          <p:nvPr>
-            <p:ph type="ftr" sz="quarter" idx="11"/>
-          </p:nvPr>
-        </p:nvSpPr>
-        <p:spPr/>
-        <p:txBody>
-          <a:bodyPr/>
-          <a:lstStyle/>
-          <a:p>
-            <a:pPr>
-              <a:defRPr/>
-            </a:pPr>
-            <a:r>
-              <a:rPr lang="en-US"/>
-              <a:t>Presentation title or audience xxth -----  20xx</a:t>
-            </a:r>
-            <a:endParaRPr lang="es-ES"/>
-          </a:p>
-        </p:txBody>
-      </p:sp>
-      <p:sp>
-        <p:nvSpPr>
           <p:cNvPr id="3" name="Marcador de número de diapositiva 2">
             <a:extLst>
               <a:ext uri="{FF2B5EF4-FFF2-40B4-BE49-F238E27FC236}">
@@ -7605,7 +8482,7 @@
                 <a:latin typeface="Cabin Regular" pitchFamily="2" charset="0"/>
               </a:rPr>
               <a:pPr/>
-              <a:t>11</a:t>
+              <a:t>13</a:t>
             </a:fld>
             <a:endParaRPr lang="es-ES" altLang="es-ES">
               <a:solidFill>
@@ -9432,7 +10309,7 @@
 </p:sld>
 </file>
 
-<file path=ppt/slides/slide12.xml><?xml version="1.0" encoding="utf-8"?>
+<file path=ppt/slides/slide14.xml><?xml version="1.0" encoding="utf-8"?>
 <p:sld xmlns:a="http://schemas.openxmlformats.org/drawingml/2006/main" xmlns:r="http://schemas.openxmlformats.org/officeDocument/2006/relationships" xmlns:p="http://schemas.openxmlformats.org/presentationml/2006/main">
   <p:cSld>
     <p:spTree>
@@ -9451,38 +10328,6 @@
       </p:grpSpPr>
       <p:sp>
         <p:nvSpPr>
-          <p:cNvPr id="2" name="Marcador de pie de página 1">
-            <a:extLst>
-              <a:ext uri="{FF2B5EF4-FFF2-40B4-BE49-F238E27FC236}">
-                <a16:creationId xmlns:a16="http://schemas.microsoft.com/office/drawing/2014/main" id="{AAA9A7F4-CD38-364E-8A42-91C42FE802DF}"/>
-              </a:ext>
-            </a:extLst>
-          </p:cNvPr>
-          <p:cNvSpPr>
-            <a:spLocks noGrp="1"/>
-          </p:cNvSpPr>
-          <p:nvPr>
-            <p:ph type="ftr" sz="quarter" idx="11"/>
-          </p:nvPr>
-        </p:nvSpPr>
-        <p:spPr/>
-        <p:txBody>
-          <a:bodyPr/>
-          <a:lstStyle/>
-          <a:p>
-            <a:pPr>
-              <a:defRPr/>
-            </a:pPr>
-            <a:r>
-              <a:rPr lang="en-US"/>
-              <a:t>Presentation title or audience xxth -----  20xx</a:t>
-            </a:r>
-            <a:endParaRPr lang="es-ES"/>
-          </a:p>
-        </p:txBody>
-      </p:sp>
-      <p:sp>
-        <p:nvSpPr>
           <p:cNvPr id="3" name="Marcador de número de diapositiva 2">
             <a:extLst>
               <a:ext uri="{FF2B5EF4-FFF2-40B4-BE49-F238E27FC236}">
@@ -9607,7 +10452,7 @@
                 <a:latin typeface="Cabin Regular" pitchFamily="2" charset="0"/>
               </a:rPr>
               <a:pPr/>
-              <a:t>12</a:t>
+              <a:t>14</a:t>
             </a:fld>
             <a:endParaRPr lang="es-ES" altLang="es-ES">
               <a:solidFill>
@@ -10454,7 +11299,7 @@
 </p:sld>
 </file>
 
-<file path=ppt/slides/slide13.xml><?xml version="1.0" encoding="utf-8"?>
+<file path=ppt/slides/slide15.xml><?xml version="1.0" encoding="utf-8"?>
 <p:sld xmlns:a="http://schemas.openxmlformats.org/drawingml/2006/main" xmlns:r="http://schemas.openxmlformats.org/officeDocument/2006/relationships" xmlns:p="http://schemas.openxmlformats.org/presentationml/2006/main">
   <p:cSld>
     <p:spTree>
@@ -10509,7 +11354,7 @@
               <a:defRPr/>
             </a:pPr>
             <a:r>
-              <a:rPr lang="es-ES" sz="3600" b="1" spc="300">
+              <a:rPr lang="es-ES" sz="3600" b="1" spc="300" dirty="0">
                 <a:latin typeface="Open Sans Extrabold" panose="020B0606030504020204" pitchFamily="34" charset="0"/>
                 <a:ea typeface="Open Sans Extrabold" panose="020B0606030504020204" pitchFamily="34" charset="0"/>
                 <a:cs typeface="Open Sans Extrabold" panose="020B0606030504020204" pitchFamily="34" charset="0"/>
@@ -10528,7 +11373,7 @@
               <a:defRPr/>
             </a:pPr>
             <a:r>
-              <a:rPr lang="es-ES" sz="3600" b="1" i="1" spc="300" err="1">
+              <a:rPr lang="es-ES" sz="3600" b="1" i="1" spc="300" dirty="0" err="1">
                 <a:solidFill>
                   <a:schemeClr val="tx1">
                     <a:lumMod val="50000"/>
@@ -10539,10 +11384,10 @@
                 <a:ea typeface="Open Sans Extrabold" panose="020B0606030504020204" pitchFamily="34" charset="0"/>
                 <a:cs typeface="Open Sans Extrabold" panose="020B0606030504020204" pitchFamily="34" charset="0"/>
               </a:rPr>
-              <a:t>Any</a:t>
-            </a:r>
-            <a:r>
-              <a:rPr lang="es-ES" sz="3600" b="1" i="1" spc="300">
+              <a:t>Please</a:t>
+            </a:r>
+            <a:r>
+              <a:rPr lang="es-ES" sz="3600" b="1" i="1" spc="300" dirty="0">
                 <a:solidFill>
                   <a:schemeClr val="tx1">
                     <a:lumMod val="50000"/>
@@ -10553,10 +11398,10 @@
                 <a:ea typeface="Open Sans Extrabold" panose="020B0606030504020204" pitchFamily="34" charset="0"/>
                 <a:cs typeface="Open Sans Extrabold" panose="020B0606030504020204" pitchFamily="34" charset="0"/>
               </a:rPr>
-              <a:t> </a:t>
-            </a:r>
-            <a:r>
-              <a:rPr lang="es-ES" sz="3600" b="1" i="1" spc="300" err="1">
+              <a:t> be in </a:t>
+            </a:r>
+            <a:r>
+              <a:rPr lang="es-ES" sz="3600" b="1" i="1" spc="300" dirty="0" err="1">
                 <a:solidFill>
                   <a:schemeClr val="tx1">
                     <a:lumMod val="50000"/>
@@ -10567,10 +11412,10 @@
                 <a:ea typeface="Open Sans Extrabold" panose="020B0606030504020204" pitchFamily="34" charset="0"/>
                 <a:cs typeface="Open Sans Extrabold" panose="020B0606030504020204" pitchFamily="34" charset="0"/>
               </a:rPr>
-              <a:t>question</a:t>
-            </a:r>
-            <a:r>
-              <a:rPr lang="es-ES" sz="3600" b="1" i="1" spc="300">
+              <a:t>touch</a:t>
+            </a:r>
+            <a:r>
+              <a:rPr lang="es-ES" sz="3600" b="1" i="1" spc="300" dirty="0">
                 <a:solidFill>
                   <a:schemeClr val="tx1">
                     <a:lumMod val="50000"/>
@@ -10581,7 +11426,7 @@
                 <a:ea typeface="Open Sans Extrabold" panose="020B0606030504020204" pitchFamily="34" charset="0"/>
                 <a:cs typeface="Open Sans Extrabold" panose="020B0606030504020204" pitchFamily="34" charset="0"/>
               </a:rPr>
-              <a:t>?</a:t>
+              <a:t>!</a:t>
             </a:r>
           </a:p>
           <a:p>
@@ -10594,7 +11439,7 @@
               </a:spcAft>
               <a:defRPr/>
             </a:pPr>
-            <a:endParaRPr lang="es-ES">
+            <a:endParaRPr lang="es-ES" dirty="0">
               <a:latin typeface="Cabin Regular" pitchFamily="2" charset="77"/>
             </a:endParaRPr>
           </a:p>
@@ -10724,38 +11569,6 @@
       </p:pic>
       <p:sp>
         <p:nvSpPr>
-          <p:cNvPr id="2" name="Marcador de pie de página 1">
-            <a:extLst>
-              <a:ext uri="{FF2B5EF4-FFF2-40B4-BE49-F238E27FC236}">
-                <a16:creationId xmlns:a16="http://schemas.microsoft.com/office/drawing/2014/main" id="{A84C1B40-53CC-BE11-B803-EF00195C44B8}"/>
-              </a:ext>
-            </a:extLst>
-          </p:cNvPr>
-          <p:cNvSpPr>
-            <a:spLocks noGrp="1"/>
-          </p:cNvSpPr>
-          <p:nvPr>
-            <p:ph type="ftr" sz="quarter" idx="11"/>
-          </p:nvPr>
-        </p:nvSpPr>
-        <p:spPr/>
-        <p:txBody>
-          <a:bodyPr/>
-          <a:lstStyle/>
-          <a:p>
-            <a:pPr>
-              <a:defRPr/>
-            </a:pPr>
-            <a:r>
-              <a:rPr lang="en-US"/>
-              <a:t>Presentation title or audience xxth -----  20xx</a:t>
-            </a:r>
-            <a:endParaRPr lang="es-ES"/>
-          </a:p>
-        </p:txBody>
-      </p:sp>
-      <p:sp>
-        <p:nvSpPr>
           <p:cNvPr id="3" name="Marcador de número de diapositiva 2">
             <a:extLst>
               <a:ext uri="{FF2B5EF4-FFF2-40B4-BE49-F238E27FC236}">
@@ -10778,7 +11591,7 @@
             <a:fld id="{F80BEE8C-9BC8-4092-9420-3642836EC31C}" type="slidenum">
               <a:rPr lang="es-ES" altLang="es-ES" smtClean="0"/>
               <a:pPr/>
-              <a:t>13</a:t>
+              <a:t>15</a:t>
             </a:fld>
             <a:endParaRPr lang="es-ES" altLang="es-ES"/>
           </a:p>
@@ -10868,38 +11681,6 @@
             <a:endParaRPr lang="es-ES">
               <a:latin typeface="Cabin Regular" pitchFamily="2" charset="77"/>
             </a:endParaRPr>
-          </a:p>
-        </p:txBody>
-      </p:sp>
-      <p:sp>
-        <p:nvSpPr>
-          <p:cNvPr id="2" name="Marcador de pie de página 1">
-            <a:extLst>
-              <a:ext uri="{FF2B5EF4-FFF2-40B4-BE49-F238E27FC236}">
-                <a16:creationId xmlns:a16="http://schemas.microsoft.com/office/drawing/2014/main" id="{84EBF240-1F35-4E48-8747-BC384C8AA09F}"/>
-              </a:ext>
-            </a:extLst>
-          </p:cNvPr>
-          <p:cNvSpPr>
-            <a:spLocks noGrp="1"/>
-          </p:cNvSpPr>
-          <p:nvPr>
-            <p:ph type="ftr" sz="quarter" idx="11"/>
-          </p:nvPr>
-        </p:nvSpPr>
-        <p:spPr/>
-        <p:txBody>
-          <a:bodyPr/>
-          <a:lstStyle/>
-          <a:p>
-            <a:pPr>
-              <a:defRPr/>
-            </a:pPr>
-            <a:r>
-              <a:rPr lang="en-US"/>
-              <a:t>Presentation title or audience xxth -----  20xx</a:t>
-            </a:r>
-            <a:endParaRPr lang="es-ES"/>
           </a:p>
         </p:txBody>
       </p:sp>
@@ -12002,7 +12783,7 @@
         </p:nvSpPr>
         <p:spPr>
           <a:xfrm>
-            <a:off x="2491371" y="5259518"/>
+            <a:off x="2916251" y="5282488"/>
             <a:ext cx="1946306" cy="646331"/>
           </a:xfrm>
           <a:prstGeom prst="rect">
@@ -12550,38 +13331,6 @@
       </p:sp>
       <p:sp>
         <p:nvSpPr>
-          <p:cNvPr id="4" name="Footer Placeholder 3">
-            <a:extLst>
-              <a:ext uri="{FF2B5EF4-FFF2-40B4-BE49-F238E27FC236}">
-                <a16:creationId xmlns:a16="http://schemas.microsoft.com/office/drawing/2014/main" id="{B2490729-58C7-99A7-0A3F-4E4AA24198A7}"/>
-              </a:ext>
-            </a:extLst>
-          </p:cNvPr>
-          <p:cNvSpPr>
-            <a:spLocks noGrp="1"/>
-          </p:cNvSpPr>
-          <p:nvPr>
-            <p:ph type="ftr" sz="quarter" idx="11"/>
-          </p:nvPr>
-        </p:nvSpPr>
-        <p:spPr/>
-        <p:txBody>
-          <a:bodyPr/>
-          <a:lstStyle/>
-          <a:p>
-            <a:pPr>
-              <a:defRPr/>
-            </a:pPr>
-            <a:r>
-              <a:rPr lang="en-US"/>
-              <a:t>Presentation title or audience xxth -----  20xx</a:t>
-            </a:r>
-            <a:endParaRPr lang="es-ES"/>
-          </a:p>
-        </p:txBody>
-      </p:sp>
-      <p:sp>
-        <p:nvSpPr>
           <p:cNvPr id="5" name="Slide Number Placeholder 4">
             <a:extLst>
               <a:ext uri="{FF2B5EF4-FFF2-40B4-BE49-F238E27FC236}">
@@ -13147,38 +13896,6 @@
       </p:pic>
       <p:sp>
         <p:nvSpPr>
-          <p:cNvPr id="4" name="Footer Placeholder 3">
-            <a:extLst>
-              <a:ext uri="{FF2B5EF4-FFF2-40B4-BE49-F238E27FC236}">
-                <a16:creationId xmlns:a16="http://schemas.microsoft.com/office/drawing/2014/main" id="{45F60896-D9CD-B260-18BC-2A250B4D943A}"/>
-              </a:ext>
-            </a:extLst>
-          </p:cNvPr>
-          <p:cNvSpPr>
-            <a:spLocks noGrp="1"/>
-          </p:cNvSpPr>
-          <p:nvPr>
-            <p:ph type="ftr" sz="quarter" idx="11"/>
-          </p:nvPr>
-        </p:nvSpPr>
-        <p:spPr/>
-        <p:txBody>
-          <a:bodyPr/>
-          <a:lstStyle/>
-          <a:p>
-            <a:pPr>
-              <a:defRPr/>
-            </a:pPr>
-            <a:r>
-              <a:rPr lang="en-US"/>
-              <a:t>Presentation title or audience xxth -----  20xx</a:t>
-            </a:r>
-            <a:endParaRPr lang="es-ES"/>
-          </a:p>
-        </p:txBody>
-      </p:sp>
-      <p:sp>
-        <p:nvSpPr>
           <p:cNvPr id="5" name="Slide Number Placeholder 4">
             <a:extLst>
               <a:ext uri="{FF2B5EF4-FFF2-40B4-BE49-F238E27FC236}">
@@ -13504,38 +14221,6 @@
       </p:pic>
       <p:sp>
         <p:nvSpPr>
-          <p:cNvPr id="4" name="Footer Placeholder 3">
-            <a:extLst>
-              <a:ext uri="{FF2B5EF4-FFF2-40B4-BE49-F238E27FC236}">
-                <a16:creationId xmlns:a16="http://schemas.microsoft.com/office/drawing/2014/main" id="{893F8B9F-8AD7-199E-1249-7242CF7BC51D}"/>
-              </a:ext>
-            </a:extLst>
-          </p:cNvPr>
-          <p:cNvSpPr>
-            <a:spLocks noGrp="1"/>
-          </p:cNvSpPr>
-          <p:nvPr>
-            <p:ph type="ftr" sz="quarter" idx="11"/>
-          </p:nvPr>
-        </p:nvSpPr>
-        <p:spPr/>
-        <p:txBody>
-          <a:bodyPr/>
-          <a:lstStyle/>
-          <a:p>
-            <a:pPr>
-              <a:defRPr/>
-            </a:pPr>
-            <a:r>
-              <a:rPr lang="en-US"/>
-              <a:t>Presentation title or audience xxth -----  20xx</a:t>
-            </a:r>
-            <a:endParaRPr lang="es-ES"/>
-          </a:p>
-        </p:txBody>
-      </p:sp>
-      <p:sp>
-        <p:nvSpPr>
           <p:cNvPr id="5" name="Slide Number Placeholder 4">
             <a:extLst>
               <a:ext uri="{FF2B5EF4-FFF2-40B4-BE49-F238E27FC236}">
@@ -13954,38 +14639,6 @@
       </p:pic>
       <p:sp>
         <p:nvSpPr>
-          <p:cNvPr id="4" name="Footer Placeholder 3">
-            <a:extLst>
-              <a:ext uri="{FF2B5EF4-FFF2-40B4-BE49-F238E27FC236}">
-                <a16:creationId xmlns:a16="http://schemas.microsoft.com/office/drawing/2014/main" id="{BD732E02-7B10-11A6-02C9-CCAF31915932}"/>
-              </a:ext>
-            </a:extLst>
-          </p:cNvPr>
-          <p:cNvSpPr>
-            <a:spLocks noGrp="1"/>
-          </p:cNvSpPr>
-          <p:nvPr>
-            <p:ph type="ftr" sz="quarter" idx="11"/>
-          </p:nvPr>
-        </p:nvSpPr>
-        <p:spPr/>
-        <p:txBody>
-          <a:bodyPr/>
-          <a:lstStyle/>
-          <a:p>
-            <a:pPr>
-              <a:defRPr/>
-            </a:pPr>
-            <a:r>
-              <a:rPr lang="en-US"/>
-              <a:t>Presentation title or audience xxth -----  20xx</a:t>
-            </a:r>
-            <a:endParaRPr lang="es-ES"/>
-          </a:p>
-        </p:txBody>
-      </p:sp>
-      <p:sp>
-        <p:nvSpPr>
           <p:cNvPr id="5" name="Slide Number Placeholder 4">
             <a:extLst>
               <a:ext uri="{FF2B5EF4-FFF2-40B4-BE49-F238E27FC236}">
@@ -14274,51 +14927,6 @@
           </a:p>
         </p:txBody>
       </p:sp>
-      <p:cxnSp>
-        <p:nvCxnSpPr>
-          <p:cNvPr id="7" name="Straight Arrow Connector 6">
-            <a:extLst>
-              <a:ext uri="{FF2B5EF4-FFF2-40B4-BE49-F238E27FC236}">
-                <a16:creationId xmlns:a16="http://schemas.microsoft.com/office/drawing/2014/main" id="{588630B3-55E7-2124-5875-3C9202737007}"/>
-              </a:ext>
-            </a:extLst>
-          </p:cNvPr>
-          <p:cNvCxnSpPr>
-            <a:cxnSpLocks/>
-            <a:stCxn id="85" idx="0"/>
-          </p:cNvCxnSpPr>
-          <p:nvPr/>
-        </p:nvCxnSpPr>
-        <p:spPr>
-          <a:xfrm flipV="1">
-            <a:off x="2267502" y="330890"/>
-            <a:ext cx="135753" cy="730828"/>
-          </a:xfrm>
-          <a:prstGeom prst="straightConnector1">
-            <a:avLst/>
-          </a:prstGeom>
-          <a:ln w="38100">
-            <a:solidFill>
-              <a:srgbClr val="FFCC28"/>
-            </a:solidFill>
-            <a:tailEnd type="triangle"/>
-          </a:ln>
-        </p:spPr>
-        <p:style>
-          <a:lnRef idx="1">
-            <a:schemeClr val="accent1"/>
-          </a:lnRef>
-          <a:fillRef idx="0">
-            <a:schemeClr val="accent1"/>
-          </a:fillRef>
-          <a:effectRef idx="0">
-            <a:schemeClr val="accent1"/>
-          </a:effectRef>
-          <a:fontRef idx="minor">
-            <a:schemeClr val="tx1"/>
-          </a:fontRef>
-        </p:style>
-      </p:cxnSp>
       <p:sp>
         <p:nvSpPr>
           <p:cNvPr id="10" name="Rectangle 9">
@@ -14833,38 +15441,6 @@
       </p:sp>
       <p:sp>
         <p:nvSpPr>
-          <p:cNvPr id="2" name="Marcador de pie de página 1">
-            <a:extLst>
-              <a:ext uri="{FF2B5EF4-FFF2-40B4-BE49-F238E27FC236}">
-                <a16:creationId xmlns:a16="http://schemas.microsoft.com/office/drawing/2014/main" id="{86CEB71C-C2F9-BA81-0B52-975C337A9AC4}"/>
-              </a:ext>
-            </a:extLst>
-          </p:cNvPr>
-          <p:cNvSpPr>
-            <a:spLocks noGrp="1"/>
-          </p:cNvSpPr>
-          <p:nvPr>
-            <p:ph type="ftr" sz="quarter" idx="11"/>
-          </p:nvPr>
-        </p:nvSpPr>
-        <p:spPr/>
-        <p:txBody>
-          <a:bodyPr/>
-          <a:lstStyle/>
-          <a:p>
-            <a:pPr>
-              <a:defRPr/>
-            </a:pPr>
-            <a:r>
-              <a:rPr lang="en-US"/>
-              <a:t>Presentation title or audience xxth -----  20xx</a:t>
-            </a:r>
-            <a:endParaRPr lang="es-ES"/>
-          </a:p>
-        </p:txBody>
-      </p:sp>
-      <p:sp>
-        <p:nvSpPr>
           <p:cNvPr id="3" name="Marcador de número de diapositiva 2">
             <a:extLst>
               <a:ext uri="{FF2B5EF4-FFF2-40B4-BE49-F238E27FC236}">
@@ -15452,7 +16028,7 @@
         <p:cNvPr id="1" name="">
           <a:extLst>
             <a:ext uri="{FF2B5EF4-FFF2-40B4-BE49-F238E27FC236}">
-              <a16:creationId xmlns:a16="http://schemas.microsoft.com/office/drawing/2014/main" id="{BB7EF2D4-BDDA-4675-9E5D-EAA76C4CD249}"/>
+              <a16:creationId xmlns:a16="http://schemas.microsoft.com/office/drawing/2014/main" id="{4268C67E-1B58-9CE1-5EA2-AEFFA1946821}"/>
             </a:ext>
           </a:extLst>
         </p:cNvPr>
@@ -15467,106 +16043,42 @@
           <a:chExt cx="0" cy="0"/>
         </a:xfrm>
       </p:grpSpPr>
+      <p:pic>
+        <p:nvPicPr>
+          <p:cNvPr id="8" name="Picture 7" descr="A graph with blue and red lines&#10;&#10;AI-generated content may be incorrect.">
+            <a:extLst>
+              <a:ext uri="{FF2B5EF4-FFF2-40B4-BE49-F238E27FC236}">
+                <a16:creationId xmlns:a16="http://schemas.microsoft.com/office/drawing/2014/main" id="{A0F6F066-E2C9-6571-D188-D83E88AFC310}"/>
+              </a:ext>
+            </a:extLst>
+          </p:cNvPr>
+          <p:cNvPicPr>
+            <a:picLocks noChangeAspect="1"/>
+          </p:cNvPicPr>
+          <p:nvPr/>
+        </p:nvPicPr>
+        <p:blipFill>
+          <a:blip r:embed="rId2"/>
+          <a:stretch>
+            <a:fillRect/>
+          </a:stretch>
+        </p:blipFill>
+        <p:spPr>
+          <a:xfrm>
+            <a:off x="1271332" y="975436"/>
+            <a:ext cx="10761828" cy="5380914"/>
+          </a:xfrm>
+          <a:prstGeom prst="rect">
+            <a:avLst/>
+          </a:prstGeom>
+        </p:spPr>
+      </p:pic>
       <p:sp>
         <p:nvSpPr>
-          <p:cNvPr id="7" name="Paralelogramo 6">
-            <a:extLst>
-              <a:ext uri="{FF2B5EF4-FFF2-40B4-BE49-F238E27FC236}">
-                <a16:creationId xmlns:a16="http://schemas.microsoft.com/office/drawing/2014/main" id="{7E7A16FC-5441-26D6-EEC7-EBC87FBC560F}"/>
-              </a:ext>
-            </a:extLst>
-          </p:cNvPr>
-          <p:cNvSpPr/>
-          <p:nvPr/>
-        </p:nvSpPr>
-        <p:spPr>
-          <a:xfrm flipH="1">
-            <a:off x="0" y="0"/>
-            <a:ext cx="5527675" cy="6858000"/>
-          </a:xfrm>
-          <a:prstGeom prst="parallelogram">
-            <a:avLst/>
-          </a:prstGeom>
-          <a:solidFill>
-            <a:srgbClr val="FFCC28"/>
-          </a:solidFill>
-          <a:ln>
-            <a:noFill/>
-          </a:ln>
-        </p:spPr>
-        <p:style>
-          <a:lnRef idx="2">
-            <a:schemeClr val="accent1">
-              <a:shade val="50000"/>
-            </a:schemeClr>
-          </a:lnRef>
-          <a:fillRef idx="1">
-            <a:schemeClr val="accent1"/>
-          </a:fillRef>
-          <a:effectRef idx="0">
-            <a:schemeClr val="accent1"/>
-          </a:effectRef>
-          <a:fontRef idx="minor">
-            <a:schemeClr val="lt1"/>
-          </a:fontRef>
-        </p:style>
-        <p:txBody>
-          <a:bodyPr anchor="ctr"/>
-          <a:lstStyle/>
-          <a:p>
-            <a:pPr algn="ctr" eaLnBrk="1" fontAlgn="auto" hangingPunct="1">
-              <a:spcBef>
-                <a:spcPts val="0"/>
-              </a:spcBef>
-              <a:spcAft>
-                <a:spcPts val="0"/>
-              </a:spcAft>
-              <a:defRPr/>
-            </a:pPr>
-            <a:endParaRPr lang="es-ES">
-              <a:latin typeface="Cabin Regular" pitchFamily="2" charset="77"/>
-            </a:endParaRPr>
-          </a:p>
-        </p:txBody>
-      </p:sp>
-      <p:sp>
-        <p:nvSpPr>
-          <p:cNvPr id="2" name="Marcador de pie de página 1">
-            <a:extLst>
-              <a:ext uri="{FF2B5EF4-FFF2-40B4-BE49-F238E27FC236}">
-                <a16:creationId xmlns:a16="http://schemas.microsoft.com/office/drawing/2014/main" id="{6479BBCA-64B9-884F-E3C3-D31AA71C4E22}"/>
-              </a:ext>
-            </a:extLst>
-          </p:cNvPr>
-          <p:cNvSpPr>
-            <a:spLocks noGrp="1"/>
-          </p:cNvSpPr>
-          <p:nvPr>
-            <p:ph type="ftr" sz="quarter" idx="11"/>
-          </p:nvPr>
-        </p:nvSpPr>
-        <p:spPr/>
-        <p:txBody>
-          <a:bodyPr/>
-          <a:lstStyle/>
-          <a:p>
-            <a:pPr>
-              <a:defRPr/>
-            </a:pPr>
-            <a:r>
-              <a:rPr lang="en-US"/>
-              <a:t>Presentation title or audience xxth -----  20xx</a:t>
-            </a:r>
-            <a:endParaRPr lang="es-ES"/>
-          </a:p>
-        </p:txBody>
-      </p:sp>
-      <p:sp>
-        <p:nvSpPr>
-          <p:cNvPr id="3" name="Marcador de número de diapositiva 2">
-            <a:extLst>
-              <a:ext uri="{FF2B5EF4-FFF2-40B4-BE49-F238E27FC236}">
-                <a16:creationId xmlns:a16="http://schemas.microsoft.com/office/drawing/2014/main" id="{11D21DFF-47F3-4651-0614-3E6F383F7505}"/>
+          <p:cNvPr id="5" name="Slide Number Placeholder 4">
+            <a:extLst>
+              <a:ext uri="{FF2B5EF4-FFF2-40B4-BE49-F238E27FC236}">
+                <a16:creationId xmlns:a16="http://schemas.microsoft.com/office/drawing/2014/main" id="{105AA40D-D4BE-11CB-E902-CC0B8BC4E429}"/>
               </a:ext>
             </a:extLst>
           </p:cNvPr>
@@ -15580,130 +16092,23 @@
         <p:spPr/>
         <p:txBody>
           <a:bodyPr/>
-          <a:lstStyle>
-            <a:lvl1pPr>
-              <a:defRPr>
-                <a:solidFill>
-                  <a:schemeClr val="tx1"/>
-                </a:solidFill>
-                <a:latin typeface="Calibri" panose="020F0502020204030204" pitchFamily="34" charset="0"/>
-              </a:defRPr>
-            </a:lvl1pPr>
-            <a:lvl2pPr marL="742950" indent="-285750">
-              <a:defRPr>
-                <a:solidFill>
-                  <a:schemeClr val="tx1"/>
-                </a:solidFill>
-                <a:latin typeface="Calibri" panose="020F0502020204030204" pitchFamily="34" charset="0"/>
-              </a:defRPr>
-            </a:lvl2pPr>
-            <a:lvl3pPr marL="1143000" indent="-228600">
-              <a:defRPr>
-                <a:solidFill>
-                  <a:schemeClr val="tx1"/>
-                </a:solidFill>
-                <a:latin typeface="Calibri" panose="020F0502020204030204" pitchFamily="34" charset="0"/>
-              </a:defRPr>
-            </a:lvl3pPr>
-            <a:lvl4pPr marL="1600200" indent="-228600">
-              <a:defRPr>
-                <a:solidFill>
-                  <a:schemeClr val="tx1"/>
-                </a:solidFill>
-                <a:latin typeface="Calibri" panose="020F0502020204030204" pitchFamily="34" charset="0"/>
-              </a:defRPr>
-            </a:lvl4pPr>
-            <a:lvl5pPr marL="2057400" indent="-228600">
-              <a:defRPr>
-                <a:solidFill>
-                  <a:schemeClr val="tx1"/>
-                </a:solidFill>
-                <a:latin typeface="Calibri" panose="020F0502020204030204" pitchFamily="34" charset="0"/>
-              </a:defRPr>
-            </a:lvl5pPr>
-            <a:lvl6pPr marL="2514600" indent="-228600" fontAlgn="base">
-              <a:spcBef>
-                <a:spcPct val="0"/>
-              </a:spcBef>
-              <a:spcAft>
-                <a:spcPct val="0"/>
-              </a:spcAft>
-              <a:defRPr>
-                <a:solidFill>
-                  <a:schemeClr val="tx1"/>
-                </a:solidFill>
-                <a:latin typeface="Calibri" panose="020F0502020204030204" pitchFamily="34" charset="0"/>
-              </a:defRPr>
-            </a:lvl6pPr>
-            <a:lvl7pPr marL="2971800" indent="-228600" fontAlgn="base">
-              <a:spcBef>
-                <a:spcPct val="0"/>
-              </a:spcBef>
-              <a:spcAft>
-                <a:spcPct val="0"/>
-              </a:spcAft>
-              <a:defRPr>
-                <a:solidFill>
-                  <a:schemeClr val="tx1"/>
-                </a:solidFill>
-                <a:latin typeface="Calibri" panose="020F0502020204030204" pitchFamily="34" charset="0"/>
-              </a:defRPr>
-            </a:lvl7pPr>
-            <a:lvl8pPr marL="3429000" indent="-228600" fontAlgn="base">
-              <a:spcBef>
-                <a:spcPct val="0"/>
-              </a:spcBef>
-              <a:spcAft>
-                <a:spcPct val="0"/>
-              </a:spcAft>
-              <a:defRPr>
-                <a:solidFill>
-                  <a:schemeClr val="tx1"/>
-                </a:solidFill>
-                <a:latin typeface="Calibri" panose="020F0502020204030204" pitchFamily="34" charset="0"/>
-              </a:defRPr>
-            </a:lvl8pPr>
-            <a:lvl9pPr marL="3886200" indent="-228600" fontAlgn="base">
-              <a:spcBef>
-                <a:spcPct val="0"/>
-              </a:spcBef>
-              <a:spcAft>
-                <a:spcPct val="0"/>
-              </a:spcAft>
-              <a:defRPr>
-                <a:solidFill>
-                  <a:schemeClr val="tx1"/>
-                </a:solidFill>
-                <a:latin typeface="Calibri" panose="020F0502020204030204" pitchFamily="34" charset="0"/>
-              </a:defRPr>
-            </a:lvl9pPr>
-          </a:lstStyle>
-          <a:p>
-            <a:fld id="{75AE09BB-B6BF-466C-9F64-2188A5A41A10}" type="slidenum">
-              <a:rPr lang="es-ES" altLang="es-ES">
-                <a:solidFill>
-                  <a:srgbClr val="898989"/>
-                </a:solidFill>
-                <a:latin typeface="Cabin Regular" pitchFamily="2" charset="0"/>
-              </a:rPr>
+          <a:lstStyle/>
+          <a:p>
+            <a:fld id="{D86B3D54-5C84-4380-B90C-31F636633DA2}" type="slidenum">
+              <a:rPr lang="es-ES" altLang="es-ES" smtClean="0"/>
               <a:pPr/>
               <a:t>9</a:t>
             </a:fld>
-            <a:endParaRPr lang="es-ES" altLang="es-ES">
-              <a:solidFill>
-                <a:srgbClr val="898989"/>
-              </a:solidFill>
-              <a:latin typeface="Cabin Regular" pitchFamily="2" charset="0"/>
-            </a:endParaRPr>
+            <a:endParaRPr lang="es-ES" altLang="es-ES"/>
           </a:p>
         </p:txBody>
       </p:sp>
       <p:sp>
         <p:nvSpPr>
-          <p:cNvPr id="4" name="CuadroTexto 3">
-            <a:extLst>
-              <a:ext uri="{FF2B5EF4-FFF2-40B4-BE49-F238E27FC236}">
-                <a16:creationId xmlns:a16="http://schemas.microsoft.com/office/drawing/2014/main" id="{837C085E-995A-6D6D-AEFC-AE153E0B3A91}"/>
+          <p:cNvPr id="85" name="TextBox 84">
+            <a:extLst>
+              <a:ext uri="{FF2B5EF4-FFF2-40B4-BE49-F238E27FC236}">
+                <a16:creationId xmlns:a16="http://schemas.microsoft.com/office/drawing/2014/main" id="{DAC0C50A-38C2-98D9-D8FC-41749C1392F9}"/>
               </a:ext>
             </a:extLst>
           </p:cNvPr>
@@ -15712,122 +16117,65 @@
         </p:nvSpPr>
         <p:spPr>
           <a:xfrm>
-            <a:off x="2252663" y="2787650"/>
-            <a:ext cx="7596187" cy="923925"/>
-          </a:xfrm>
-          <a:prstGeom prst="rect">
-            <a:avLst/>
-          </a:prstGeom>
-          <a:noFill/>
-        </p:spPr>
-        <p:txBody>
-          <a:bodyPr wrap="square">
-            <a:spAutoFit/>
-          </a:bodyPr>
-          <a:lstStyle/>
-          <a:p>
-            <a:pPr algn="r" eaLnBrk="1" fontAlgn="auto" hangingPunct="1">
-              <a:spcBef>
-                <a:spcPts val="0"/>
-              </a:spcBef>
-              <a:spcAft>
-                <a:spcPts val="0"/>
-              </a:spcAft>
-              <a:defRPr/>
-            </a:pPr>
-            <a:r>
-              <a:rPr lang="es-ES" sz="3600" b="1" spc="300" dirty="0">
-                <a:latin typeface="Open Sans Extrabold" panose="020B0606030504020204" pitchFamily="34" charset="0"/>
-                <a:ea typeface="Open Sans Extrabold" panose="020B0606030504020204" pitchFamily="34" charset="0"/>
-                <a:cs typeface="Open Sans Extrabold" panose="020B0606030504020204" pitchFamily="34" charset="0"/>
-              </a:rPr>
-              <a:t>LEMUR</a:t>
-            </a:r>
-          </a:p>
-          <a:p>
-            <a:pPr eaLnBrk="1" fontAlgn="auto" hangingPunct="1">
-              <a:spcBef>
-                <a:spcPts val="0"/>
-              </a:spcBef>
-              <a:spcAft>
-                <a:spcPts val="0"/>
-              </a:spcAft>
-              <a:defRPr/>
-            </a:pPr>
-            <a:endParaRPr lang="es-ES" dirty="0">
-              <a:latin typeface="Cabin Regular" pitchFamily="2" charset="77"/>
-            </a:endParaRPr>
-          </a:p>
-        </p:txBody>
-      </p:sp>
-      <p:sp>
-        <p:nvSpPr>
-          <p:cNvPr id="5" name="Rectángulo 4">
-            <a:extLst>
-              <a:ext uri="{FF2B5EF4-FFF2-40B4-BE49-F238E27FC236}">
-                <a16:creationId xmlns:a16="http://schemas.microsoft.com/office/drawing/2014/main" id="{B108858A-EDB6-BBF6-EFB8-92CE683D63B6}"/>
-              </a:ext>
-            </a:extLst>
-          </p:cNvPr>
-          <p:cNvSpPr/>
-          <p:nvPr/>
-        </p:nvSpPr>
-        <p:spPr>
-          <a:xfrm flipV="1">
-            <a:off x="8097838" y="3527425"/>
-            <a:ext cx="1751012" cy="46038"/>
+            <a:off x="3453802" y="4429274"/>
+            <a:ext cx="3718447" cy="1354217"/>
           </a:xfrm>
           <a:prstGeom prst="rect">
             <a:avLst/>
           </a:prstGeom>
           <a:solidFill>
-            <a:srgbClr val="FFCC28"/>
+            <a:srgbClr val="E9E9E9"/>
           </a:solidFill>
-          <a:ln>
-            <a:noFill/>
-          </a:ln>
         </p:spPr>
-        <p:style>
-          <a:lnRef idx="2">
-            <a:schemeClr val="accent1">
-              <a:shade val="50000"/>
-            </a:schemeClr>
-          </a:lnRef>
-          <a:fillRef idx="1">
-            <a:schemeClr val="accent1"/>
-          </a:fillRef>
-          <a:effectRef idx="0">
-            <a:schemeClr val="accent1"/>
-          </a:effectRef>
-          <a:fontRef idx="minor">
-            <a:schemeClr val="lt1"/>
-          </a:fontRef>
-        </p:style>
         <p:txBody>
-          <a:bodyPr anchor="ctr"/>
+          <a:bodyPr wrap="square" rtlCol="0">
+            <a:spAutoFit/>
+          </a:bodyPr>
           <a:lstStyle/>
           <a:p>
-            <a:pPr algn="ctr" eaLnBrk="1" fontAlgn="auto" hangingPunct="1">
-              <a:spcBef>
-                <a:spcPts val="0"/>
-              </a:spcBef>
-              <a:spcAft>
-                <a:spcPts val="0"/>
-              </a:spcAft>
-              <a:defRPr/>
+            <a:r>
+              <a:rPr lang="en-US" sz="1600" dirty="0"/>
+              <a:t>ES_Malaga PMU data* did not violate any of the entso-e RoCoF disconnection limits:</a:t>
+            </a:r>
+          </a:p>
+          <a:p>
+            <a:pPr marL="285750" indent="-285750">
+              <a:buFont typeface="Arial" panose="020B0604020202020204" pitchFamily="34" charset="0"/>
+              <a:buChar char="•"/>
             </a:pPr>
-            <a:endParaRPr lang="es-ES">
-              <a:latin typeface="Cabin Regular" pitchFamily="2" charset="77"/>
-            </a:endParaRPr>
+            <a:r>
+              <a:rPr lang="en-US" sz="1600" dirty="0"/>
+              <a:t>&gt; 1.25 Hz/s for 500ms </a:t>
+            </a:r>
+          </a:p>
+          <a:p>
+            <a:pPr marL="285750" indent="-285750">
+              <a:buFont typeface="Arial" panose="020B0604020202020204" pitchFamily="34" charset="0"/>
+              <a:buChar char="•"/>
+            </a:pPr>
+            <a:r>
+              <a:rPr lang="en-US" sz="1600" dirty="0"/>
+              <a:t>&gt; 1.5 Hz/s for 1s</a:t>
+            </a:r>
+          </a:p>
+          <a:p>
+            <a:pPr marL="285750" indent="-285750">
+              <a:buFont typeface="Arial" panose="020B0604020202020204" pitchFamily="34" charset="0"/>
+              <a:buChar char="•"/>
+            </a:pPr>
+            <a:r>
+              <a:rPr lang="en-US" sz="1600" dirty="0"/>
+              <a:t>&gt; 2 Hz/s for 2s</a:t>
+            </a:r>
           </a:p>
         </p:txBody>
       </p:sp>
       <p:pic>
         <p:nvPicPr>
-          <p:cNvPr id="9" name="Imagen 5">
-            <a:extLst>
-              <a:ext uri="{FF2B5EF4-FFF2-40B4-BE49-F238E27FC236}">
-                <a16:creationId xmlns:a16="http://schemas.microsoft.com/office/drawing/2014/main" id="{89A4D5E0-3A45-A7C8-6E5F-66CA40D052DC}"/>
+          <p:cNvPr id="15" name="Imagen 5">
+            <a:extLst>
+              <a:ext uri="{FF2B5EF4-FFF2-40B4-BE49-F238E27FC236}">
+                <a16:creationId xmlns:a16="http://schemas.microsoft.com/office/drawing/2014/main" id="{B798418D-3BD0-DFC6-F9AE-BAE7DA190475}"/>
               </a:ext>
             </a:extLst>
           </p:cNvPr>
@@ -15837,7 +16185,7 @@
           <p:nvPr/>
         </p:nvPicPr>
         <p:blipFill>
-          <a:blip r:embed="rId2">
+          <a:blip r:embed="rId3">
             <a:extLst>
               <a:ext uri="{28A0092B-C50C-407E-A947-70E740481C1C}">
                 <a14:useLocalDpi xmlns:a14="http://schemas.microsoft.com/office/drawing/2010/main" val="0"/>
@@ -15884,10 +16232,10 @@
       </p:pic>
       <p:pic>
         <p:nvPicPr>
-          <p:cNvPr id="10" name="Picture 2">
-            <a:extLst>
-              <a:ext uri="{FF2B5EF4-FFF2-40B4-BE49-F238E27FC236}">
-                <a16:creationId xmlns:a16="http://schemas.microsoft.com/office/drawing/2014/main" id="{31DB6920-B177-CFB4-6C48-6A91DA64DAF2}"/>
+          <p:cNvPr id="16" name="Picture 2">
+            <a:extLst>
+              <a:ext uri="{FF2B5EF4-FFF2-40B4-BE49-F238E27FC236}">
+                <a16:creationId xmlns:a16="http://schemas.microsoft.com/office/drawing/2014/main" id="{B01DFCE4-5305-5D5F-A2D6-2883084EF522}"/>
               </a:ext>
             </a:extLst>
           </p:cNvPr>
@@ -15897,7 +16245,7 @@
           <p:nvPr/>
         </p:nvPicPr>
         <p:blipFill>
-          <a:blip r:embed="rId3">
+          <a:blip r:embed="rId4">
             <a:extLst>
               <a:ext uri="{28A0092B-C50C-407E-A947-70E740481C1C}">
                 <a14:useLocalDpi xmlns:a14="http://schemas.microsoft.com/office/drawing/2010/main" val="0"/>
@@ -15942,10 +16290,130 @@
           </a:extLst>
         </p:spPr>
       </p:pic>
+      <p:sp>
+        <p:nvSpPr>
+          <p:cNvPr id="17" name="Title 1">
+            <a:extLst>
+              <a:ext uri="{FF2B5EF4-FFF2-40B4-BE49-F238E27FC236}">
+                <a16:creationId xmlns:a16="http://schemas.microsoft.com/office/drawing/2014/main" id="{641A9D05-B7FF-2391-7133-53A4670F9222}"/>
+              </a:ext>
+            </a:extLst>
+          </p:cNvPr>
+          <p:cNvSpPr>
+            <a:spLocks noGrp="1"/>
+          </p:cNvSpPr>
+          <p:nvPr>
+            <p:ph type="title"/>
+          </p:nvPr>
+        </p:nvSpPr>
+        <p:spPr>
+          <a:xfrm>
+            <a:off x="1251857" y="252094"/>
+            <a:ext cx="9541481" cy="593751"/>
+          </a:xfrm>
+        </p:spPr>
+        <p:txBody>
+          <a:bodyPr/>
+          <a:lstStyle/>
+          <a:p>
+            <a:r>
+              <a:rPr lang="en-US" dirty="0" err="1"/>
+              <a:t>Rocof</a:t>
+            </a:r>
+            <a:r>
+              <a:rPr lang="en-US" dirty="0"/>
+              <a:t> Overview</a:t>
+            </a:r>
+          </a:p>
+        </p:txBody>
+      </p:sp>
+      <p:cxnSp>
+        <p:nvCxnSpPr>
+          <p:cNvPr id="18" name="Straight Arrow Connector 17">
+            <a:extLst>
+              <a:ext uri="{FF2B5EF4-FFF2-40B4-BE49-F238E27FC236}">
+                <a16:creationId xmlns:a16="http://schemas.microsoft.com/office/drawing/2014/main" id="{19D9FF4E-1CDF-AC2A-8540-CAFA5BC8D28D}"/>
+              </a:ext>
+            </a:extLst>
+          </p:cNvPr>
+          <p:cNvCxnSpPr>
+            <a:cxnSpLocks/>
+            <a:stCxn id="14" idx="1"/>
+          </p:cNvCxnSpPr>
+          <p:nvPr/>
+        </p:nvCxnSpPr>
+        <p:spPr>
+          <a:xfrm flipH="1">
+            <a:off x="2954179" y="2167117"/>
+            <a:ext cx="499623" cy="588231"/>
+          </a:xfrm>
+          <a:prstGeom prst="straightConnector1">
+            <a:avLst/>
+          </a:prstGeom>
+          <a:ln w="38100">
+            <a:solidFill>
+              <a:srgbClr val="FFCC28"/>
+            </a:solidFill>
+            <a:tailEnd type="triangle"/>
+          </a:ln>
+        </p:spPr>
+        <p:style>
+          <a:lnRef idx="1">
+            <a:schemeClr val="accent1"/>
+          </a:lnRef>
+          <a:fillRef idx="0">
+            <a:schemeClr val="accent1"/>
+          </a:fillRef>
+          <a:effectRef idx="0">
+            <a:schemeClr val="accent1"/>
+          </a:effectRef>
+          <a:fontRef idx="minor">
+            <a:schemeClr val="tx1"/>
+          </a:fontRef>
+        </p:style>
+      </p:cxnSp>
+      <p:sp>
+        <p:nvSpPr>
+          <p:cNvPr id="14" name="TextBox 13">
+            <a:extLst>
+              <a:ext uri="{FF2B5EF4-FFF2-40B4-BE49-F238E27FC236}">
+                <a16:creationId xmlns:a16="http://schemas.microsoft.com/office/drawing/2014/main" id="{499C2587-653F-5896-159A-9BBAB603CDCB}"/>
+              </a:ext>
+            </a:extLst>
+          </p:cNvPr>
+          <p:cNvSpPr txBox="1"/>
+          <p:nvPr/>
+        </p:nvSpPr>
+        <p:spPr>
+          <a:xfrm>
+            <a:off x="3453802" y="1905507"/>
+            <a:ext cx="1709000" cy="523220"/>
+          </a:xfrm>
+          <a:prstGeom prst="rect">
+            <a:avLst/>
+          </a:prstGeom>
+          <a:solidFill>
+            <a:srgbClr val="E9E9E9"/>
+          </a:solidFill>
+        </p:spPr>
+        <p:txBody>
+          <a:bodyPr wrap="square" rtlCol="0">
+            <a:spAutoFit/>
+          </a:bodyPr>
+          <a:lstStyle/>
+          <a:p>
+            <a:pPr algn="ctr"/>
+            <a:r>
+              <a:rPr lang="en-US" sz="1400" dirty="0"/>
+              <a:t>Instantaneous RoCoF = +0.71 Hz/s</a:t>
+            </a:r>
+          </a:p>
+        </p:txBody>
+      </p:sp>
     </p:spTree>
     <p:extLst>
       <p:ext uri="{BB962C8B-B14F-4D97-AF65-F5344CB8AC3E}">
-        <p14:creationId xmlns:p14="http://schemas.microsoft.com/office/powerpoint/2010/main" val="2278873645"/>
+        <p14:creationId xmlns:p14="http://schemas.microsoft.com/office/powerpoint/2010/main" val="1288687901"/>
       </p:ext>
     </p:extLst>
   </p:cSld>
@@ -16546,6 +17014,15 @@
 </file>
 
 <file path=customXml/item1.xml><?xml version="1.0" encoding="utf-8"?>
+<?mso-contentType ?>
+<FormTemplates xmlns="http://schemas.microsoft.com/sharepoint/v3/contenttype/forms">
+  <Display>DocumentLibraryForm</Display>
+  <Edit>DocumentLibraryForm</Edit>
+  <New>DocumentLibraryForm</New>
+</FormTemplates>
+</file>
+
+<file path=customXml/item2.xml><?xml version="1.0" encoding="utf-8"?>
 <ct:contentTypeSchema xmlns:ct="http://schemas.microsoft.com/office/2006/metadata/contentType" xmlns:ma="http://schemas.microsoft.com/office/2006/metadata/properties/metaAttributes" ct:_="" ma:_="" ma:contentTypeName="Documento" ma:contentTypeID="0x01010073B546F8B429F441AB517FD40C7758B9" ma:contentTypeVersion="9" ma:contentTypeDescription="Crear nuevo documento." ma:contentTypeScope="" ma:versionID="befdb5c2a76d165b7963a9516cf1ff49">
   <xsd:schema xmlns:xsd="http://www.w3.org/2001/XMLSchema" xmlns:xs="http://www.w3.org/2001/XMLSchema" xmlns:p="http://schemas.microsoft.com/office/2006/metadata/properties" xmlns:ns2="2711c295-d9dc-4290-94d2-434158111b76" targetNamespace="http://schemas.microsoft.com/office/2006/metadata/properties" ma:root="true" ma:fieldsID="ca2b8862da53eb6a9ce780760509eba3" ns2:_="">
     <xsd:import namespace="2711c295-d9dc-4290-94d2-434158111b76"/>
@@ -16723,16 +17200,15 @@
 </ct:contentTypeSchema>
 </file>
 
-<file path=customXml/item2.xml><?xml version="1.0" encoding="utf-8"?>
-<?mso-contentType ?>
-<FormTemplates xmlns="http://schemas.microsoft.com/sharepoint/v3/contenttype/forms">
-  <Display>DocumentLibraryForm</Display>
-  <Edit>DocumentLibraryForm</Edit>
-  <New>DocumentLibraryForm</New>
-</FormTemplates>
+<file path=customXml/itemProps1.xml><?xml version="1.0" encoding="utf-8"?>
+<ds:datastoreItem xmlns:ds="http://schemas.openxmlformats.org/officeDocument/2006/customXml" ds:itemID="{89347A6E-B2D6-4CDD-A77A-DC57154271F4}">
+  <ds:schemaRefs>
+    <ds:schemaRef ds:uri="http://schemas.microsoft.com/sharepoint/v3/contenttype/forms"/>
+  </ds:schemaRefs>
+</ds:datastoreItem>
 </file>
 
-<file path=customXml/itemProps1.xml><?xml version="1.0" encoding="utf-8"?>
+<file path=customXml/itemProps2.xml><?xml version="1.0" encoding="utf-8"?>
 <ds:datastoreItem xmlns:ds="http://schemas.openxmlformats.org/officeDocument/2006/customXml" ds:itemID="{F16D57E5-64C1-4DFF-BAE4-F891A5313303}">
   <ds:schemaRefs>
     <ds:schemaRef ds:uri="2711c295-d9dc-4290-94d2-434158111b76"/>
@@ -16748,12 +17224,4 @@
     <ds:schemaRef ds:uri="http://www.w3.org/2001/XMLSchema"/>
   </ds:schemaRefs>
 </ds:datastoreItem>
-</file>
-
-<file path=customXml/itemProps2.xml><?xml version="1.0" encoding="utf-8"?>
-<ds:datastoreItem xmlns:ds="http://schemas.openxmlformats.org/officeDocument/2006/customXml" ds:itemID="{89347A6E-B2D6-4CDD-A77A-DC57154271F4}">
-  <ds:schemaRefs>
-    <ds:schemaRef ds:uri="http://schemas.microsoft.com/sharepoint/v3/contenttype/forms"/>
-  </ds:schemaRefs>
-</ds:datastoreItem>
 </file>
--- a/reports/Apragon_April28.pptx
+++ b/reports/Apragon_April28.pptx
@@ -5,7 +5,7 @@
     <p:sldMasterId id="2147483648" r:id="rId3"/>
   </p:sldMasterIdLst>
   <p:notesMasterIdLst>
-    <p:notesMasterId r:id="rId19"/>
+    <p:notesMasterId r:id="rId22"/>
   </p:notesMasterIdLst>
   <p:sldIdLst>
     <p:sldId id="256" r:id="rId4"/>
@@ -18,11 +18,14 @@
     <p:sldId id="333" r:id="rId11"/>
     <p:sldId id="335" r:id="rId12"/>
     <p:sldId id="336" r:id="rId13"/>
-    <p:sldId id="334" r:id="rId14"/>
-    <p:sldId id="260" r:id="rId15"/>
-    <p:sldId id="261" r:id="rId16"/>
-    <p:sldId id="311" r:id="rId17"/>
-    <p:sldId id="310" r:id="rId18"/>
+    <p:sldId id="337" r:id="rId14"/>
+    <p:sldId id="338" r:id="rId15"/>
+    <p:sldId id="339" r:id="rId16"/>
+    <p:sldId id="334" r:id="rId17"/>
+    <p:sldId id="260" r:id="rId18"/>
+    <p:sldId id="261" r:id="rId19"/>
+    <p:sldId id="311" r:id="rId20"/>
+    <p:sldId id="310" r:id="rId21"/>
   </p:sldIdLst>
   <p:sldSz cx="12192000" cy="6858000"/>
   <p:notesSz cx="6858000" cy="9144000"/>
@@ -1138,7 +1141,7 @@
                 <a:latin typeface="Cabin Regular" pitchFamily="2" charset="0"/>
               </a:rPr>
               <a:pPr/>
-              <a:t>14</a:t>
+              <a:t>17</a:t>
             </a:fld>
             <a:endParaRPr lang="es-ES" altLang="es-ES">
               <a:latin typeface="Cabin Regular" pitchFamily="2" charset="0"/>
@@ -6795,7 +6798,7 @@
         <p:cNvPr id="1" name="">
           <a:extLst>
             <a:ext uri="{FF2B5EF4-FFF2-40B4-BE49-F238E27FC236}">
-              <a16:creationId xmlns:a16="http://schemas.microsoft.com/office/drawing/2014/main" id="{BB7EF2D4-BDDA-4675-9E5D-EAA76C4CD249}"/>
+              <a16:creationId xmlns:a16="http://schemas.microsoft.com/office/drawing/2014/main" id="{76E927F9-89C0-C8E8-ED5B-2E13528DC35F}"/>
             </a:ext>
           </a:extLst>
         </p:cNvPr>
@@ -6815,7 +6818,7 @@
           <p:cNvPr id="7" name="Paralelogramo 6">
             <a:extLst>
               <a:ext uri="{FF2B5EF4-FFF2-40B4-BE49-F238E27FC236}">
-                <a16:creationId xmlns:a16="http://schemas.microsoft.com/office/drawing/2014/main" id="{7E7A16FC-5441-26D6-EEC7-EBC87FBC560F}"/>
+                <a16:creationId xmlns:a16="http://schemas.microsoft.com/office/drawing/2014/main" id="{63600EFA-35C3-AA46-8392-98060F5FCDB5}"/>
               </a:ext>
             </a:extLst>
           </p:cNvPr>
@@ -6877,7 +6880,7 @@
           <p:cNvPr id="3" name="Marcador de número de diapositiva 2">
             <a:extLst>
               <a:ext uri="{FF2B5EF4-FFF2-40B4-BE49-F238E27FC236}">
-                <a16:creationId xmlns:a16="http://schemas.microsoft.com/office/drawing/2014/main" id="{11D21DFF-47F3-4651-0614-3E6F383F7505}"/>
+                <a16:creationId xmlns:a16="http://schemas.microsoft.com/office/drawing/2014/main" id="{F9097A25-6CC8-D992-0075-03CCB71212FD}"/>
               </a:ext>
             </a:extLst>
           </p:cNvPr>
@@ -7014,7 +7017,7 @@
           <p:cNvPr id="4" name="CuadroTexto 3">
             <a:extLst>
               <a:ext uri="{FF2B5EF4-FFF2-40B4-BE49-F238E27FC236}">
-                <a16:creationId xmlns:a16="http://schemas.microsoft.com/office/drawing/2014/main" id="{837C085E-995A-6D6D-AEFC-AE153E0B3A91}"/>
+                <a16:creationId xmlns:a16="http://schemas.microsoft.com/office/drawing/2014/main" id="{419C6F3B-96C4-FDFC-EA8D-9A858CF86328}"/>
               </a:ext>
             </a:extLst>
           </p:cNvPr>
@@ -7023,8 +7026,8 @@
         </p:nvSpPr>
         <p:spPr>
           <a:xfrm>
-            <a:off x="2252663" y="2787650"/>
-            <a:ext cx="7596187" cy="923925"/>
+            <a:off x="2252664" y="2787650"/>
+            <a:ext cx="8778860" cy="646331"/>
           </a:xfrm>
           <a:prstGeom prst="rect">
             <a:avLst/>
@@ -7037,25 +7040,6 @@
           </a:bodyPr>
           <a:lstStyle/>
           <a:p>
-            <a:pPr algn="r" eaLnBrk="1" fontAlgn="auto" hangingPunct="1">
-              <a:spcBef>
-                <a:spcPts val="0"/>
-              </a:spcBef>
-              <a:spcAft>
-                <a:spcPts val="0"/>
-              </a:spcAft>
-              <a:defRPr/>
-            </a:pPr>
-            <a:r>
-              <a:rPr lang="es-ES" sz="3600" b="1" spc="300" dirty="0">
-                <a:latin typeface="Open Sans Extrabold" panose="020B0606030504020204" pitchFamily="34" charset="0"/>
-                <a:ea typeface="Open Sans Extrabold" panose="020B0606030504020204" pitchFamily="34" charset="0"/>
-                <a:cs typeface="Open Sans Extrabold" panose="020B0606030504020204" pitchFamily="34" charset="0"/>
-              </a:rPr>
-              <a:t>LEMUR</a:t>
-            </a:r>
-          </a:p>
-          <a:p>
             <a:pPr eaLnBrk="1" fontAlgn="auto" hangingPunct="1">
               <a:spcBef>
                 <a:spcPts val="0"/>
@@ -7065,6 +7049,30 @@
               </a:spcAft>
               <a:defRPr/>
             </a:pPr>
+            <a:r>
+              <a:rPr lang="es-ES" sz="3600" b="1" spc="300" dirty="0" err="1">
+                <a:latin typeface="Open Sans Extrabold" panose="020B0606030504020204" pitchFamily="34" charset="0"/>
+                <a:ea typeface="Open Sans Extrabold" panose="020B0606030504020204" pitchFamily="34" charset="0"/>
+                <a:cs typeface="Open Sans Extrabold" panose="020B0606030504020204" pitchFamily="34" charset="0"/>
+              </a:rPr>
+              <a:t>Generation</a:t>
+            </a:r>
+            <a:r>
+              <a:rPr lang="es-ES" sz="3600" b="1" spc="300" dirty="0">
+                <a:latin typeface="Open Sans Extrabold" panose="020B0606030504020204" pitchFamily="34" charset="0"/>
+                <a:ea typeface="Open Sans Extrabold" panose="020B0606030504020204" pitchFamily="34" charset="0"/>
+                <a:cs typeface="Open Sans Extrabold" panose="020B0606030504020204" pitchFamily="34" charset="0"/>
+              </a:rPr>
+              <a:t> and </a:t>
+            </a:r>
+            <a:r>
+              <a:rPr lang="es-ES" sz="3600" b="1" spc="300" dirty="0" err="1">
+                <a:latin typeface="Open Sans Extrabold" panose="020B0606030504020204" pitchFamily="34" charset="0"/>
+                <a:ea typeface="Open Sans Extrabold" panose="020B0606030504020204" pitchFamily="34" charset="0"/>
+                <a:cs typeface="Open Sans Extrabold" panose="020B0606030504020204" pitchFamily="34" charset="0"/>
+              </a:rPr>
+              <a:t>Market</a:t>
+            </a:r>
             <a:endParaRPr lang="es-ES" dirty="0">
               <a:latin typeface="Cabin Regular" pitchFamily="2" charset="77"/>
             </a:endParaRPr>
@@ -7076,7 +7084,7 @@
           <p:cNvPr id="5" name="Rectángulo 4">
             <a:extLst>
               <a:ext uri="{FF2B5EF4-FFF2-40B4-BE49-F238E27FC236}">
-                <a16:creationId xmlns:a16="http://schemas.microsoft.com/office/drawing/2014/main" id="{B108858A-EDB6-BBF6-EFB8-92CE683D63B6}"/>
+                <a16:creationId xmlns:a16="http://schemas.microsoft.com/office/drawing/2014/main" id="{0F1388E2-CCA9-21AB-A122-739DDD06480B}"/>
               </a:ext>
             </a:extLst>
           </p:cNvPr>
@@ -7133,12 +7141,178 @@
           </a:p>
         </p:txBody>
       </p:sp>
+      <p:sp>
+        <p:nvSpPr>
+          <p:cNvPr id="54278" name="CuadroTexto 5">
+            <a:extLst>
+              <a:ext uri="{FF2B5EF4-FFF2-40B4-BE49-F238E27FC236}">
+                <a16:creationId xmlns:a16="http://schemas.microsoft.com/office/drawing/2014/main" id="{34716495-150E-0607-47D9-194626784F21}"/>
+              </a:ext>
+            </a:extLst>
+          </p:cNvPr>
+          <p:cNvSpPr txBox="1">
+            <a:spLocks noChangeArrowheads="1"/>
+          </p:cNvSpPr>
+          <p:nvPr/>
+        </p:nvSpPr>
+        <p:spPr bwMode="auto">
+          <a:xfrm>
+            <a:off x="2252663" y="2308225"/>
+            <a:ext cx="3937000" cy="369888"/>
+          </a:xfrm>
+          <a:prstGeom prst="rect">
+            <a:avLst/>
+          </a:prstGeom>
+          <a:noFill/>
+          <a:ln>
+            <a:noFill/>
+          </a:ln>
+          <a:extLst>
+            <a:ext uri="{909E8E84-426E-40DD-AFC4-6F175D3DCCD1}">
+              <a14:hiddenFill xmlns:a14="http://schemas.microsoft.com/office/drawing/2010/main">
+                <a:solidFill>
+                  <a:srgbClr val="FFFFFF"/>
+                </a:solidFill>
+              </a14:hiddenFill>
+            </a:ext>
+            <a:ext uri="{91240B29-F687-4F45-9708-019B960494DF}">
+              <a14:hiddenLine xmlns:a14="http://schemas.microsoft.com/office/drawing/2010/main" w="9525">
+                <a:solidFill>
+                  <a:srgbClr val="000000"/>
+                </a:solidFill>
+                <a:miter lim="800000"/>
+                <a:headEnd/>
+                <a:tailEnd/>
+              </a14:hiddenLine>
+            </a:ext>
+          </a:extLst>
+        </p:spPr>
+        <p:txBody>
+          <a:bodyPr>
+            <a:spAutoFit/>
+          </a:bodyPr>
+          <a:lstStyle>
+            <a:lvl1pPr>
+              <a:defRPr>
+                <a:solidFill>
+                  <a:schemeClr val="tx1"/>
+                </a:solidFill>
+                <a:latin typeface="Calibri" panose="020F0502020204030204" pitchFamily="34" charset="0"/>
+              </a:defRPr>
+            </a:lvl1pPr>
+            <a:lvl2pPr marL="742950" indent="-285750">
+              <a:defRPr>
+                <a:solidFill>
+                  <a:schemeClr val="tx1"/>
+                </a:solidFill>
+                <a:latin typeface="Calibri" panose="020F0502020204030204" pitchFamily="34" charset="0"/>
+              </a:defRPr>
+            </a:lvl2pPr>
+            <a:lvl3pPr marL="1143000" indent="-228600">
+              <a:defRPr>
+                <a:solidFill>
+                  <a:schemeClr val="tx1"/>
+                </a:solidFill>
+                <a:latin typeface="Calibri" panose="020F0502020204030204" pitchFamily="34" charset="0"/>
+              </a:defRPr>
+            </a:lvl3pPr>
+            <a:lvl4pPr marL="1600200" indent="-228600">
+              <a:defRPr>
+                <a:solidFill>
+                  <a:schemeClr val="tx1"/>
+                </a:solidFill>
+                <a:latin typeface="Calibri" panose="020F0502020204030204" pitchFamily="34" charset="0"/>
+              </a:defRPr>
+            </a:lvl4pPr>
+            <a:lvl5pPr marL="2057400" indent="-228600">
+              <a:defRPr>
+                <a:solidFill>
+                  <a:schemeClr val="tx1"/>
+                </a:solidFill>
+                <a:latin typeface="Calibri" panose="020F0502020204030204" pitchFamily="34" charset="0"/>
+              </a:defRPr>
+            </a:lvl5pPr>
+            <a:lvl6pPr marL="2514600" indent="-228600" fontAlgn="base">
+              <a:spcBef>
+                <a:spcPct val="0"/>
+              </a:spcBef>
+              <a:spcAft>
+                <a:spcPct val="0"/>
+              </a:spcAft>
+              <a:defRPr>
+                <a:solidFill>
+                  <a:schemeClr val="tx1"/>
+                </a:solidFill>
+                <a:latin typeface="Calibri" panose="020F0502020204030204" pitchFamily="34" charset="0"/>
+              </a:defRPr>
+            </a:lvl6pPr>
+            <a:lvl7pPr marL="2971800" indent="-228600" fontAlgn="base">
+              <a:spcBef>
+                <a:spcPct val="0"/>
+              </a:spcBef>
+              <a:spcAft>
+                <a:spcPct val="0"/>
+              </a:spcAft>
+              <a:defRPr>
+                <a:solidFill>
+                  <a:schemeClr val="tx1"/>
+                </a:solidFill>
+                <a:latin typeface="Calibri" panose="020F0502020204030204" pitchFamily="34" charset="0"/>
+              </a:defRPr>
+            </a:lvl7pPr>
+            <a:lvl8pPr marL="3429000" indent="-228600" fontAlgn="base">
+              <a:spcBef>
+                <a:spcPct val="0"/>
+              </a:spcBef>
+              <a:spcAft>
+                <a:spcPct val="0"/>
+              </a:spcAft>
+              <a:defRPr>
+                <a:solidFill>
+                  <a:schemeClr val="tx1"/>
+                </a:solidFill>
+                <a:latin typeface="Calibri" panose="020F0502020204030204" pitchFamily="34" charset="0"/>
+              </a:defRPr>
+            </a:lvl8pPr>
+            <a:lvl9pPr marL="3886200" indent="-228600" fontAlgn="base">
+              <a:spcBef>
+                <a:spcPct val="0"/>
+              </a:spcBef>
+              <a:spcAft>
+                <a:spcPct val="0"/>
+              </a:spcAft>
+              <a:defRPr>
+                <a:solidFill>
+                  <a:schemeClr val="tx1"/>
+                </a:solidFill>
+                <a:latin typeface="Calibri" panose="020F0502020204030204" pitchFamily="34" charset="0"/>
+              </a:defRPr>
+            </a:lvl9pPr>
+          </a:lstStyle>
+          <a:p>
+            <a:pPr eaLnBrk="1" hangingPunct="1"/>
+            <a:r>
+              <a:rPr lang="es-ES" altLang="es-ES" b="1" dirty="0" err="1">
+                <a:latin typeface="Open Sans" panose="020B0606030504020204" pitchFamily="34" charset="0"/>
+                <a:cs typeface="Open Sans" panose="020B0606030504020204" pitchFamily="34" charset="0"/>
+              </a:rPr>
+              <a:t>Section</a:t>
+            </a:r>
+            <a:r>
+              <a:rPr lang="es-ES" altLang="es-ES" dirty="0">
+                <a:latin typeface="Cabin Regular" pitchFamily="2" charset="0"/>
+              </a:rPr>
+              <a:t> 3</a:t>
+            </a:r>
+          </a:p>
+        </p:txBody>
+      </p:sp>
       <p:pic>
         <p:nvPicPr>
           <p:cNvPr id="9" name="Imagen 5">
             <a:extLst>
               <a:ext uri="{FF2B5EF4-FFF2-40B4-BE49-F238E27FC236}">
-                <a16:creationId xmlns:a16="http://schemas.microsoft.com/office/drawing/2014/main" id="{89A4D5E0-3A45-A7C8-6E5F-66CA40D052DC}"/>
+                <a16:creationId xmlns:a16="http://schemas.microsoft.com/office/drawing/2014/main" id="{0564D23D-6821-B13F-94E9-9C740E03B1E2}"/>
               </a:ext>
             </a:extLst>
           </p:cNvPr>
@@ -7198,7 +7372,7 @@
           <p:cNvPr id="10" name="Picture 2">
             <a:extLst>
               <a:ext uri="{FF2B5EF4-FFF2-40B4-BE49-F238E27FC236}">
-                <a16:creationId xmlns:a16="http://schemas.microsoft.com/office/drawing/2014/main" id="{31DB6920-B177-CFB4-6C48-6A91DA64DAF2}"/>
+                <a16:creationId xmlns:a16="http://schemas.microsoft.com/office/drawing/2014/main" id="{6FC327FA-164F-F960-D24A-24D02A240D23}"/>
               </a:ext>
             </a:extLst>
           </p:cNvPr>
@@ -7256,6 +7430,1226 @@
     </p:spTree>
     <p:extLst>
       <p:ext uri="{BB962C8B-B14F-4D97-AF65-F5344CB8AC3E}">
+        <p14:creationId xmlns:p14="http://schemas.microsoft.com/office/powerpoint/2010/main" val="235520044"/>
+      </p:ext>
+    </p:extLst>
+  </p:cSld>
+  <p:clrMapOvr>
+    <a:masterClrMapping/>
+  </p:clrMapOvr>
+</p:sld>
+</file>
+
+<file path=ppt/slides/slide12.xml><?xml version="1.0" encoding="utf-8"?>
+<p:sld xmlns:a="http://schemas.openxmlformats.org/drawingml/2006/main" xmlns:r="http://schemas.openxmlformats.org/officeDocument/2006/relationships" xmlns:p="http://schemas.openxmlformats.org/presentationml/2006/main">
+  <p:cSld>
+    <p:spTree>
+      <p:nvGrpSpPr>
+        <p:cNvPr id="1" name="">
+          <a:extLst>
+            <a:ext uri="{FF2B5EF4-FFF2-40B4-BE49-F238E27FC236}">
+              <a16:creationId xmlns:a16="http://schemas.microsoft.com/office/drawing/2014/main" id="{209D6C7A-CEF5-7A26-995A-6A67A7E71BD1}"/>
+            </a:ext>
+          </a:extLst>
+        </p:cNvPr>
+        <p:cNvGrpSpPr/>
+        <p:nvPr/>
+      </p:nvGrpSpPr>
+      <p:grpSpPr>
+        <a:xfrm>
+          <a:off x="0" y="0"/>
+          <a:ext cx="0" cy="0"/>
+          <a:chOff x="0" y="0"/>
+          <a:chExt cx="0" cy="0"/>
+        </a:xfrm>
+      </p:grpSpPr>
+      <p:sp>
+        <p:nvSpPr>
+          <p:cNvPr id="5" name="Slide Number Placeholder 4">
+            <a:extLst>
+              <a:ext uri="{FF2B5EF4-FFF2-40B4-BE49-F238E27FC236}">
+                <a16:creationId xmlns:a16="http://schemas.microsoft.com/office/drawing/2014/main" id="{C431FE60-4E4F-9700-93CC-37A7D0FFADEB}"/>
+              </a:ext>
+            </a:extLst>
+          </p:cNvPr>
+          <p:cNvSpPr>
+            <a:spLocks noGrp="1"/>
+          </p:cNvSpPr>
+          <p:nvPr>
+            <p:ph type="sldNum" sz="quarter" idx="12"/>
+          </p:nvPr>
+        </p:nvSpPr>
+        <p:spPr/>
+        <p:txBody>
+          <a:bodyPr/>
+          <a:lstStyle/>
+          <a:p>
+            <a:fld id="{D86B3D54-5C84-4380-B90C-31F636633DA2}" type="slidenum">
+              <a:rPr lang="es-ES" altLang="es-ES" smtClean="0"/>
+              <a:pPr/>
+              <a:t>12</a:t>
+            </a:fld>
+            <a:endParaRPr lang="es-ES" altLang="es-ES"/>
+          </a:p>
+        </p:txBody>
+      </p:sp>
+      <p:pic>
+        <p:nvPicPr>
+          <p:cNvPr id="15" name="Imagen 5">
+            <a:extLst>
+              <a:ext uri="{FF2B5EF4-FFF2-40B4-BE49-F238E27FC236}">
+                <a16:creationId xmlns:a16="http://schemas.microsoft.com/office/drawing/2014/main" id="{AEA17F75-4296-A2FA-361D-50CA33FB2717}"/>
+              </a:ext>
+            </a:extLst>
+          </p:cNvPr>
+          <p:cNvPicPr>
+            <a:picLocks noChangeAspect="1" noChangeArrowheads="1"/>
+          </p:cNvPicPr>
+          <p:nvPr/>
+        </p:nvPicPr>
+        <p:blipFill>
+          <a:blip r:embed="rId2">
+            <a:extLst>
+              <a:ext uri="{28A0092B-C50C-407E-A947-70E740481C1C}">
+                <a14:useLocalDpi xmlns:a14="http://schemas.microsoft.com/office/drawing/2010/main" val="0"/>
+              </a:ext>
+            </a:extLst>
+          </a:blip>
+          <a:srcRect/>
+          <a:stretch>
+            <a:fillRect/>
+          </a:stretch>
+        </p:blipFill>
+        <p:spPr bwMode="auto">
+          <a:xfrm>
+            <a:off x="11129080" y="122503"/>
+            <a:ext cx="904080" cy="809624"/>
+          </a:xfrm>
+          <a:prstGeom prst="rect">
+            <a:avLst/>
+          </a:prstGeom>
+          <a:noFill/>
+          <a:ln>
+            <a:noFill/>
+          </a:ln>
+          <a:extLst>
+            <a:ext uri="{909E8E84-426E-40DD-AFC4-6F175D3DCCD1}">
+              <a14:hiddenFill xmlns:a14="http://schemas.microsoft.com/office/drawing/2010/main">
+                <a:solidFill>
+                  <a:srgbClr val="FFFFFF"/>
+                </a:solidFill>
+              </a14:hiddenFill>
+            </a:ext>
+            <a:ext uri="{91240B29-F687-4F45-9708-019B960494DF}">
+              <a14:hiddenLine xmlns:a14="http://schemas.microsoft.com/office/drawing/2010/main" w="9525">
+                <a:solidFill>
+                  <a:srgbClr val="000000"/>
+                </a:solidFill>
+                <a:miter lim="800000"/>
+                <a:headEnd/>
+                <a:tailEnd/>
+              </a14:hiddenLine>
+            </a:ext>
+          </a:extLst>
+        </p:spPr>
+      </p:pic>
+      <p:pic>
+        <p:nvPicPr>
+          <p:cNvPr id="16" name="Picture 2">
+            <a:extLst>
+              <a:ext uri="{FF2B5EF4-FFF2-40B4-BE49-F238E27FC236}">
+                <a16:creationId xmlns:a16="http://schemas.microsoft.com/office/drawing/2014/main" id="{C205C306-E2A0-B86F-12F7-1BCFFB693EB1}"/>
+              </a:ext>
+            </a:extLst>
+          </p:cNvPr>
+          <p:cNvPicPr>
+            <a:picLocks noChangeAspect="1" noChangeArrowheads="1"/>
+          </p:cNvPicPr>
+          <p:nvPr/>
+        </p:nvPicPr>
+        <p:blipFill>
+          <a:blip r:embed="rId3">
+            <a:extLst>
+              <a:ext uri="{28A0092B-C50C-407E-A947-70E740481C1C}">
+                <a14:useLocalDpi xmlns:a14="http://schemas.microsoft.com/office/drawing/2010/main" val="0"/>
+              </a:ext>
+            </a:extLst>
+          </a:blip>
+          <a:srcRect/>
+          <a:stretch>
+            <a:fillRect/>
+          </a:stretch>
+        </p:blipFill>
+        <p:spPr bwMode="auto">
+          <a:xfrm>
+            <a:off x="158840" y="122503"/>
+            <a:ext cx="1097236" cy="809624"/>
+          </a:xfrm>
+          <a:prstGeom prst="rect">
+            <a:avLst/>
+          </a:prstGeom>
+          <a:noFill/>
+          <a:ln>
+            <a:noFill/>
+          </a:ln>
+          <a:extLst>
+            <a:ext uri="{909E8E84-426E-40DD-AFC4-6F175D3DCCD1}">
+              <a14:hiddenFill xmlns:a14="http://schemas.microsoft.com/office/drawing/2010/main">
+                <a:solidFill>
+                  <a:srgbClr val="FFFFFF"/>
+                </a:solidFill>
+              </a14:hiddenFill>
+            </a:ext>
+            <a:ext uri="{91240B29-F687-4F45-9708-019B960494DF}">
+              <a14:hiddenLine xmlns:a14="http://schemas.microsoft.com/office/drawing/2010/main" w="9525">
+                <a:solidFill>
+                  <a:srgbClr val="000000"/>
+                </a:solidFill>
+                <a:miter lim="800000"/>
+                <a:headEnd/>
+                <a:tailEnd/>
+              </a14:hiddenLine>
+            </a:ext>
+          </a:extLst>
+        </p:spPr>
+      </p:pic>
+      <p:sp>
+        <p:nvSpPr>
+          <p:cNvPr id="17" name="Title 1">
+            <a:extLst>
+              <a:ext uri="{FF2B5EF4-FFF2-40B4-BE49-F238E27FC236}">
+                <a16:creationId xmlns:a16="http://schemas.microsoft.com/office/drawing/2014/main" id="{FF45967D-A2B5-2A18-92BC-F112520E6BC7}"/>
+              </a:ext>
+            </a:extLst>
+          </p:cNvPr>
+          <p:cNvSpPr>
+            <a:spLocks noGrp="1"/>
+          </p:cNvSpPr>
+          <p:nvPr>
+            <p:ph type="title"/>
+          </p:nvPr>
+        </p:nvSpPr>
+        <p:spPr>
+          <a:xfrm>
+            <a:off x="1251857" y="252094"/>
+            <a:ext cx="9541481" cy="593751"/>
+          </a:xfrm>
+        </p:spPr>
+        <p:txBody>
+          <a:bodyPr/>
+          <a:lstStyle/>
+          <a:p>
+            <a:r>
+              <a:rPr lang="en-US" dirty="0"/>
+              <a:t>Generation MIX on April 28, 2025</a:t>
+            </a:r>
+          </a:p>
+        </p:txBody>
+      </p:sp>
+      <p:pic>
+        <p:nvPicPr>
+          <p:cNvPr id="6" name="Picture 5" descr="A graph of different colored lines&#10;&#10;AI-generated content may be incorrect.">
+            <a:extLst>
+              <a:ext uri="{FF2B5EF4-FFF2-40B4-BE49-F238E27FC236}">
+                <a16:creationId xmlns:a16="http://schemas.microsoft.com/office/drawing/2014/main" id="{E200B65C-BB4A-2CF3-7D33-63DE59CA78AA}"/>
+              </a:ext>
+            </a:extLst>
+          </p:cNvPr>
+          <p:cNvPicPr>
+            <a:picLocks noChangeAspect="1"/>
+          </p:cNvPicPr>
+          <p:nvPr/>
+        </p:nvPicPr>
+        <p:blipFill>
+          <a:blip r:embed="rId4"/>
+          <a:stretch>
+            <a:fillRect/>
+          </a:stretch>
+        </p:blipFill>
+        <p:spPr>
+          <a:xfrm>
+            <a:off x="1251857" y="965698"/>
+            <a:ext cx="10781303" cy="5390652"/>
+          </a:xfrm>
+          <a:prstGeom prst="rect">
+            <a:avLst/>
+          </a:prstGeom>
+        </p:spPr>
+      </p:pic>
+      <p:sp>
+        <p:nvSpPr>
+          <p:cNvPr id="7" name="TextBox 6">
+            <a:extLst>
+              <a:ext uri="{FF2B5EF4-FFF2-40B4-BE49-F238E27FC236}">
+                <a16:creationId xmlns:a16="http://schemas.microsoft.com/office/drawing/2014/main" id="{E4FC6908-1A78-6B42-F66E-4A609B89A1CF}"/>
+              </a:ext>
+            </a:extLst>
+          </p:cNvPr>
+          <p:cNvSpPr txBox="1"/>
+          <p:nvPr/>
+        </p:nvSpPr>
+        <p:spPr>
+          <a:xfrm>
+            <a:off x="9821612" y="2289596"/>
+            <a:ext cx="1943451" cy="646331"/>
+          </a:xfrm>
+          <a:prstGeom prst="rect">
+            <a:avLst/>
+          </a:prstGeom>
+          <a:solidFill>
+            <a:srgbClr val="E9E9E9"/>
+          </a:solidFill>
+        </p:spPr>
+        <p:txBody>
+          <a:bodyPr wrap="square" rtlCol="0">
+            <a:spAutoFit/>
+          </a:bodyPr>
+          <a:lstStyle/>
+          <a:p>
+            <a:r>
+              <a:rPr lang="en-US" dirty="0"/>
+              <a:t>Quite a lot of solar at 23:45…</a:t>
+            </a:r>
+          </a:p>
+        </p:txBody>
+      </p:sp>
+      <p:cxnSp>
+        <p:nvCxnSpPr>
+          <p:cNvPr id="8" name="Straight Arrow Connector 7">
+            <a:extLst>
+              <a:ext uri="{FF2B5EF4-FFF2-40B4-BE49-F238E27FC236}">
+                <a16:creationId xmlns:a16="http://schemas.microsoft.com/office/drawing/2014/main" id="{FFC6FD2B-C681-91ED-93B0-3FD8904E0A38}"/>
+              </a:ext>
+            </a:extLst>
+          </p:cNvPr>
+          <p:cNvCxnSpPr>
+            <a:cxnSpLocks/>
+          </p:cNvCxnSpPr>
+          <p:nvPr/>
+        </p:nvCxnSpPr>
+        <p:spPr>
+          <a:xfrm>
+            <a:off x="11129080" y="2935927"/>
+            <a:ext cx="382397" cy="986145"/>
+          </a:xfrm>
+          <a:prstGeom prst="straightConnector1">
+            <a:avLst/>
+          </a:prstGeom>
+          <a:ln w="38100">
+            <a:solidFill>
+              <a:srgbClr val="FFCC28"/>
+            </a:solidFill>
+            <a:tailEnd type="triangle"/>
+          </a:ln>
+        </p:spPr>
+        <p:style>
+          <a:lnRef idx="1">
+            <a:schemeClr val="accent1"/>
+          </a:lnRef>
+          <a:fillRef idx="0">
+            <a:schemeClr val="accent1"/>
+          </a:fillRef>
+          <a:effectRef idx="0">
+            <a:schemeClr val="accent1"/>
+          </a:effectRef>
+          <a:fontRef idx="minor">
+            <a:schemeClr val="tx1"/>
+          </a:fontRef>
+        </p:style>
+      </p:cxnSp>
+    </p:spTree>
+    <p:extLst>
+      <p:ext uri="{BB962C8B-B14F-4D97-AF65-F5344CB8AC3E}">
+        <p14:creationId xmlns:p14="http://schemas.microsoft.com/office/powerpoint/2010/main" val="2104437433"/>
+      </p:ext>
+    </p:extLst>
+  </p:cSld>
+  <p:clrMapOvr>
+    <a:masterClrMapping/>
+  </p:clrMapOvr>
+</p:sld>
+</file>
+
+<file path=ppt/slides/slide13.xml><?xml version="1.0" encoding="utf-8"?>
+<p:sld xmlns:a="http://schemas.openxmlformats.org/drawingml/2006/main" xmlns:r="http://schemas.openxmlformats.org/officeDocument/2006/relationships" xmlns:p="http://schemas.openxmlformats.org/presentationml/2006/main">
+  <p:cSld>
+    <p:spTree>
+      <p:nvGrpSpPr>
+        <p:cNvPr id="1" name="">
+          <a:extLst>
+            <a:ext uri="{FF2B5EF4-FFF2-40B4-BE49-F238E27FC236}">
+              <a16:creationId xmlns:a16="http://schemas.microsoft.com/office/drawing/2014/main" id="{3D14A26A-767D-B4F6-BA4F-8247EB0B1A59}"/>
+            </a:ext>
+          </a:extLst>
+        </p:cNvPr>
+        <p:cNvGrpSpPr/>
+        <p:nvPr/>
+      </p:nvGrpSpPr>
+      <p:grpSpPr>
+        <a:xfrm>
+          <a:off x="0" y="0"/>
+          <a:ext cx="0" cy="0"/>
+          <a:chOff x="0" y="0"/>
+          <a:chExt cx="0" cy="0"/>
+        </a:xfrm>
+      </p:grpSpPr>
+      <p:pic>
+        <p:nvPicPr>
+          <p:cNvPr id="9" name="Picture 8" descr="A graph of different colored lines&#10;&#10;AI-generated content may be incorrect.">
+            <a:extLst>
+              <a:ext uri="{FF2B5EF4-FFF2-40B4-BE49-F238E27FC236}">
+                <a16:creationId xmlns:a16="http://schemas.microsoft.com/office/drawing/2014/main" id="{EA713562-8C4F-7D46-DB7C-068D855814AE}"/>
+              </a:ext>
+            </a:extLst>
+          </p:cNvPr>
+          <p:cNvPicPr>
+            <a:picLocks noGrp="1" noRot="1" noChangeAspect="1" noMove="1" noResize="1" noEditPoints="1" noAdjustHandles="1" noChangeArrowheads="1" noChangeShapeType="1" noCrop="1"/>
+          </p:cNvPicPr>
+          <p:nvPr/>
+        </p:nvPicPr>
+        <p:blipFill>
+          <a:blip r:embed="rId2"/>
+          <a:stretch>
+            <a:fillRect/>
+          </a:stretch>
+        </p:blipFill>
+        <p:spPr>
+          <a:xfrm>
+            <a:off x="1271332" y="975436"/>
+            <a:ext cx="10761828" cy="5380914"/>
+          </a:xfrm>
+          <a:prstGeom prst="rect">
+            <a:avLst/>
+          </a:prstGeom>
+        </p:spPr>
+      </p:pic>
+      <p:sp>
+        <p:nvSpPr>
+          <p:cNvPr id="5" name="Slide Number Placeholder 4">
+            <a:extLst>
+              <a:ext uri="{FF2B5EF4-FFF2-40B4-BE49-F238E27FC236}">
+                <a16:creationId xmlns:a16="http://schemas.microsoft.com/office/drawing/2014/main" id="{EB241495-8436-17A4-33DB-5C8FCB1B7646}"/>
+              </a:ext>
+            </a:extLst>
+          </p:cNvPr>
+          <p:cNvSpPr>
+            <a:spLocks noGrp="1"/>
+          </p:cNvSpPr>
+          <p:nvPr>
+            <p:ph type="sldNum" sz="quarter" idx="12"/>
+          </p:nvPr>
+        </p:nvSpPr>
+        <p:spPr/>
+        <p:txBody>
+          <a:bodyPr/>
+          <a:lstStyle/>
+          <a:p>
+            <a:fld id="{D86B3D54-5C84-4380-B90C-31F636633DA2}" type="slidenum">
+              <a:rPr lang="es-ES" altLang="es-ES" smtClean="0"/>
+              <a:pPr/>
+              <a:t>13</a:t>
+            </a:fld>
+            <a:endParaRPr lang="es-ES" altLang="es-ES"/>
+          </a:p>
+        </p:txBody>
+      </p:sp>
+      <p:pic>
+        <p:nvPicPr>
+          <p:cNvPr id="15" name="Imagen 5">
+            <a:extLst>
+              <a:ext uri="{FF2B5EF4-FFF2-40B4-BE49-F238E27FC236}">
+                <a16:creationId xmlns:a16="http://schemas.microsoft.com/office/drawing/2014/main" id="{09D03E3A-F1C1-4096-EFC6-931C0A2D5D42}"/>
+              </a:ext>
+            </a:extLst>
+          </p:cNvPr>
+          <p:cNvPicPr>
+            <a:picLocks noChangeAspect="1" noChangeArrowheads="1"/>
+          </p:cNvPicPr>
+          <p:nvPr/>
+        </p:nvPicPr>
+        <p:blipFill>
+          <a:blip r:embed="rId3">
+            <a:extLst>
+              <a:ext uri="{28A0092B-C50C-407E-A947-70E740481C1C}">
+                <a14:useLocalDpi xmlns:a14="http://schemas.microsoft.com/office/drawing/2010/main" val="0"/>
+              </a:ext>
+            </a:extLst>
+          </a:blip>
+          <a:srcRect/>
+          <a:stretch>
+            <a:fillRect/>
+          </a:stretch>
+        </p:blipFill>
+        <p:spPr bwMode="auto">
+          <a:xfrm>
+            <a:off x="11129080" y="122503"/>
+            <a:ext cx="904080" cy="809624"/>
+          </a:xfrm>
+          <a:prstGeom prst="rect">
+            <a:avLst/>
+          </a:prstGeom>
+          <a:noFill/>
+          <a:ln>
+            <a:noFill/>
+          </a:ln>
+          <a:extLst>
+            <a:ext uri="{909E8E84-426E-40DD-AFC4-6F175D3DCCD1}">
+              <a14:hiddenFill xmlns:a14="http://schemas.microsoft.com/office/drawing/2010/main">
+                <a:solidFill>
+                  <a:srgbClr val="FFFFFF"/>
+                </a:solidFill>
+              </a14:hiddenFill>
+            </a:ext>
+            <a:ext uri="{91240B29-F687-4F45-9708-019B960494DF}">
+              <a14:hiddenLine xmlns:a14="http://schemas.microsoft.com/office/drawing/2010/main" w="9525">
+                <a:solidFill>
+                  <a:srgbClr val="000000"/>
+                </a:solidFill>
+                <a:miter lim="800000"/>
+                <a:headEnd/>
+                <a:tailEnd/>
+              </a14:hiddenLine>
+            </a:ext>
+          </a:extLst>
+        </p:spPr>
+      </p:pic>
+      <p:pic>
+        <p:nvPicPr>
+          <p:cNvPr id="16" name="Picture 2">
+            <a:extLst>
+              <a:ext uri="{FF2B5EF4-FFF2-40B4-BE49-F238E27FC236}">
+                <a16:creationId xmlns:a16="http://schemas.microsoft.com/office/drawing/2014/main" id="{9169753F-F463-E0A7-AA4C-999CFC9AE7A7}"/>
+              </a:ext>
+            </a:extLst>
+          </p:cNvPr>
+          <p:cNvPicPr>
+            <a:picLocks noChangeAspect="1" noChangeArrowheads="1"/>
+          </p:cNvPicPr>
+          <p:nvPr/>
+        </p:nvPicPr>
+        <p:blipFill>
+          <a:blip r:embed="rId4">
+            <a:extLst>
+              <a:ext uri="{28A0092B-C50C-407E-A947-70E740481C1C}">
+                <a14:useLocalDpi xmlns:a14="http://schemas.microsoft.com/office/drawing/2010/main" val="0"/>
+              </a:ext>
+            </a:extLst>
+          </a:blip>
+          <a:srcRect/>
+          <a:stretch>
+            <a:fillRect/>
+          </a:stretch>
+        </p:blipFill>
+        <p:spPr bwMode="auto">
+          <a:xfrm>
+            <a:off x="158840" y="122503"/>
+            <a:ext cx="1097236" cy="809624"/>
+          </a:xfrm>
+          <a:prstGeom prst="rect">
+            <a:avLst/>
+          </a:prstGeom>
+          <a:noFill/>
+          <a:ln>
+            <a:noFill/>
+          </a:ln>
+          <a:extLst>
+            <a:ext uri="{909E8E84-426E-40DD-AFC4-6F175D3DCCD1}">
+              <a14:hiddenFill xmlns:a14="http://schemas.microsoft.com/office/drawing/2010/main">
+                <a:solidFill>
+                  <a:srgbClr val="FFFFFF"/>
+                </a:solidFill>
+              </a14:hiddenFill>
+            </a:ext>
+            <a:ext uri="{91240B29-F687-4F45-9708-019B960494DF}">
+              <a14:hiddenLine xmlns:a14="http://schemas.microsoft.com/office/drawing/2010/main" w="9525">
+                <a:solidFill>
+                  <a:srgbClr val="000000"/>
+                </a:solidFill>
+                <a:miter lim="800000"/>
+                <a:headEnd/>
+                <a:tailEnd/>
+              </a14:hiddenLine>
+            </a:ext>
+          </a:extLst>
+        </p:spPr>
+      </p:pic>
+      <p:sp>
+        <p:nvSpPr>
+          <p:cNvPr id="17" name="Title 1">
+            <a:extLst>
+              <a:ext uri="{FF2B5EF4-FFF2-40B4-BE49-F238E27FC236}">
+                <a16:creationId xmlns:a16="http://schemas.microsoft.com/office/drawing/2014/main" id="{EF7A254E-12C3-EB63-262D-7D15824BC82D}"/>
+              </a:ext>
+            </a:extLst>
+          </p:cNvPr>
+          <p:cNvSpPr>
+            <a:spLocks noGrp="1"/>
+          </p:cNvSpPr>
+          <p:nvPr>
+            <p:ph type="title"/>
+          </p:nvPr>
+        </p:nvSpPr>
+        <p:spPr>
+          <a:xfrm>
+            <a:off x="1251857" y="252094"/>
+            <a:ext cx="9541481" cy="593751"/>
+          </a:xfrm>
+        </p:spPr>
+        <p:txBody>
+          <a:bodyPr/>
+          <a:lstStyle/>
+          <a:p>
+            <a:r>
+              <a:rPr lang="en-US" dirty="0"/>
+              <a:t>Generation MIX on April 28, 2025</a:t>
+            </a:r>
+          </a:p>
+        </p:txBody>
+      </p:sp>
+      <p:sp>
+        <p:nvSpPr>
+          <p:cNvPr id="7" name="TextBox 6">
+            <a:extLst>
+              <a:ext uri="{FF2B5EF4-FFF2-40B4-BE49-F238E27FC236}">
+                <a16:creationId xmlns:a16="http://schemas.microsoft.com/office/drawing/2014/main" id="{9BC74DFE-D487-6232-82F2-6FC697808FE9}"/>
+              </a:ext>
+            </a:extLst>
+          </p:cNvPr>
+          <p:cNvSpPr txBox="1"/>
+          <p:nvPr/>
+        </p:nvSpPr>
+        <p:spPr>
+          <a:xfrm>
+            <a:off x="5375449" y="1659929"/>
+            <a:ext cx="2854152" cy="646331"/>
+          </a:xfrm>
+          <a:prstGeom prst="rect">
+            <a:avLst/>
+          </a:prstGeom>
+          <a:solidFill>
+            <a:srgbClr val="E9E9E9"/>
+          </a:solidFill>
+        </p:spPr>
+        <p:txBody>
+          <a:bodyPr wrap="square" rtlCol="0">
+            <a:spAutoFit/>
+          </a:bodyPr>
+          <a:lstStyle/>
+          <a:p>
+            <a:r>
+              <a:rPr lang="en-US" dirty="0"/>
+              <a:t>Steep drop in Spanish grid inertia as solar comes only</a:t>
+            </a:r>
+          </a:p>
+        </p:txBody>
+      </p:sp>
+      <p:cxnSp>
+        <p:nvCxnSpPr>
+          <p:cNvPr id="8" name="Straight Arrow Connector 7">
+            <a:extLst>
+              <a:ext uri="{FF2B5EF4-FFF2-40B4-BE49-F238E27FC236}">
+                <a16:creationId xmlns:a16="http://schemas.microsoft.com/office/drawing/2014/main" id="{0590C1C7-6305-213D-AB4C-6556165B0870}"/>
+              </a:ext>
+            </a:extLst>
+          </p:cNvPr>
+          <p:cNvCxnSpPr>
+            <a:cxnSpLocks/>
+          </p:cNvCxnSpPr>
+          <p:nvPr/>
+        </p:nvCxnSpPr>
+        <p:spPr>
+          <a:xfrm>
+            <a:off x="5144052" y="2004749"/>
+            <a:ext cx="610796" cy="1795979"/>
+          </a:xfrm>
+          <a:prstGeom prst="straightConnector1">
+            <a:avLst/>
+          </a:prstGeom>
+          <a:ln w="38100">
+            <a:solidFill>
+              <a:srgbClr val="FFCC28"/>
+            </a:solidFill>
+            <a:tailEnd type="triangle"/>
+          </a:ln>
+        </p:spPr>
+        <p:style>
+          <a:lnRef idx="1">
+            <a:schemeClr val="accent1"/>
+          </a:lnRef>
+          <a:fillRef idx="0">
+            <a:schemeClr val="accent1"/>
+          </a:fillRef>
+          <a:effectRef idx="0">
+            <a:schemeClr val="accent1"/>
+          </a:effectRef>
+          <a:fontRef idx="minor">
+            <a:schemeClr val="tx1"/>
+          </a:fontRef>
+        </p:style>
+      </p:cxnSp>
+      <p:cxnSp>
+        <p:nvCxnSpPr>
+          <p:cNvPr id="11" name="Straight Arrow Connector 10">
+            <a:extLst>
+              <a:ext uri="{FF2B5EF4-FFF2-40B4-BE49-F238E27FC236}">
+                <a16:creationId xmlns:a16="http://schemas.microsoft.com/office/drawing/2014/main" id="{0A12EEA3-AA34-4313-B8A1-60AE7DD9E9CA}"/>
+              </a:ext>
+            </a:extLst>
+          </p:cNvPr>
+          <p:cNvCxnSpPr>
+            <a:cxnSpLocks/>
+          </p:cNvCxnSpPr>
+          <p:nvPr/>
+        </p:nvCxnSpPr>
+        <p:spPr>
+          <a:xfrm>
+            <a:off x="6283354" y="4118994"/>
+            <a:ext cx="704451" cy="0"/>
+          </a:xfrm>
+          <a:prstGeom prst="straightConnector1">
+            <a:avLst/>
+          </a:prstGeom>
+          <a:ln w="38100">
+            <a:solidFill>
+              <a:srgbClr val="FFCC28"/>
+            </a:solidFill>
+            <a:tailEnd type="triangle"/>
+          </a:ln>
+        </p:spPr>
+        <p:style>
+          <a:lnRef idx="1">
+            <a:schemeClr val="accent1"/>
+          </a:lnRef>
+          <a:fillRef idx="0">
+            <a:schemeClr val="accent1"/>
+          </a:fillRef>
+          <a:effectRef idx="0">
+            <a:schemeClr val="accent1"/>
+          </a:effectRef>
+          <a:fontRef idx="minor">
+            <a:schemeClr val="tx1"/>
+          </a:fontRef>
+        </p:style>
+      </p:cxnSp>
+      <p:sp>
+        <p:nvSpPr>
+          <p:cNvPr id="18" name="TextBox 17">
+            <a:extLst>
+              <a:ext uri="{FF2B5EF4-FFF2-40B4-BE49-F238E27FC236}">
+                <a16:creationId xmlns:a16="http://schemas.microsoft.com/office/drawing/2014/main" id="{8EC1CB80-EF44-4E40-C4C5-914A1CD48A9C}"/>
+              </a:ext>
+            </a:extLst>
+          </p:cNvPr>
+          <p:cNvSpPr txBox="1"/>
+          <p:nvPr/>
+        </p:nvSpPr>
+        <p:spPr>
+          <a:xfrm>
+            <a:off x="6987805" y="3934328"/>
+            <a:ext cx="1451296" cy="369332"/>
+          </a:xfrm>
+          <a:prstGeom prst="rect">
+            <a:avLst/>
+          </a:prstGeom>
+          <a:solidFill>
+            <a:srgbClr val="E9E9E9"/>
+          </a:solidFill>
+        </p:spPr>
+        <p:txBody>
+          <a:bodyPr wrap="square" rtlCol="0">
+            <a:spAutoFit/>
+          </a:bodyPr>
+          <a:lstStyle/>
+          <a:p>
+            <a:r>
+              <a:rPr lang="en-US" dirty="0"/>
+              <a:t>~1.3 seconds</a:t>
+            </a:r>
+          </a:p>
+        </p:txBody>
+      </p:sp>
+    </p:spTree>
+    <p:extLst>
+      <p:ext uri="{BB962C8B-B14F-4D97-AF65-F5344CB8AC3E}">
+        <p14:creationId xmlns:p14="http://schemas.microsoft.com/office/powerpoint/2010/main" val="503995868"/>
+      </p:ext>
+    </p:extLst>
+  </p:cSld>
+  <p:clrMapOvr>
+    <a:masterClrMapping/>
+  </p:clrMapOvr>
+</p:sld>
+</file>
+
+<file path=ppt/slides/slide14.xml><?xml version="1.0" encoding="utf-8"?>
+<p:sld xmlns:a="http://schemas.openxmlformats.org/drawingml/2006/main" xmlns:r="http://schemas.openxmlformats.org/officeDocument/2006/relationships" xmlns:p="http://schemas.openxmlformats.org/presentationml/2006/main">
+  <p:cSld>
+    <p:spTree>
+      <p:nvGrpSpPr>
+        <p:cNvPr id="1" name="">
+          <a:extLst>
+            <a:ext uri="{FF2B5EF4-FFF2-40B4-BE49-F238E27FC236}">
+              <a16:creationId xmlns:a16="http://schemas.microsoft.com/office/drawing/2014/main" id="{BB7EF2D4-BDDA-4675-9E5D-EAA76C4CD249}"/>
+            </a:ext>
+          </a:extLst>
+        </p:cNvPr>
+        <p:cNvGrpSpPr/>
+        <p:nvPr/>
+      </p:nvGrpSpPr>
+      <p:grpSpPr>
+        <a:xfrm>
+          <a:off x="0" y="0"/>
+          <a:ext cx="0" cy="0"/>
+          <a:chOff x="0" y="0"/>
+          <a:chExt cx="0" cy="0"/>
+        </a:xfrm>
+      </p:grpSpPr>
+      <p:sp>
+        <p:nvSpPr>
+          <p:cNvPr id="7" name="Paralelogramo 6">
+            <a:extLst>
+              <a:ext uri="{FF2B5EF4-FFF2-40B4-BE49-F238E27FC236}">
+                <a16:creationId xmlns:a16="http://schemas.microsoft.com/office/drawing/2014/main" id="{7E7A16FC-5441-26D6-EEC7-EBC87FBC560F}"/>
+              </a:ext>
+            </a:extLst>
+          </p:cNvPr>
+          <p:cNvSpPr/>
+          <p:nvPr/>
+        </p:nvSpPr>
+        <p:spPr>
+          <a:xfrm flipH="1">
+            <a:off x="0" y="0"/>
+            <a:ext cx="5527675" cy="6858000"/>
+          </a:xfrm>
+          <a:prstGeom prst="parallelogram">
+            <a:avLst/>
+          </a:prstGeom>
+          <a:solidFill>
+            <a:srgbClr val="FFCC28"/>
+          </a:solidFill>
+          <a:ln>
+            <a:noFill/>
+          </a:ln>
+        </p:spPr>
+        <p:style>
+          <a:lnRef idx="2">
+            <a:schemeClr val="accent1">
+              <a:shade val="50000"/>
+            </a:schemeClr>
+          </a:lnRef>
+          <a:fillRef idx="1">
+            <a:schemeClr val="accent1"/>
+          </a:fillRef>
+          <a:effectRef idx="0">
+            <a:schemeClr val="accent1"/>
+          </a:effectRef>
+          <a:fontRef idx="minor">
+            <a:schemeClr val="lt1"/>
+          </a:fontRef>
+        </p:style>
+        <p:txBody>
+          <a:bodyPr anchor="ctr"/>
+          <a:lstStyle/>
+          <a:p>
+            <a:pPr algn="ctr" eaLnBrk="1" fontAlgn="auto" hangingPunct="1">
+              <a:spcBef>
+                <a:spcPts val="0"/>
+              </a:spcBef>
+              <a:spcAft>
+                <a:spcPts val="0"/>
+              </a:spcAft>
+              <a:defRPr/>
+            </a:pPr>
+            <a:endParaRPr lang="es-ES">
+              <a:latin typeface="Cabin Regular" pitchFamily="2" charset="77"/>
+            </a:endParaRPr>
+          </a:p>
+        </p:txBody>
+      </p:sp>
+      <p:sp>
+        <p:nvSpPr>
+          <p:cNvPr id="3" name="Marcador de número de diapositiva 2">
+            <a:extLst>
+              <a:ext uri="{FF2B5EF4-FFF2-40B4-BE49-F238E27FC236}">
+                <a16:creationId xmlns:a16="http://schemas.microsoft.com/office/drawing/2014/main" id="{11D21DFF-47F3-4651-0614-3E6F383F7505}"/>
+              </a:ext>
+            </a:extLst>
+          </p:cNvPr>
+          <p:cNvSpPr>
+            <a:spLocks noGrp="1"/>
+          </p:cNvSpPr>
+          <p:nvPr>
+            <p:ph type="sldNum" sz="quarter" idx="12"/>
+          </p:nvPr>
+        </p:nvSpPr>
+        <p:spPr/>
+        <p:txBody>
+          <a:bodyPr/>
+          <a:lstStyle>
+            <a:lvl1pPr>
+              <a:defRPr>
+                <a:solidFill>
+                  <a:schemeClr val="tx1"/>
+                </a:solidFill>
+                <a:latin typeface="Calibri" panose="020F0502020204030204" pitchFamily="34" charset="0"/>
+              </a:defRPr>
+            </a:lvl1pPr>
+            <a:lvl2pPr marL="742950" indent="-285750">
+              <a:defRPr>
+                <a:solidFill>
+                  <a:schemeClr val="tx1"/>
+                </a:solidFill>
+                <a:latin typeface="Calibri" panose="020F0502020204030204" pitchFamily="34" charset="0"/>
+              </a:defRPr>
+            </a:lvl2pPr>
+            <a:lvl3pPr marL="1143000" indent="-228600">
+              <a:defRPr>
+                <a:solidFill>
+                  <a:schemeClr val="tx1"/>
+                </a:solidFill>
+                <a:latin typeface="Calibri" panose="020F0502020204030204" pitchFamily="34" charset="0"/>
+              </a:defRPr>
+            </a:lvl3pPr>
+            <a:lvl4pPr marL="1600200" indent="-228600">
+              <a:defRPr>
+                <a:solidFill>
+                  <a:schemeClr val="tx1"/>
+                </a:solidFill>
+                <a:latin typeface="Calibri" panose="020F0502020204030204" pitchFamily="34" charset="0"/>
+              </a:defRPr>
+            </a:lvl4pPr>
+            <a:lvl5pPr marL="2057400" indent="-228600">
+              <a:defRPr>
+                <a:solidFill>
+                  <a:schemeClr val="tx1"/>
+                </a:solidFill>
+                <a:latin typeface="Calibri" panose="020F0502020204030204" pitchFamily="34" charset="0"/>
+              </a:defRPr>
+            </a:lvl5pPr>
+            <a:lvl6pPr marL="2514600" indent="-228600" fontAlgn="base">
+              <a:spcBef>
+                <a:spcPct val="0"/>
+              </a:spcBef>
+              <a:spcAft>
+                <a:spcPct val="0"/>
+              </a:spcAft>
+              <a:defRPr>
+                <a:solidFill>
+                  <a:schemeClr val="tx1"/>
+                </a:solidFill>
+                <a:latin typeface="Calibri" panose="020F0502020204030204" pitchFamily="34" charset="0"/>
+              </a:defRPr>
+            </a:lvl6pPr>
+            <a:lvl7pPr marL="2971800" indent="-228600" fontAlgn="base">
+              <a:spcBef>
+                <a:spcPct val="0"/>
+              </a:spcBef>
+              <a:spcAft>
+                <a:spcPct val="0"/>
+              </a:spcAft>
+              <a:defRPr>
+                <a:solidFill>
+                  <a:schemeClr val="tx1"/>
+                </a:solidFill>
+                <a:latin typeface="Calibri" panose="020F0502020204030204" pitchFamily="34" charset="0"/>
+              </a:defRPr>
+            </a:lvl7pPr>
+            <a:lvl8pPr marL="3429000" indent="-228600" fontAlgn="base">
+              <a:spcBef>
+                <a:spcPct val="0"/>
+              </a:spcBef>
+              <a:spcAft>
+                <a:spcPct val="0"/>
+              </a:spcAft>
+              <a:defRPr>
+                <a:solidFill>
+                  <a:schemeClr val="tx1"/>
+                </a:solidFill>
+                <a:latin typeface="Calibri" panose="020F0502020204030204" pitchFamily="34" charset="0"/>
+              </a:defRPr>
+            </a:lvl8pPr>
+            <a:lvl9pPr marL="3886200" indent="-228600" fontAlgn="base">
+              <a:spcBef>
+                <a:spcPct val="0"/>
+              </a:spcBef>
+              <a:spcAft>
+                <a:spcPct val="0"/>
+              </a:spcAft>
+              <a:defRPr>
+                <a:solidFill>
+                  <a:schemeClr val="tx1"/>
+                </a:solidFill>
+                <a:latin typeface="Calibri" panose="020F0502020204030204" pitchFamily="34" charset="0"/>
+              </a:defRPr>
+            </a:lvl9pPr>
+          </a:lstStyle>
+          <a:p>
+            <a:fld id="{75AE09BB-B6BF-466C-9F64-2188A5A41A10}" type="slidenum">
+              <a:rPr lang="es-ES" altLang="es-ES">
+                <a:solidFill>
+                  <a:srgbClr val="898989"/>
+                </a:solidFill>
+                <a:latin typeface="Cabin Regular" pitchFamily="2" charset="0"/>
+              </a:rPr>
+              <a:pPr/>
+              <a:t>14</a:t>
+            </a:fld>
+            <a:endParaRPr lang="es-ES" altLang="es-ES">
+              <a:solidFill>
+                <a:srgbClr val="898989"/>
+              </a:solidFill>
+              <a:latin typeface="Cabin Regular" pitchFamily="2" charset="0"/>
+            </a:endParaRPr>
+          </a:p>
+        </p:txBody>
+      </p:sp>
+      <p:sp>
+        <p:nvSpPr>
+          <p:cNvPr id="4" name="CuadroTexto 3">
+            <a:extLst>
+              <a:ext uri="{FF2B5EF4-FFF2-40B4-BE49-F238E27FC236}">
+                <a16:creationId xmlns:a16="http://schemas.microsoft.com/office/drawing/2014/main" id="{837C085E-995A-6D6D-AEFC-AE153E0B3A91}"/>
+              </a:ext>
+            </a:extLst>
+          </p:cNvPr>
+          <p:cNvSpPr txBox="1"/>
+          <p:nvPr/>
+        </p:nvSpPr>
+        <p:spPr>
+          <a:xfrm>
+            <a:off x="2252663" y="2787650"/>
+            <a:ext cx="7596187" cy="923925"/>
+          </a:xfrm>
+          <a:prstGeom prst="rect">
+            <a:avLst/>
+          </a:prstGeom>
+          <a:noFill/>
+        </p:spPr>
+        <p:txBody>
+          <a:bodyPr wrap="square">
+            <a:spAutoFit/>
+          </a:bodyPr>
+          <a:lstStyle/>
+          <a:p>
+            <a:pPr algn="r" eaLnBrk="1" fontAlgn="auto" hangingPunct="1">
+              <a:spcBef>
+                <a:spcPts val="0"/>
+              </a:spcBef>
+              <a:spcAft>
+                <a:spcPts val="0"/>
+              </a:spcAft>
+              <a:defRPr/>
+            </a:pPr>
+            <a:r>
+              <a:rPr lang="es-ES" sz="3600" b="1" spc="300" dirty="0">
+                <a:latin typeface="Open Sans Extrabold" panose="020B0606030504020204" pitchFamily="34" charset="0"/>
+                <a:ea typeface="Open Sans Extrabold" panose="020B0606030504020204" pitchFamily="34" charset="0"/>
+                <a:cs typeface="Open Sans Extrabold" panose="020B0606030504020204" pitchFamily="34" charset="0"/>
+              </a:rPr>
+              <a:t>LEMUR</a:t>
+            </a:r>
+          </a:p>
+          <a:p>
+            <a:pPr eaLnBrk="1" fontAlgn="auto" hangingPunct="1">
+              <a:spcBef>
+                <a:spcPts val="0"/>
+              </a:spcBef>
+              <a:spcAft>
+                <a:spcPts val="0"/>
+              </a:spcAft>
+              <a:defRPr/>
+            </a:pPr>
+            <a:endParaRPr lang="es-ES" dirty="0">
+              <a:latin typeface="Cabin Regular" pitchFamily="2" charset="77"/>
+            </a:endParaRPr>
+          </a:p>
+        </p:txBody>
+      </p:sp>
+      <p:sp>
+        <p:nvSpPr>
+          <p:cNvPr id="5" name="Rectángulo 4">
+            <a:extLst>
+              <a:ext uri="{FF2B5EF4-FFF2-40B4-BE49-F238E27FC236}">
+                <a16:creationId xmlns:a16="http://schemas.microsoft.com/office/drawing/2014/main" id="{B108858A-EDB6-BBF6-EFB8-92CE683D63B6}"/>
+              </a:ext>
+            </a:extLst>
+          </p:cNvPr>
+          <p:cNvSpPr/>
+          <p:nvPr/>
+        </p:nvSpPr>
+        <p:spPr>
+          <a:xfrm flipV="1">
+            <a:off x="8097838" y="3527425"/>
+            <a:ext cx="1751012" cy="46038"/>
+          </a:xfrm>
+          <a:prstGeom prst="rect">
+            <a:avLst/>
+          </a:prstGeom>
+          <a:solidFill>
+            <a:srgbClr val="FFCC28"/>
+          </a:solidFill>
+          <a:ln>
+            <a:noFill/>
+          </a:ln>
+        </p:spPr>
+        <p:style>
+          <a:lnRef idx="2">
+            <a:schemeClr val="accent1">
+              <a:shade val="50000"/>
+            </a:schemeClr>
+          </a:lnRef>
+          <a:fillRef idx="1">
+            <a:schemeClr val="accent1"/>
+          </a:fillRef>
+          <a:effectRef idx="0">
+            <a:schemeClr val="accent1"/>
+          </a:effectRef>
+          <a:fontRef idx="minor">
+            <a:schemeClr val="lt1"/>
+          </a:fontRef>
+        </p:style>
+        <p:txBody>
+          <a:bodyPr anchor="ctr"/>
+          <a:lstStyle/>
+          <a:p>
+            <a:pPr algn="ctr" eaLnBrk="1" fontAlgn="auto" hangingPunct="1">
+              <a:spcBef>
+                <a:spcPts val="0"/>
+              </a:spcBef>
+              <a:spcAft>
+                <a:spcPts val="0"/>
+              </a:spcAft>
+              <a:defRPr/>
+            </a:pPr>
+            <a:endParaRPr lang="es-ES">
+              <a:latin typeface="Cabin Regular" pitchFamily="2" charset="77"/>
+            </a:endParaRPr>
+          </a:p>
+        </p:txBody>
+      </p:sp>
+      <p:pic>
+        <p:nvPicPr>
+          <p:cNvPr id="9" name="Imagen 5">
+            <a:extLst>
+              <a:ext uri="{FF2B5EF4-FFF2-40B4-BE49-F238E27FC236}">
+                <a16:creationId xmlns:a16="http://schemas.microsoft.com/office/drawing/2014/main" id="{89A4D5E0-3A45-A7C8-6E5F-66CA40D052DC}"/>
+              </a:ext>
+            </a:extLst>
+          </p:cNvPr>
+          <p:cNvPicPr>
+            <a:picLocks noChangeAspect="1" noChangeArrowheads="1"/>
+          </p:cNvPicPr>
+          <p:nvPr/>
+        </p:nvPicPr>
+        <p:blipFill>
+          <a:blip r:embed="rId2">
+            <a:extLst>
+              <a:ext uri="{28A0092B-C50C-407E-A947-70E740481C1C}">
+                <a14:useLocalDpi xmlns:a14="http://schemas.microsoft.com/office/drawing/2010/main" val="0"/>
+              </a:ext>
+            </a:extLst>
+          </a:blip>
+          <a:srcRect/>
+          <a:stretch>
+            <a:fillRect/>
+          </a:stretch>
+        </p:blipFill>
+        <p:spPr bwMode="auto">
+          <a:xfrm>
+            <a:off x="11129080" y="122503"/>
+            <a:ext cx="904080" cy="809624"/>
+          </a:xfrm>
+          <a:prstGeom prst="rect">
+            <a:avLst/>
+          </a:prstGeom>
+          <a:noFill/>
+          <a:ln>
+            <a:noFill/>
+          </a:ln>
+          <a:extLst>
+            <a:ext uri="{909E8E84-426E-40DD-AFC4-6F175D3DCCD1}">
+              <a14:hiddenFill xmlns:a14="http://schemas.microsoft.com/office/drawing/2010/main">
+                <a:solidFill>
+                  <a:srgbClr val="FFFFFF"/>
+                </a:solidFill>
+              </a14:hiddenFill>
+            </a:ext>
+            <a:ext uri="{91240B29-F687-4F45-9708-019B960494DF}">
+              <a14:hiddenLine xmlns:a14="http://schemas.microsoft.com/office/drawing/2010/main" w="9525">
+                <a:solidFill>
+                  <a:srgbClr val="000000"/>
+                </a:solidFill>
+                <a:miter lim="800000"/>
+                <a:headEnd/>
+                <a:tailEnd/>
+              </a14:hiddenLine>
+            </a:ext>
+          </a:extLst>
+        </p:spPr>
+      </p:pic>
+      <p:pic>
+        <p:nvPicPr>
+          <p:cNvPr id="10" name="Picture 2">
+            <a:extLst>
+              <a:ext uri="{FF2B5EF4-FFF2-40B4-BE49-F238E27FC236}">
+                <a16:creationId xmlns:a16="http://schemas.microsoft.com/office/drawing/2014/main" id="{31DB6920-B177-CFB4-6C48-6A91DA64DAF2}"/>
+              </a:ext>
+            </a:extLst>
+          </p:cNvPr>
+          <p:cNvPicPr>
+            <a:picLocks noChangeAspect="1" noChangeArrowheads="1"/>
+          </p:cNvPicPr>
+          <p:nvPr/>
+        </p:nvPicPr>
+        <p:blipFill>
+          <a:blip r:embed="rId3">
+            <a:extLst>
+              <a:ext uri="{28A0092B-C50C-407E-A947-70E740481C1C}">
+                <a14:useLocalDpi xmlns:a14="http://schemas.microsoft.com/office/drawing/2010/main" val="0"/>
+              </a:ext>
+            </a:extLst>
+          </a:blip>
+          <a:srcRect/>
+          <a:stretch>
+            <a:fillRect/>
+          </a:stretch>
+        </p:blipFill>
+        <p:spPr bwMode="auto">
+          <a:xfrm>
+            <a:off x="158840" y="122503"/>
+            <a:ext cx="1097236" cy="809624"/>
+          </a:xfrm>
+          <a:prstGeom prst="rect">
+            <a:avLst/>
+          </a:prstGeom>
+          <a:noFill/>
+          <a:ln>
+            <a:noFill/>
+          </a:ln>
+          <a:extLst>
+            <a:ext uri="{909E8E84-426E-40DD-AFC4-6F175D3DCCD1}">
+              <a14:hiddenFill xmlns:a14="http://schemas.microsoft.com/office/drawing/2010/main">
+                <a:solidFill>
+                  <a:srgbClr val="FFFFFF"/>
+                </a:solidFill>
+              </a14:hiddenFill>
+            </a:ext>
+            <a:ext uri="{91240B29-F687-4F45-9708-019B960494DF}">
+              <a14:hiddenLine xmlns:a14="http://schemas.microsoft.com/office/drawing/2010/main" w="9525">
+                <a:solidFill>
+                  <a:srgbClr val="000000"/>
+                </a:solidFill>
+                <a:miter lim="800000"/>
+                <a:headEnd/>
+                <a:tailEnd/>
+              </a14:hiddenLine>
+            </a:ext>
+          </a:extLst>
+        </p:spPr>
+      </p:pic>
+    </p:spTree>
+    <p:extLst>
+      <p:ext uri="{BB962C8B-B14F-4D97-AF65-F5344CB8AC3E}">
         <p14:creationId xmlns:p14="http://schemas.microsoft.com/office/powerpoint/2010/main" val="2278873645"/>
       </p:ext>
     </p:extLst>
@@ -7266,7 +8660,7 @@
 </p:sld>
 </file>
 
-<file path=ppt/slides/slide12.xml><?xml version="1.0" encoding="utf-8"?>
+<file path=ppt/slides/slide15.xml><?xml version="1.0" encoding="utf-8"?>
 <p:sld xmlns:a="http://schemas.openxmlformats.org/drawingml/2006/main" xmlns:r="http://schemas.openxmlformats.org/officeDocument/2006/relationships" xmlns:p="http://schemas.openxmlformats.org/presentationml/2006/main">
   <p:cSld>
     <p:spTree>
@@ -7409,7 +8803,7 @@
                 <a:latin typeface="Cabin Regular" pitchFamily="2" charset="0"/>
               </a:rPr>
               <a:pPr/>
-              <a:t>12</a:t>
+              <a:t>15</a:t>
             </a:fld>
             <a:endParaRPr lang="es-ES" altLang="es-ES">
               <a:solidFill>
@@ -8339,7 +9733,7 @@
 </p:sld>
 </file>
 
-<file path=ppt/slides/slide13.xml><?xml version="1.0" encoding="utf-8"?>
+<file path=ppt/slides/slide16.xml><?xml version="1.0" encoding="utf-8"?>
 <p:sld xmlns:a="http://schemas.openxmlformats.org/drawingml/2006/main" xmlns:r="http://schemas.openxmlformats.org/officeDocument/2006/relationships" xmlns:p="http://schemas.openxmlformats.org/presentationml/2006/main">
   <p:cSld>
     <p:spTree>
@@ -8482,7 +9876,7 @@
                 <a:latin typeface="Cabin Regular" pitchFamily="2" charset="0"/>
               </a:rPr>
               <a:pPr/>
-              <a:t>13</a:t>
+              <a:t>16</a:t>
             </a:fld>
             <a:endParaRPr lang="es-ES" altLang="es-ES">
               <a:solidFill>
@@ -10309,7 +11703,7 @@
 </p:sld>
 </file>
 
-<file path=ppt/slides/slide14.xml><?xml version="1.0" encoding="utf-8"?>
+<file path=ppt/slides/slide17.xml><?xml version="1.0" encoding="utf-8"?>
 <p:sld xmlns:a="http://schemas.openxmlformats.org/drawingml/2006/main" xmlns:r="http://schemas.openxmlformats.org/officeDocument/2006/relationships" xmlns:p="http://schemas.openxmlformats.org/presentationml/2006/main">
   <p:cSld>
     <p:spTree>
@@ -10452,7 +11846,7 @@
                 <a:latin typeface="Cabin Regular" pitchFamily="2" charset="0"/>
               </a:rPr>
               <a:pPr/>
-              <a:t>14</a:t>
+              <a:t>17</a:t>
             </a:fld>
             <a:endParaRPr lang="es-ES" altLang="es-ES">
               <a:solidFill>
@@ -11299,7 +12693,7 @@
 </p:sld>
 </file>
 
-<file path=ppt/slides/slide15.xml><?xml version="1.0" encoding="utf-8"?>
+<file path=ppt/slides/slide18.xml><?xml version="1.0" encoding="utf-8"?>
 <p:sld xmlns:a="http://schemas.openxmlformats.org/drawingml/2006/main" xmlns:r="http://schemas.openxmlformats.org/officeDocument/2006/relationships" xmlns:p="http://schemas.openxmlformats.org/presentationml/2006/main">
   <p:cSld>
     <p:spTree>
@@ -11591,7 +12985,7 @@
             <a:fld id="{F80BEE8C-9BC8-4092-9420-3642836EC31C}" type="slidenum">
               <a:rPr lang="es-ES" altLang="es-ES" smtClean="0"/>
               <a:pPr/>
-              <a:t>15</a:t>
+              <a:t>18</a:t>
             </a:fld>
             <a:endParaRPr lang="es-ES" altLang="es-ES"/>
           </a:p>
@@ -15590,8 +16984,8 @@
         </p:nvSpPr>
         <p:spPr>
           <a:xfrm>
-            <a:off x="2252663" y="2787650"/>
-            <a:ext cx="9939337" cy="923925"/>
+            <a:off x="2252664" y="2787650"/>
+            <a:ext cx="8778860" cy="646331"/>
           </a:xfrm>
           <a:prstGeom prst="rect">
             <a:avLst/>
@@ -15599,7 +16993,7 @@
           <a:noFill/>
         </p:spPr>
         <p:txBody>
-          <a:bodyPr>
+          <a:bodyPr wrap="square">
             <a:spAutoFit/>
           </a:bodyPr>
           <a:lstStyle/>
@@ -15619,7 +17013,7 @@
                 <a:ea typeface="Open Sans Extrabold" panose="020B0606030504020204" pitchFamily="34" charset="0"/>
                 <a:cs typeface="Open Sans Extrabold" panose="020B0606030504020204" pitchFamily="34" charset="0"/>
               </a:rPr>
-              <a:t>Technical</a:t>
+              <a:t>Rate</a:t>
             </a:r>
             <a:r>
               <a:rPr lang="es-ES" sz="3600" b="1" spc="300" dirty="0">
@@ -15635,24 +17029,40 @@
                 <a:ea typeface="Open Sans Extrabold" panose="020B0606030504020204" pitchFamily="34" charset="0"/>
                 <a:cs typeface="Open Sans Extrabold" panose="020B0606030504020204" pitchFamily="34" charset="0"/>
               </a:rPr>
-              <a:t>Analysis</a:t>
-            </a:r>
-            <a:endParaRPr lang="es-ES" sz="3600" b="1" spc="300" dirty="0">
-              <a:latin typeface="Open Sans Extrabold" panose="020B0606030504020204" pitchFamily="34" charset="0"/>
-              <a:ea typeface="Open Sans Extrabold" panose="020B0606030504020204" pitchFamily="34" charset="0"/>
-              <a:cs typeface="Open Sans Extrabold" panose="020B0606030504020204" pitchFamily="34" charset="0"/>
-            </a:endParaRPr>
-          </a:p>
-          <a:p>
-            <a:pPr eaLnBrk="1" fontAlgn="auto" hangingPunct="1">
-              <a:spcBef>
-                <a:spcPts val="0"/>
-              </a:spcBef>
-              <a:spcAft>
-                <a:spcPts val="0"/>
-              </a:spcAft>
-              <a:defRPr/>
-            </a:pPr>
+              <a:t>of</a:t>
+            </a:r>
+            <a:r>
+              <a:rPr lang="es-ES" sz="3600" b="1" spc="300" dirty="0">
+                <a:latin typeface="Open Sans Extrabold" panose="020B0606030504020204" pitchFamily="34" charset="0"/>
+                <a:ea typeface="Open Sans Extrabold" panose="020B0606030504020204" pitchFamily="34" charset="0"/>
+                <a:cs typeface="Open Sans Extrabold" panose="020B0606030504020204" pitchFamily="34" charset="0"/>
+              </a:rPr>
+              <a:t> Change </a:t>
+            </a:r>
+            <a:r>
+              <a:rPr lang="es-ES" sz="3600" b="1" spc="300" dirty="0" err="1">
+                <a:latin typeface="Open Sans Extrabold" panose="020B0606030504020204" pitchFamily="34" charset="0"/>
+                <a:ea typeface="Open Sans Extrabold" panose="020B0606030504020204" pitchFamily="34" charset="0"/>
+                <a:cs typeface="Open Sans Extrabold" panose="020B0606030504020204" pitchFamily="34" charset="0"/>
+              </a:rPr>
+              <a:t>of</a:t>
+            </a:r>
+            <a:r>
+              <a:rPr lang="es-ES" sz="3600" b="1" spc="300" dirty="0">
+                <a:latin typeface="Open Sans Extrabold" panose="020B0606030504020204" pitchFamily="34" charset="0"/>
+                <a:ea typeface="Open Sans Extrabold" panose="020B0606030504020204" pitchFamily="34" charset="0"/>
+                <a:cs typeface="Open Sans Extrabold" panose="020B0606030504020204" pitchFamily="34" charset="0"/>
+              </a:rPr>
+              <a:t> </a:t>
+            </a:r>
+            <a:r>
+              <a:rPr lang="es-ES" sz="3600" b="1" spc="300" dirty="0" err="1">
+                <a:latin typeface="Open Sans Extrabold" panose="020B0606030504020204" pitchFamily="34" charset="0"/>
+                <a:ea typeface="Open Sans Extrabold" panose="020B0606030504020204" pitchFamily="34" charset="0"/>
+                <a:cs typeface="Open Sans Extrabold" panose="020B0606030504020204" pitchFamily="34" charset="0"/>
+              </a:rPr>
+              <a:t>Frequency</a:t>
+            </a:r>
             <a:endParaRPr lang="es-ES" dirty="0">
               <a:latin typeface="Cabin Regular" pitchFamily="2" charset="77"/>
             </a:endParaRPr>
@@ -17014,15 +18424,6 @@
 </file>
 
 <file path=customXml/item1.xml><?xml version="1.0" encoding="utf-8"?>
-<?mso-contentType ?>
-<FormTemplates xmlns="http://schemas.microsoft.com/sharepoint/v3/contenttype/forms">
-  <Display>DocumentLibraryForm</Display>
-  <Edit>DocumentLibraryForm</Edit>
-  <New>DocumentLibraryForm</New>
-</FormTemplates>
-</file>
-
-<file path=customXml/item2.xml><?xml version="1.0" encoding="utf-8"?>
 <ct:contentTypeSchema xmlns:ct="http://schemas.microsoft.com/office/2006/metadata/contentType" xmlns:ma="http://schemas.microsoft.com/office/2006/metadata/properties/metaAttributes" ct:_="" ma:_="" ma:contentTypeName="Documento" ma:contentTypeID="0x01010073B546F8B429F441AB517FD40C7758B9" ma:contentTypeVersion="9" ma:contentTypeDescription="Crear nuevo documento." ma:contentTypeScope="" ma:versionID="befdb5c2a76d165b7963a9516cf1ff49">
   <xsd:schema xmlns:xsd="http://www.w3.org/2001/XMLSchema" xmlns:xs="http://www.w3.org/2001/XMLSchema" xmlns:p="http://schemas.microsoft.com/office/2006/metadata/properties" xmlns:ns2="2711c295-d9dc-4290-94d2-434158111b76" targetNamespace="http://schemas.microsoft.com/office/2006/metadata/properties" ma:root="true" ma:fieldsID="ca2b8862da53eb6a9ce780760509eba3" ns2:_="">
     <xsd:import namespace="2711c295-d9dc-4290-94d2-434158111b76"/>
@@ -17200,15 +18601,16 @@
 </ct:contentTypeSchema>
 </file>
 
-<file path=customXml/itemProps1.xml><?xml version="1.0" encoding="utf-8"?>
-<ds:datastoreItem xmlns:ds="http://schemas.openxmlformats.org/officeDocument/2006/customXml" ds:itemID="{89347A6E-B2D6-4CDD-A77A-DC57154271F4}">
-  <ds:schemaRefs>
-    <ds:schemaRef ds:uri="http://schemas.microsoft.com/sharepoint/v3/contenttype/forms"/>
-  </ds:schemaRefs>
-</ds:datastoreItem>
+<file path=customXml/item2.xml><?xml version="1.0" encoding="utf-8"?>
+<?mso-contentType ?>
+<FormTemplates xmlns="http://schemas.microsoft.com/sharepoint/v3/contenttype/forms">
+  <Display>DocumentLibraryForm</Display>
+  <Edit>DocumentLibraryForm</Edit>
+  <New>DocumentLibraryForm</New>
+</FormTemplates>
 </file>
 
-<file path=customXml/itemProps2.xml><?xml version="1.0" encoding="utf-8"?>
+<file path=customXml/itemProps1.xml><?xml version="1.0" encoding="utf-8"?>
 <ds:datastoreItem xmlns:ds="http://schemas.openxmlformats.org/officeDocument/2006/customXml" ds:itemID="{F16D57E5-64C1-4DFF-BAE4-F891A5313303}">
   <ds:schemaRefs>
     <ds:schemaRef ds:uri="2711c295-d9dc-4290-94d2-434158111b76"/>
@@ -17224,4 +18626,12 @@
     <ds:schemaRef ds:uri="http://www.w3.org/2001/XMLSchema"/>
   </ds:schemaRefs>
 </ds:datastoreItem>
+</file>
+
+<file path=customXml/itemProps2.xml><?xml version="1.0" encoding="utf-8"?>
+<ds:datastoreItem xmlns:ds="http://schemas.openxmlformats.org/officeDocument/2006/customXml" ds:itemID="{89347A6E-B2D6-4CDD-A77A-DC57154271F4}">
+  <ds:schemaRefs>
+    <ds:schemaRef ds:uri="http://schemas.microsoft.com/sharepoint/v3/contenttype/forms"/>
+  </ds:schemaRefs>
+</ds:datastoreItem>
 </file>
--- a/reports/Apragon_April28.pptx
+++ b/reports/Apragon_April28.pptx
@@ -5,7 +5,7 @@
     <p:sldMasterId id="2147483648" r:id="rId3"/>
   </p:sldMasterIdLst>
   <p:notesMasterIdLst>
-    <p:notesMasterId r:id="rId22"/>
+    <p:notesMasterId r:id="rId23"/>
   </p:notesMasterIdLst>
   <p:sldIdLst>
     <p:sldId id="256" r:id="rId4"/>
@@ -21,11 +21,12 @@
     <p:sldId id="337" r:id="rId14"/>
     <p:sldId id="338" r:id="rId15"/>
     <p:sldId id="339" r:id="rId16"/>
-    <p:sldId id="334" r:id="rId17"/>
-    <p:sldId id="260" r:id="rId18"/>
-    <p:sldId id="261" r:id="rId19"/>
-    <p:sldId id="311" r:id="rId20"/>
-    <p:sldId id="310" r:id="rId21"/>
+    <p:sldId id="340" r:id="rId17"/>
+    <p:sldId id="334" r:id="rId18"/>
+    <p:sldId id="260" r:id="rId19"/>
+    <p:sldId id="261" r:id="rId20"/>
+    <p:sldId id="311" r:id="rId21"/>
+    <p:sldId id="310" r:id="rId22"/>
   </p:sldIdLst>
   <p:sldSz cx="12192000" cy="6858000"/>
   <p:notesSz cx="6858000" cy="9144000"/>
@@ -1141,7 +1142,7 @@
                 <a:latin typeface="Cabin Regular" pitchFamily="2" charset="0"/>
               </a:rPr>
               <a:pPr/>
-              <a:t>17</a:t>
+              <a:t>18</a:t>
             </a:fld>
             <a:endParaRPr lang="es-ES" altLang="es-ES">
               <a:latin typeface="Cabin Regular" pitchFamily="2" charset="0"/>
@@ -8189,6 +8190,380 @@
         <p:cNvPr id="1" name="">
           <a:extLst>
             <a:ext uri="{FF2B5EF4-FFF2-40B4-BE49-F238E27FC236}">
+              <a16:creationId xmlns:a16="http://schemas.microsoft.com/office/drawing/2014/main" id="{84A61950-AC74-A022-A579-FC48C23ED994}"/>
+            </a:ext>
+          </a:extLst>
+        </p:cNvPr>
+        <p:cNvGrpSpPr/>
+        <p:nvPr/>
+      </p:nvGrpSpPr>
+      <p:grpSpPr>
+        <a:xfrm>
+          <a:off x="0" y="0"/>
+          <a:ext cx="0" cy="0"/>
+          <a:chOff x="0" y="0"/>
+          <a:chExt cx="0" cy="0"/>
+        </a:xfrm>
+      </p:grpSpPr>
+      <p:pic>
+        <p:nvPicPr>
+          <p:cNvPr id="22" name="Picture 21" descr="A graph with red line&#10;&#10;AI-generated content may be incorrect.">
+            <a:extLst>
+              <a:ext uri="{FF2B5EF4-FFF2-40B4-BE49-F238E27FC236}">
+                <a16:creationId xmlns:a16="http://schemas.microsoft.com/office/drawing/2014/main" id="{ABFBA1B2-EFCD-16E9-C3B8-F022F09A3207}"/>
+              </a:ext>
+            </a:extLst>
+          </p:cNvPr>
+          <p:cNvPicPr>
+            <a:picLocks noChangeAspect="1"/>
+          </p:cNvPicPr>
+          <p:nvPr/>
+        </p:nvPicPr>
+        <p:blipFill>
+          <a:blip r:embed="rId2"/>
+          <a:stretch>
+            <a:fillRect/>
+          </a:stretch>
+        </p:blipFill>
+        <p:spPr>
+          <a:xfrm>
+            <a:off x="1271332" y="975436"/>
+            <a:ext cx="10761828" cy="5380914"/>
+          </a:xfrm>
+          <a:prstGeom prst="rect">
+            <a:avLst/>
+          </a:prstGeom>
+        </p:spPr>
+      </p:pic>
+      <p:sp>
+        <p:nvSpPr>
+          <p:cNvPr id="5" name="Slide Number Placeholder 4">
+            <a:extLst>
+              <a:ext uri="{FF2B5EF4-FFF2-40B4-BE49-F238E27FC236}">
+                <a16:creationId xmlns:a16="http://schemas.microsoft.com/office/drawing/2014/main" id="{F7741830-4C9C-A346-42BF-B605543FB90A}"/>
+              </a:ext>
+            </a:extLst>
+          </p:cNvPr>
+          <p:cNvSpPr>
+            <a:spLocks noGrp="1"/>
+          </p:cNvSpPr>
+          <p:nvPr>
+            <p:ph type="sldNum" sz="quarter" idx="12"/>
+          </p:nvPr>
+        </p:nvSpPr>
+        <p:spPr/>
+        <p:txBody>
+          <a:bodyPr/>
+          <a:lstStyle/>
+          <a:p>
+            <a:fld id="{D86B3D54-5C84-4380-B90C-31F636633DA2}" type="slidenum">
+              <a:rPr lang="es-ES" altLang="es-ES" smtClean="0"/>
+              <a:pPr/>
+              <a:t>14</a:t>
+            </a:fld>
+            <a:endParaRPr lang="es-ES" altLang="es-ES"/>
+          </a:p>
+        </p:txBody>
+      </p:sp>
+      <p:pic>
+        <p:nvPicPr>
+          <p:cNvPr id="15" name="Imagen 5">
+            <a:extLst>
+              <a:ext uri="{FF2B5EF4-FFF2-40B4-BE49-F238E27FC236}">
+                <a16:creationId xmlns:a16="http://schemas.microsoft.com/office/drawing/2014/main" id="{3A4D26DC-0B45-9012-DF44-26EF1DC9269B}"/>
+              </a:ext>
+            </a:extLst>
+          </p:cNvPr>
+          <p:cNvPicPr>
+            <a:picLocks noChangeAspect="1" noChangeArrowheads="1"/>
+          </p:cNvPicPr>
+          <p:nvPr/>
+        </p:nvPicPr>
+        <p:blipFill>
+          <a:blip r:embed="rId3">
+            <a:extLst>
+              <a:ext uri="{28A0092B-C50C-407E-A947-70E740481C1C}">
+                <a14:useLocalDpi xmlns:a14="http://schemas.microsoft.com/office/drawing/2010/main" val="0"/>
+              </a:ext>
+            </a:extLst>
+          </a:blip>
+          <a:srcRect/>
+          <a:stretch>
+            <a:fillRect/>
+          </a:stretch>
+        </p:blipFill>
+        <p:spPr bwMode="auto">
+          <a:xfrm>
+            <a:off x="11129080" y="122503"/>
+            <a:ext cx="904080" cy="809624"/>
+          </a:xfrm>
+          <a:prstGeom prst="rect">
+            <a:avLst/>
+          </a:prstGeom>
+          <a:noFill/>
+          <a:ln>
+            <a:noFill/>
+          </a:ln>
+          <a:extLst>
+            <a:ext uri="{909E8E84-426E-40DD-AFC4-6F175D3DCCD1}">
+              <a14:hiddenFill xmlns:a14="http://schemas.microsoft.com/office/drawing/2010/main">
+                <a:solidFill>
+                  <a:srgbClr val="FFFFFF"/>
+                </a:solidFill>
+              </a14:hiddenFill>
+            </a:ext>
+            <a:ext uri="{91240B29-F687-4F45-9708-019B960494DF}">
+              <a14:hiddenLine xmlns:a14="http://schemas.microsoft.com/office/drawing/2010/main" w="9525">
+                <a:solidFill>
+                  <a:srgbClr val="000000"/>
+                </a:solidFill>
+                <a:miter lim="800000"/>
+                <a:headEnd/>
+                <a:tailEnd/>
+              </a14:hiddenLine>
+            </a:ext>
+          </a:extLst>
+        </p:spPr>
+      </p:pic>
+      <p:pic>
+        <p:nvPicPr>
+          <p:cNvPr id="16" name="Picture 2">
+            <a:extLst>
+              <a:ext uri="{FF2B5EF4-FFF2-40B4-BE49-F238E27FC236}">
+                <a16:creationId xmlns:a16="http://schemas.microsoft.com/office/drawing/2014/main" id="{ABBB38EF-0429-9184-F8CF-9137F4349E54}"/>
+              </a:ext>
+            </a:extLst>
+          </p:cNvPr>
+          <p:cNvPicPr>
+            <a:picLocks noChangeAspect="1" noChangeArrowheads="1"/>
+          </p:cNvPicPr>
+          <p:nvPr/>
+        </p:nvPicPr>
+        <p:blipFill>
+          <a:blip r:embed="rId4">
+            <a:extLst>
+              <a:ext uri="{28A0092B-C50C-407E-A947-70E740481C1C}">
+                <a14:useLocalDpi xmlns:a14="http://schemas.microsoft.com/office/drawing/2010/main" val="0"/>
+              </a:ext>
+            </a:extLst>
+          </a:blip>
+          <a:srcRect/>
+          <a:stretch>
+            <a:fillRect/>
+          </a:stretch>
+        </p:blipFill>
+        <p:spPr bwMode="auto">
+          <a:xfrm>
+            <a:off x="158840" y="122503"/>
+            <a:ext cx="1097236" cy="809624"/>
+          </a:xfrm>
+          <a:prstGeom prst="rect">
+            <a:avLst/>
+          </a:prstGeom>
+          <a:noFill/>
+          <a:ln>
+            <a:noFill/>
+          </a:ln>
+          <a:extLst>
+            <a:ext uri="{909E8E84-426E-40DD-AFC4-6F175D3DCCD1}">
+              <a14:hiddenFill xmlns:a14="http://schemas.microsoft.com/office/drawing/2010/main">
+                <a:solidFill>
+                  <a:srgbClr val="FFFFFF"/>
+                </a:solidFill>
+              </a14:hiddenFill>
+            </a:ext>
+            <a:ext uri="{91240B29-F687-4F45-9708-019B960494DF}">
+              <a14:hiddenLine xmlns:a14="http://schemas.microsoft.com/office/drawing/2010/main" w="9525">
+                <a:solidFill>
+                  <a:srgbClr val="000000"/>
+                </a:solidFill>
+                <a:miter lim="800000"/>
+                <a:headEnd/>
+                <a:tailEnd/>
+              </a14:hiddenLine>
+            </a:ext>
+          </a:extLst>
+        </p:spPr>
+      </p:pic>
+      <p:sp>
+        <p:nvSpPr>
+          <p:cNvPr id="17" name="Title 1">
+            <a:extLst>
+              <a:ext uri="{FF2B5EF4-FFF2-40B4-BE49-F238E27FC236}">
+                <a16:creationId xmlns:a16="http://schemas.microsoft.com/office/drawing/2014/main" id="{BFA2F926-A2A2-8E9E-9AAC-B41A8510BC98}"/>
+              </a:ext>
+            </a:extLst>
+          </p:cNvPr>
+          <p:cNvSpPr>
+            <a:spLocks noGrp="1"/>
+          </p:cNvSpPr>
+          <p:nvPr>
+            <p:ph type="title"/>
+          </p:nvPr>
+        </p:nvSpPr>
+        <p:spPr>
+          <a:xfrm>
+            <a:off x="1251857" y="252094"/>
+            <a:ext cx="9541481" cy="593751"/>
+          </a:xfrm>
+        </p:spPr>
+        <p:txBody>
+          <a:bodyPr/>
+          <a:lstStyle/>
+          <a:p>
+            <a:r>
+              <a:rPr lang="en-US" dirty="0"/>
+              <a:t>Exports to France were below average</a:t>
+            </a:r>
+          </a:p>
+        </p:txBody>
+      </p:sp>
+      <p:sp>
+        <p:nvSpPr>
+          <p:cNvPr id="7" name="TextBox 6">
+            <a:extLst>
+              <a:ext uri="{FF2B5EF4-FFF2-40B4-BE49-F238E27FC236}">
+                <a16:creationId xmlns:a16="http://schemas.microsoft.com/office/drawing/2014/main" id="{83C4B21F-D171-6088-2FB8-CC54A3760011}"/>
+              </a:ext>
+            </a:extLst>
+          </p:cNvPr>
+          <p:cNvSpPr txBox="1"/>
+          <p:nvPr/>
+        </p:nvSpPr>
+        <p:spPr>
+          <a:xfrm>
+            <a:off x="4345497" y="1595190"/>
+            <a:ext cx="5557707" cy="369332"/>
+          </a:xfrm>
+          <a:prstGeom prst="rect">
+            <a:avLst/>
+          </a:prstGeom>
+          <a:solidFill>
+            <a:srgbClr val="E9E9E9"/>
+          </a:solidFill>
+        </p:spPr>
+        <p:txBody>
+          <a:bodyPr wrap="square" rtlCol="0">
+            <a:spAutoFit/>
+          </a:bodyPr>
+          <a:lstStyle/>
+          <a:p>
+            <a:r>
+              <a:rPr lang="en-US" dirty="0"/>
+              <a:t>~6am, exports to France fall below the seasonal average.</a:t>
+            </a:r>
+          </a:p>
+        </p:txBody>
+      </p:sp>
+      <p:cxnSp>
+        <p:nvCxnSpPr>
+          <p:cNvPr id="8" name="Straight Arrow Connector 7">
+            <a:extLst>
+              <a:ext uri="{FF2B5EF4-FFF2-40B4-BE49-F238E27FC236}">
+                <a16:creationId xmlns:a16="http://schemas.microsoft.com/office/drawing/2014/main" id="{D97E605A-A4DF-CE2C-E0C2-4DD95C5F9836}"/>
+              </a:ext>
+            </a:extLst>
+          </p:cNvPr>
+          <p:cNvCxnSpPr>
+            <a:cxnSpLocks/>
+          </p:cNvCxnSpPr>
+          <p:nvPr/>
+        </p:nvCxnSpPr>
+        <p:spPr>
+          <a:xfrm flipH="1">
+            <a:off x="3741490" y="1964522"/>
+            <a:ext cx="604007" cy="535397"/>
+          </a:xfrm>
+          <a:prstGeom prst="straightConnector1">
+            <a:avLst/>
+          </a:prstGeom>
+          <a:ln w="38100">
+            <a:solidFill>
+              <a:srgbClr val="FFCC28"/>
+            </a:solidFill>
+            <a:tailEnd type="triangle"/>
+          </a:ln>
+        </p:spPr>
+        <p:style>
+          <a:lnRef idx="1">
+            <a:schemeClr val="accent1"/>
+          </a:lnRef>
+          <a:fillRef idx="0">
+            <a:schemeClr val="accent1"/>
+          </a:fillRef>
+          <a:effectRef idx="0">
+            <a:schemeClr val="accent1"/>
+          </a:effectRef>
+          <a:fontRef idx="minor">
+            <a:schemeClr val="tx1"/>
+          </a:fontRef>
+        </p:style>
+      </p:cxnSp>
+      <p:cxnSp>
+        <p:nvCxnSpPr>
+          <p:cNvPr id="11" name="Straight Arrow Connector 10">
+            <a:extLst>
+              <a:ext uri="{FF2B5EF4-FFF2-40B4-BE49-F238E27FC236}">
+                <a16:creationId xmlns:a16="http://schemas.microsoft.com/office/drawing/2014/main" id="{1D2BEA48-AF6E-DBE8-4A46-D898F4E5C62E}"/>
+              </a:ext>
+            </a:extLst>
+          </p:cNvPr>
+          <p:cNvCxnSpPr>
+            <a:cxnSpLocks/>
+          </p:cNvCxnSpPr>
+          <p:nvPr/>
+        </p:nvCxnSpPr>
+        <p:spPr>
+          <a:xfrm>
+            <a:off x="4404220" y="1964522"/>
+            <a:ext cx="365621" cy="1055515"/>
+          </a:xfrm>
+          <a:prstGeom prst="straightConnector1">
+            <a:avLst/>
+          </a:prstGeom>
+          <a:ln w="38100">
+            <a:solidFill>
+              <a:srgbClr val="FFCC28"/>
+            </a:solidFill>
+            <a:tailEnd type="triangle"/>
+          </a:ln>
+        </p:spPr>
+        <p:style>
+          <a:lnRef idx="1">
+            <a:schemeClr val="accent1"/>
+          </a:lnRef>
+          <a:fillRef idx="0">
+            <a:schemeClr val="accent1"/>
+          </a:fillRef>
+          <a:effectRef idx="0">
+            <a:schemeClr val="accent1"/>
+          </a:effectRef>
+          <a:fontRef idx="minor">
+            <a:schemeClr val="tx1"/>
+          </a:fontRef>
+        </p:style>
+      </p:cxnSp>
+    </p:spTree>
+    <p:extLst>
+      <p:ext uri="{BB962C8B-B14F-4D97-AF65-F5344CB8AC3E}">
+        <p14:creationId xmlns:p14="http://schemas.microsoft.com/office/powerpoint/2010/main" val="599183188"/>
+      </p:ext>
+    </p:extLst>
+  </p:cSld>
+  <p:clrMapOvr>
+    <a:masterClrMapping/>
+  </p:clrMapOvr>
+</p:sld>
+</file>
+
+<file path=ppt/slides/slide15.xml><?xml version="1.0" encoding="utf-8"?>
+<p:sld xmlns:a="http://schemas.openxmlformats.org/drawingml/2006/main" xmlns:r="http://schemas.openxmlformats.org/officeDocument/2006/relationships" xmlns:p="http://schemas.openxmlformats.org/presentationml/2006/main">
+  <p:cSld>
+    <p:spTree>
+      <p:nvGrpSpPr>
+        <p:cNvPr id="1" name="">
+          <a:extLst>
+            <a:ext uri="{FF2B5EF4-FFF2-40B4-BE49-F238E27FC236}">
               <a16:creationId xmlns:a16="http://schemas.microsoft.com/office/drawing/2014/main" id="{BB7EF2D4-BDDA-4675-9E5D-EAA76C4CD249}"/>
             </a:ext>
           </a:extLst>
@@ -8392,7 +8767,7 @@
                 <a:latin typeface="Cabin Regular" pitchFamily="2" charset="0"/>
               </a:rPr>
               <a:pPr/>
-              <a:t>14</a:t>
+              <a:t>15</a:t>
             </a:fld>
             <a:endParaRPr lang="es-ES" altLang="es-ES">
               <a:solidFill>
@@ -8660,7 +9035,7 @@
 </p:sld>
 </file>
 
-<file path=ppt/slides/slide15.xml><?xml version="1.0" encoding="utf-8"?>
+<file path=ppt/slides/slide16.xml><?xml version="1.0" encoding="utf-8"?>
 <p:sld xmlns:a="http://schemas.openxmlformats.org/drawingml/2006/main" xmlns:r="http://schemas.openxmlformats.org/officeDocument/2006/relationships" xmlns:p="http://schemas.openxmlformats.org/presentationml/2006/main">
   <p:cSld>
     <p:spTree>
@@ -8803,7 +9178,7 @@
                 <a:latin typeface="Cabin Regular" pitchFamily="2" charset="0"/>
               </a:rPr>
               <a:pPr/>
-              <a:t>15</a:t>
+              <a:t>16</a:t>
             </a:fld>
             <a:endParaRPr lang="es-ES" altLang="es-ES">
               <a:solidFill>
@@ -9733,7 +10108,7 @@
 </p:sld>
 </file>
 
-<file path=ppt/slides/slide16.xml><?xml version="1.0" encoding="utf-8"?>
+<file path=ppt/slides/slide17.xml><?xml version="1.0" encoding="utf-8"?>
 <p:sld xmlns:a="http://schemas.openxmlformats.org/drawingml/2006/main" xmlns:r="http://schemas.openxmlformats.org/officeDocument/2006/relationships" xmlns:p="http://schemas.openxmlformats.org/presentationml/2006/main">
   <p:cSld>
     <p:spTree>
@@ -9876,7 +10251,7 @@
                 <a:latin typeface="Cabin Regular" pitchFamily="2" charset="0"/>
               </a:rPr>
               <a:pPr/>
-              <a:t>16</a:t>
+              <a:t>17</a:t>
             </a:fld>
             <a:endParaRPr lang="es-ES" altLang="es-ES">
               <a:solidFill>
@@ -11703,7 +12078,7 @@
 </p:sld>
 </file>
 
-<file path=ppt/slides/slide17.xml><?xml version="1.0" encoding="utf-8"?>
+<file path=ppt/slides/slide18.xml><?xml version="1.0" encoding="utf-8"?>
 <p:sld xmlns:a="http://schemas.openxmlformats.org/drawingml/2006/main" xmlns:r="http://schemas.openxmlformats.org/officeDocument/2006/relationships" xmlns:p="http://schemas.openxmlformats.org/presentationml/2006/main">
   <p:cSld>
     <p:spTree>
@@ -11846,7 +12221,7 @@
                 <a:latin typeface="Cabin Regular" pitchFamily="2" charset="0"/>
               </a:rPr>
               <a:pPr/>
-              <a:t>17</a:t>
+              <a:t>18</a:t>
             </a:fld>
             <a:endParaRPr lang="es-ES" altLang="es-ES">
               <a:solidFill>
@@ -12693,7 +13068,7 @@
 </p:sld>
 </file>
 
-<file path=ppt/slides/slide18.xml><?xml version="1.0" encoding="utf-8"?>
+<file path=ppt/slides/slide19.xml><?xml version="1.0" encoding="utf-8"?>
 <p:sld xmlns:a="http://schemas.openxmlformats.org/drawingml/2006/main" xmlns:r="http://schemas.openxmlformats.org/officeDocument/2006/relationships" xmlns:p="http://schemas.openxmlformats.org/presentationml/2006/main">
   <p:cSld>
     <p:spTree>
@@ -12985,7 +13360,7 @@
             <a:fld id="{F80BEE8C-9BC8-4092-9420-3642836EC31C}" type="slidenum">
               <a:rPr lang="es-ES" altLang="es-ES" smtClean="0"/>
               <a:pPr/>
-              <a:t>18</a:t>
+              <a:t>19</a:t>
             </a:fld>
             <a:endParaRPr lang="es-ES" altLang="es-ES"/>
           </a:p>

--- a/reports/Apragon_April28.pptx
+++ b/reports/Apragon_April28.pptx
@@ -11,19 +11,19 @@
     <p:sldId id="256" r:id="rId4"/>
     <p:sldId id="259" r:id="rId5"/>
     <p:sldId id="341" r:id="rId6"/>
-    <p:sldId id="342" r:id="rId7"/>
-    <p:sldId id="328" r:id="rId8"/>
-    <p:sldId id="329" r:id="rId9"/>
-    <p:sldId id="330" r:id="rId10"/>
-    <p:sldId id="331" r:id="rId11"/>
-    <p:sldId id="332" r:id="rId12"/>
-    <p:sldId id="333" r:id="rId13"/>
-    <p:sldId id="335" r:id="rId14"/>
-    <p:sldId id="336" r:id="rId15"/>
-    <p:sldId id="337" r:id="rId16"/>
-    <p:sldId id="338" r:id="rId17"/>
-    <p:sldId id="339" r:id="rId18"/>
-    <p:sldId id="340" r:id="rId19"/>
+    <p:sldId id="328" r:id="rId7"/>
+    <p:sldId id="329" r:id="rId8"/>
+    <p:sldId id="330" r:id="rId9"/>
+    <p:sldId id="331" r:id="rId10"/>
+    <p:sldId id="332" r:id="rId11"/>
+    <p:sldId id="333" r:id="rId12"/>
+    <p:sldId id="335" r:id="rId13"/>
+    <p:sldId id="336" r:id="rId14"/>
+    <p:sldId id="337" r:id="rId15"/>
+    <p:sldId id="338" r:id="rId16"/>
+    <p:sldId id="339" r:id="rId17"/>
+    <p:sldId id="340" r:id="rId18"/>
+    <p:sldId id="342" r:id="rId19"/>
     <p:sldId id="344" r:id="rId20"/>
     <p:sldId id="343" r:id="rId21"/>
     <p:sldId id="334" r:id="rId22"/>
@@ -6319,7 +6319,7 @@
         <p:cNvPr id="1" name="">
           <a:extLst>
             <a:ext uri="{FF2B5EF4-FFF2-40B4-BE49-F238E27FC236}">
-              <a16:creationId xmlns:a16="http://schemas.microsoft.com/office/drawing/2014/main" id="{C0A527B7-B1D5-0298-CCB2-AF3DBB000A33}"/>
+              <a16:creationId xmlns:a16="http://schemas.microsoft.com/office/drawing/2014/main" id="{4268C67E-1B58-9CE1-5EA2-AEFFA1946821}"/>
             </a:ext>
           </a:extLst>
         </p:cNvPr>
@@ -6334,74 +6334,42 @@
           <a:chExt cx="0" cy="0"/>
         </a:xfrm>
       </p:grpSpPr>
+      <p:pic>
+        <p:nvPicPr>
+          <p:cNvPr id="3" name="Picture 2" descr="A graph with blue and red lines&#10;&#10;AI-generated content may be incorrect.">
+            <a:extLst>
+              <a:ext uri="{FF2B5EF4-FFF2-40B4-BE49-F238E27FC236}">
+                <a16:creationId xmlns:a16="http://schemas.microsoft.com/office/drawing/2014/main" id="{A1B26E07-77BA-70BA-EE0B-FA5126A0BF61}"/>
+              </a:ext>
+            </a:extLst>
+          </p:cNvPr>
+          <p:cNvPicPr>
+            <a:picLocks noChangeAspect="1"/>
+          </p:cNvPicPr>
+          <p:nvPr/>
+        </p:nvPicPr>
+        <p:blipFill>
+          <a:blip r:embed="rId2"/>
+          <a:stretch>
+            <a:fillRect/>
+          </a:stretch>
+        </p:blipFill>
+        <p:spPr>
+          <a:xfrm>
+            <a:off x="1271332" y="975436"/>
+            <a:ext cx="10761828" cy="5380914"/>
+          </a:xfrm>
+          <a:prstGeom prst="rect">
+            <a:avLst/>
+          </a:prstGeom>
+        </p:spPr>
+      </p:pic>
       <p:sp>
         <p:nvSpPr>
-          <p:cNvPr id="7" name="Paralelogramo 6">
-            <a:extLst>
-              <a:ext uri="{FF2B5EF4-FFF2-40B4-BE49-F238E27FC236}">
-                <a16:creationId xmlns:a16="http://schemas.microsoft.com/office/drawing/2014/main" id="{F6545BFE-BB10-8421-40F3-000D4C50A5F6}"/>
-              </a:ext>
-            </a:extLst>
-          </p:cNvPr>
-          <p:cNvSpPr/>
-          <p:nvPr/>
-        </p:nvSpPr>
-        <p:spPr>
-          <a:xfrm flipH="1">
-            <a:off x="0" y="0"/>
-            <a:ext cx="5527675" cy="6858000"/>
-          </a:xfrm>
-          <a:prstGeom prst="parallelogram">
-            <a:avLst/>
-          </a:prstGeom>
-          <a:solidFill>
-            <a:srgbClr val="FFCC28"/>
-          </a:solidFill>
-          <a:ln>
-            <a:noFill/>
-          </a:ln>
-        </p:spPr>
-        <p:style>
-          <a:lnRef idx="2">
-            <a:schemeClr val="accent1">
-              <a:shade val="50000"/>
-            </a:schemeClr>
-          </a:lnRef>
-          <a:fillRef idx="1">
-            <a:schemeClr val="accent1"/>
-          </a:fillRef>
-          <a:effectRef idx="0">
-            <a:schemeClr val="accent1"/>
-          </a:effectRef>
-          <a:fontRef idx="minor">
-            <a:schemeClr val="lt1"/>
-          </a:fontRef>
-        </p:style>
-        <p:txBody>
-          <a:bodyPr anchor="ctr"/>
-          <a:lstStyle/>
-          <a:p>
-            <a:pPr algn="ctr" eaLnBrk="1" fontAlgn="auto" hangingPunct="1">
-              <a:spcBef>
-                <a:spcPts val="0"/>
-              </a:spcBef>
-              <a:spcAft>
-                <a:spcPts val="0"/>
-              </a:spcAft>
-              <a:defRPr/>
-            </a:pPr>
-            <a:endParaRPr lang="es-ES">
-              <a:latin typeface="Cabin Regular" pitchFamily="2" charset="77"/>
-            </a:endParaRPr>
-          </a:p>
-        </p:txBody>
-      </p:sp>
-      <p:sp>
-        <p:nvSpPr>
-          <p:cNvPr id="3" name="Marcador de número de diapositiva 2">
-            <a:extLst>
-              <a:ext uri="{FF2B5EF4-FFF2-40B4-BE49-F238E27FC236}">
-                <a16:creationId xmlns:a16="http://schemas.microsoft.com/office/drawing/2014/main" id="{A9B32B6B-286D-B587-85B4-1FC507B9E343}"/>
+          <p:cNvPr id="5" name="Slide Number Placeholder 4">
+            <a:extLst>
+              <a:ext uri="{FF2B5EF4-FFF2-40B4-BE49-F238E27FC236}">
+                <a16:creationId xmlns:a16="http://schemas.microsoft.com/office/drawing/2014/main" id="{105AA40D-D4BE-11CB-E902-CC0B8BC4E429}"/>
               </a:ext>
             </a:extLst>
           </p:cNvPr>
@@ -6415,130 +6383,23 @@
         <p:spPr/>
         <p:txBody>
           <a:bodyPr/>
-          <a:lstStyle>
-            <a:lvl1pPr>
-              <a:defRPr>
-                <a:solidFill>
-                  <a:schemeClr val="tx1"/>
-                </a:solidFill>
-                <a:latin typeface="Calibri" panose="020F0502020204030204" pitchFamily="34" charset="0"/>
-              </a:defRPr>
-            </a:lvl1pPr>
-            <a:lvl2pPr marL="742950" indent="-285750">
-              <a:defRPr>
-                <a:solidFill>
-                  <a:schemeClr val="tx1"/>
-                </a:solidFill>
-                <a:latin typeface="Calibri" panose="020F0502020204030204" pitchFamily="34" charset="0"/>
-              </a:defRPr>
-            </a:lvl2pPr>
-            <a:lvl3pPr marL="1143000" indent="-228600">
-              <a:defRPr>
-                <a:solidFill>
-                  <a:schemeClr val="tx1"/>
-                </a:solidFill>
-                <a:latin typeface="Calibri" panose="020F0502020204030204" pitchFamily="34" charset="0"/>
-              </a:defRPr>
-            </a:lvl3pPr>
-            <a:lvl4pPr marL="1600200" indent="-228600">
-              <a:defRPr>
-                <a:solidFill>
-                  <a:schemeClr val="tx1"/>
-                </a:solidFill>
-                <a:latin typeface="Calibri" panose="020F0502020204030204" pitchFamily="34" charset="0"/>
-              </a:defRPr>
-            </a:lvl4pPr>
-            <a:lvl5pPr marL="2057400" indent="-228600">
-              <a:defRPr>
-                <a:solidFill>
-                  <a:schemeClr val="tx1"/>
-                </a:solidFill>
-                <a:latin typeface="Calibri" panose="020F0502020204030204" pitchFamily="34" charset="0"/>
-              </a:defRPr>
-            </a:lvl5pPr>
-            <a:lvl6pPr marL="2514600" indent="-228600" fontAlgn="base">
-              <a:spcBef>
-                <a:spcPct val="0"/>
-              </a:spcBef>
-              <a:spcAft>
-                <a:spcPct val="0"/>
-              </a:spcAft>
-              <a:defRPr>
-                <a:solidFill>
-                  <a:schemeClr val="tx1"/>
-                </a:solidFill>
-                <a:latin typeface="Calibri" panose="020F0502020204030204" pitchFamily="34" charset="0"/>
-              </a:defRPr>
-            </a:lvl6pPr>
-            <a:lvl7pPr marL="2971800" indent="-228600" fontAlgn="base">
-              <a:spcBef>
-                <a:spcPct val="0"/>
-              </a:spcBef>
-              <a:spcAft>
-                <a:spcPct val="0"/>
-              </a:spcAft>
-              <a:defRPr>
-                <a:solidFill>
-                  <a:schemeClr val="tx1"/>
-                </a:solidFill>
-                <a:latin typeface="Calibri" panose="020F0502020204030204" pitchFamily="34" charset="0"/>
-              </a:defRPr>
-            </a:lvl7pPr>
-            <a:lvl8pPr marL="3429000" indent="-228600" fontAlgn="base">
-              <a:spcBef>
-                <a:spcPct val="0"/>
-              </a:spcBef>
-              <a:spcAft>
-                <a:spcPct val="0"/>
-              </a:spcAft>
-              <a:defRPr>
-                <a:solidFill>
-                  <a:schemeClr val="tx1"/>
-                </a:solidFill>
-                <a:latin typeface="Calibri" panose="020F0502020204030204" pitchFamily="34" charset="0"/>
-              </a:defRPr>
-            </a:lvl8pPr>
-            <a:lvl9pPr marL="3886200" indent="-228600" fontAlgn="base">
-              <a:spcBef>
-                <a:spcPct val="0"/>
-              </a:spcBef>
-              <a:spcAft>
-                <a:spcPct val="0"/>
-              </a:spcAft>
-              <a:defRPr>
-                <a:solidFill>
-                  <a:schemeClr val="tx1"/>
-                </a:solidFill>
-                <a:latin typeface="Calibri" panose="020F0502020204030204" pitchFamily="34" charset="0"/>
-              </a:defRPr>
-            </a:lvl9pPr>
-          </a:lstStyle>
-          <a:p>
-            <a:fld id="{75AE09BB-B6BF-466C-9F64-2188A5A41A10}" type="slidenum">
-              <a:rPr lang="es-ES" altLang="es-ES">
-                <a:solidFill>
-                  <a:srgbClr val="898989"/>
-                </a:solidFill>
-                <a:latin typeface="Cabin Regular" pitchFamily="2" charset="0"/>
-              </a:rPr>
+          <a:lstStyle/>
+          <a:p>
+            <a:fld id="{D86B3D54-5C84-4380-B90C-31F636633DA2}" type="slidenum">
+              <a:rPr lang="es-ES" altLang="es-ES" smtClean="0"/>
               <a:pPr/>
               <a:t>10</a:t>
             </a:fld>
-            <a:endParaRPr lang="es-ES" altLang="es-ES">
-              <a:solidFill>
-                <a:srgbClr val="898989"/>
-              </a:solidFill>
-              <a:latin typeface="Cabin Regular" pitchFamily="2" charset="0"/>
-            </a:endParaRPr>
+            <a:endParaRPr lang="es-ES" altLang="es-ES"/>
           </a:p>
         </p:txBody>
       </p:sp>
       <p:sp>
         <p:nvSpPr>
-          <p:cNvPr id="4" name="CuadroTexto 3">
-            <a:extLst>
-              <a:ext uri="{FF2B5EF4-FFF2-40B4-BE49-F238E27FC236}">
-                <a16:creationId xmlns:a16="http://schemas.microsoft.com/office/drawing/2014/main" id="{E3D53BAC-3FFA-7F26-0128-B8726748F888}"/>
+          <p:cNvPr id="85" name="TextBox 84">
+            <a:extLst>
+              <a:ext uri="{FF2B5EF4-FFF2-40B4-BE49-F238E27FC236}">
+                <a16:creationId xmlns:a16="http://schemas.microsoft.com/office/drawing/2014/main" id="{DAC0C50A-38C2-98D9-D8FC-41749C1392F9}"/>
               </a:ext>
             </a:extLst>
           </p:cNvPr>
@@ -6547,325 +6408,65 @@
         </p:nvSpPr>
         <p:spPr>
           <a:xfrm>
-            <a:off x="2252664" y="2787650"/>
-            <a:ext cx="8778860" cy="646331"/>
-          </a:xfrm>
-          <a:prstGeom prst="rect">
-            <a:avLst/>
-          </a:prstGeom>
-          <a:noFill/>
-        </p:spPr>
-        <p:txBody>
-          <a:bodyPr wrap="square">
-            <a:spAutoFit/>
-          </a:bodyPr>
-          <a:lstStyle/>
-          <a:p>
-            <a:pPr eaLnBrk="1" fontAlgn="auto" hangingPunct="1">
-              <a:spcBef>
-                <a:spcPts val="0"/>
-              </a:spcBef>
-              <a:spcAft>
-                <a:spcPts val="0"/>
-              </a:spcAft>
-              <a:defRPr/>
-            </a:pPr>
-            <a:r>
-              <a:rPr lang="es-ES" sz="3600" b="1" spc="300" dirty="0" err="1">
-                <a:latin typeface="Open Sans Extrabold" panose="020B0606030504020204" pitchFamily="34" charset="0"/>
-                <a:ea typeface="Open Sans Extrabold" panose="020B0606030504020204" pitchFamily="34" charset="0"/>
-                <a:cs typeface="Open Sans Extrabold" panose="020B0606030504020204" pitchFamily="34" charset="0"/>
-              </a:rPr>
-              <a:t>Rate</a:t>
-            </a:r>
-            <a:r>
-              <a:rPr lang="es-ES" sz="3600" b="1" spc="300" dirty="0">
-                <a:latin typeface="Open Sans Extrabold" panose="020B0606030504020204" pitchFamily="34" charset="0"/>
-                <a:ea typeface="Open Sans Extrabold" panose="020B0606030504020204" pitchFamily="34" charset="0"/>
-                <a:cs typeface="Open Sans Extrabold" panose="020B0606030504020204" pitchFamily="34" charset="0"/>
-              </a:rPr>
-              <a:t> </a:t>
-            </a:r>
-            <a:r>
-              <a:rPr lang="es-ES" sz="3600" b="1" spc="300" dirty="0" err="1">
-                <a:latin typeface="Open Sans Extrabold" panose="020B0606030504020204" pitchFamily="34" charset="0"/>
-                <a:ea typeface="Open Sans Extrabold" panose="020B0606030504020204" pitchFamily="34" charset="0"/>
-                <a:cs typeface="Open Sans Extrabold" panose="020B0606030504020204" pitchFamily="34" charset="0"/>
-              </a:rPr>
-              <a:t>of</a:t>
-            </a:r>
-            <a:r>
-              <a:rPr lang="es-ES" sz="3600" b="1" spc="300" dirty="0">
-                <a:latin typeface="Open Sans Extrabold" panose="020B0606030504020204" pitchFamily="34" charset="0"/>
-                <a:ea typeface="Open Sans Extrabold" panose="020B0606030504020204" pitchFamily="34" charset="0"/>
-                <a:cs typeface="Open Sans Extrabold" panose="020B0606030504020204" pitchFamily="34" charset="0"/>
-              </a:rPr>
-              <a:t> Change </a:t>
-            </a:r>
-            <a:r>
-              <a:rPr lang="es-ES" sz="3600" b="1" spc="300" dirty="0" err="1">
-                <a:latin typeface="Open Sans Extrabold" panose="020B0606030504020204" pitchFamily="34" charset="0"/>
-                <a:ea typeface="Open Sans Extrabold" panose="020B0606030504020204" pitchFamily="34" charset="0"/>
-                <a:cs typeface="Open Sans Extrabold" panose="020B0606030504020204" pitchFamily="34" charset="0"/>
-              </a:rPr>
-              <a:t>of</a:t>
-            </a:r>
-            <a:r>
-              <a:rPr lang="es-ES" sz="3600" b="1" spc="300" dirty="0">
-                <a:latin typeface="Open Sans Extrabold" panose="020B0606030504020204" pitchFamily="34" charset="0"/>
-                <a:ea typeface="Open Sans Extrabold" panose="020B0606030504020204" pitchFamily="34" charset="0"/>
-                <a:cs typeface="Open Sans Extrabold" panose="020B0606030504020204" pitchFamily="34" charset="0"/>
-              </a:rPr>
-              <a:t> </a:t>
-            </a:r>
-            <a:r>
-              <a:rPr lang="es-ES" sz="3600" b="1" spc="300" dirty="0" err="1">
-                <a:latin typeface="Open Sans Extrabold" panose="020B0606030504020204" pitchFamily="34" charset="0"/>
-                <a:ea typeface="Open Sans Extrabold" panose="020B0606030504020204" pitchFamily="34" charset="0"/>
-                <a:cs typeface="Open Sans Extrabold" panose="020B0606030504020204" pitchFamily="34" charset="0"/>
-              </a:rPr>
-              <a:t>Frequency</a:t>
-            </a:r>
-            <a:endParaRPr lang="es-ES" dirty="0">
-              <a:latin typeface="Cabin Regular" pitchFamily="2" charset="77"/>
-            </a:endParaRPr>
-          </a:p>
-        </p:txBody>
-      </p:sp>
-      <p:sp>
-        <p:nvSpPr>
-          <p:cNvPr id="5" name="Rectángulo 4">
-            <a:extLst>
-              <a:ext uri="{FF2B5EF4-FFF2-40B4-BE49-F238E27FC236}">
-                <a16:creationId xmlns:a16="http://schemas.microsoft.com/office/drawing/2014/main" id="{168594E2-CA84-BB04-DF14-402D08E95ED9}"/>
-              </a:ext>
-            </a:extLst>
-          </p:cNvPr>
-          <p:cNvSpPr/>
-          <p:nvPr/>
-        </p:nvSpPr>
-        <p:spPr>
-          <a:xfrm flipV="1">
-            <a:off x="8097838" y="3527425"/>
-            <a:ext cx="1751012" cy="46038"/>
+            <a:off x="6652246" y="4236328"/>
+            <a:ext cx="3718447" cy="1354217"/>
           </a:xfrm>
           <a:prstGeom prst="rect">
             <a:avLst/>
           </a:prstGeom>
           <a:solidFill>
-            <a:srgbClr val="FFCC28"/>
+            <a:srgbClr val="E9E9E9"/>
           </a:solidFill>
-          <a:ln>
-            <a:noFill/>
-          </a:ln>
-        </p:spPr>
-        <p:style>
-          <a:lnRef idx="2">
-            <a:schemeClr val="accent1">
-              <a:shade val="50000"/>
-            </a:schemeClr>
-          </a:lnRef>
-          <a:fillRef idx="1">
-            <a:schemeClr val="accent1"/>
-          </a:fillRef>
-          <a:effectRef idx="0">
-            <a:schemeClr val="accent1"/>
-          </a:effectRef>
-          <a:fontRef idx="minor">
-            <a:schemeClr val="lt1"/>
-          </a:fontRef>
-        </p:style>
+        </p:spPr>
         <p:txBody>
-          <a:bodyPr anchor="ctr"/>
-          <a:lstStyle/>
-          <a:p>
-            <a:pPr algn="ctr" eaLnBrk="1" fontAlgn="auto" hangingPunct="1">
-              <a:spcBef>
-                <a:spcPts val="0"/>
-              </a:spcBef>
-              <a:spcAft>
-                <a:spcPts val="0"/>
-              </a:spcAft>
-              <a:defRPr/>
-            </a:pPr>
-            <a:endParaRPr lang="es-ES">
-              <a:latin typeface="Cabin Regular" pitchFamily="2" charset="77"/>
-            </a:endParaRPr>
-          </a:p>
-        </p:txBody>
-      </p:sp>
-      <p:sp>
-        <p:nvSpPr>
-          <p:cNvPr id="54278" name="CuadroTexto 5">
-            <a:extLst>
-              <a:ext uri="{FF2B5EF4-FFF2-40B4-BE49-F238E27FC236}">
-                <a16:creationId xmlns:a16="http://schemas.microsoft.com/office/drawing/2014/main" id="{8C66E389-97E8-D9A6-F827-56CF5DF959F5}"/>
-              </a:ext>
-            </a:extLst>
-          </p:cNvPr>
-          <p:cNvSpPr txBox="1">
-            <a:spLocks noChangeArrowheads="1"/>
-          </p:cNvSpPr>
-          <p:nvPr/>
-        </p:nvSpPr>
-        <p:spPr bwMode="auto">
-          <a:xfrm>
-            <a:off x="2252663" y="2308225"/>
-            <a:ext cx="3937000" cy="369888"/>
-          </a:xfrm>
-          <a:prstGeom prst="rect">
-            <a:avLst/>
-          </a:prstGeom>
-          <a:noFill/>
-          <a:ln>
-            <a:noFill/>
-          </a:ln>
-          <a:extLst>
-            <a:ext uri="{909E8E84-426E-40DD-AFC4-6F175D3DCCD1}">
-              <a14:hiddenFill xmlns:a14="http://schemas.microsoft.com/office/drawing/2010/main">
-                <a:solidFill>
-                  <a:srgbClr val="FFFFFF"/>
-                </a:solidFill>
-              </a14:hiddenFill>
-            </a:ext>
-            <a:ext uri="{91240B29-F687-4F45-9708-019B960494DF}">
-              <a14:hiddenLine xmlns:a14="http://schemas.microsoft.com/office/drawing/2010/main" w="9525">
-                <a:solidFill>
-                  <a:srgbClr val="000000"/>
-                </a:solidFill>
-                <a:miter lim="800000"/>
-                <a:headEnd/>
-                <a:tailEnd/>
-              </a14:hiddenLine>
-            </a:ext>
-          </a:extLst>
-        </p:spPr>
-        <p:txBody>
-          <a:bodyPr>
+          <a:bodyPr wrap="square" rtlCol="0">
             <a:spAutoFit/>
           </a:bodyPr>
-          <a:lstStyle>
-            <a:lvl1pPr>
-              <a:defRPr>
-                <a:solidFill>
-                  <a:schemeClr val="tx1"/>
-                </a:solidFill>
-                <a:latin typeface="Calibri" panose="020F0502020204030204" pitchFamily="34" charset="0"/>
-              </a:defRPr>
-            </a:lvl1pPr>
-            <a:lvl2pPr marL="742950" indent="-285750">
-              <a:defRPr>
-                <a:solidFill>
-                  <a:schemeClr val="tx1"/>
-                </a:solidFill>
-                <a:latin typeface="Calibri" panose="020F0502020204030204" pitchFamily="34" charset="0"/>
-              </a:defRPr>
-            </a:lvl2pPr>
-            <a:lvl3pPr marL="1143000" indent="-228600">
-              <a:defRPr>
-                <a:solidFill>
-                  <a:schemeClr val="tx1"/>
-                </a:solidFill>
-                <a:latin typeface="Calibri" panose="020F0502020204030204" pitchFamily="34" charset="0"/>
-              </a:defRPr>
-            </a:lvl3pPr>
-            <a:lvl4pPr marL="1600200" indent="-228600">
-              <a:defRPr>
-                <a:solidFill>
-                  <a:schemeClr val="tx1"/>
-                </a:solidFill>
-                <a:latin typeface="Calibri" panose="020F0502020204030204" pitchFamily="34" charset="0"/>
-              </a:defRPr>
-            </a:lvl4pPr>
-            <a:lvl5pPr marL="2057400" indent="-228600">
-              <a:defRPr>
-                <a:solidFill>
-                  <a:schemeClr val="tx1"/>
-                </a:solidFill>
-                <a:latin typeface="Calibri" panose="020F0502020204030204" pitchFamily="34" charset="0"/>
-              </a:defRPr>
-            </a:lvl5pPr>
-            <a:lvl6pPr marL="2514600" indent="-228600" fontAlgn="base">
-              <a:spcBef>
-                <a:spcPct val="0"/>
-              </a:spcBef>
-              <a:spcAft>
-                <a:spcPct val="0"/>
-              </a:spcAft>
-              <a:defRPr>
-                <a:solidFill>
-                  <a:schemeClr val="tx1"/>
-                </a:solidFill>
-                <a:latin typeface="Calibri" panose="020F0502020204030204" pitchFamily="34" charset="0"/>
-              </a:defRPr>
-            </a:lvl6pPr>
-            <a:lvl7pPr marL="2971800" indent="-228600" fontAlgn="base">
-              <a:spcBef>
-                <a:spcPct val="0"/>
-              </a:spcBef>
-              <a:spcAft>
-                <a:spcPct val="0"/>
-              </a:spcAft>
-              <a:defRPr>
-                <a:solidFill>
-                  <a:schemeClr val="tx1"/>
-                </a:solidFill>
-                <a:latin typeface="Calibri" panose="020F0502020204030204" pitchFamily="34" charset="0"/>
-              </a:defRPr>
-            </a:lvl7pPr>
-            <a:lvl8pPr marL="3429000" indent="-228600" fontAlgn="base">
-              <a:spcBef>
-                <a:spcPct val="0"/>
-              </a:spcBef>
-              <a:spcAft>
-                <a:spcPct val="0"/>
-              </a:spcAft>
-              <a:defRPr>
-                <a:solidFill>
-                  <a:schemeClr val="tx1"/>
-                </a:solidFill>
-                <a:latin typeface="Calibri" panose="020F0502020204030204" pitchFamily="34" charset="0"/>
-              </a:defRPr>
-            </a:lvl8pPr>
-            <a:lvl9pPr marL="3886200" indent="-228600" fontAlgn="base">
-              <a:spcBef>
-                <a:spcPct val="0"/>
-              </a:spcBef>
-              <a:spcAft>
-                <a:spcPct val="0"/>
-              </a:spcAft>
-              <a:defRPr>
-                <a:solidFill>
-                  <a:schemeClr val="tx1"/>
-                </a:solidFill>
-                <a:latin typeface="Calibri" panose="020F0502020204030204" pitchFamily="34" charset="0"/>
-              </a:defRPr>
-            </a:lvl9pPr>
-          </a:lstStyle>
-          <a:p>
-            <a:pPr eaLnBrk="1" hangingPunct="1"/>
-            <a:r>
-              <a:rPr lang="es-ES" altLang="es-ES" b="1" dirty="0" err="1">
-                <a:latin typeface="Open Sans" panose="020B0606030504020204" pitchFamily="34" charset="0"/>
-                <a:cs typeface="Open Sans" panose="020B0606030504020204" pitchFamily="34" charset="0"/>
-              </a:rPr>
-              <a:t>Section</a:t>
-            </a:r>
-            <a:r>
-              <a:rPr lang="es-ES" altLang="es-ES" dirty="0">
-                <a:latin typeface="Cabin Regular" pitchFamily="2" charset="0"/>
-              </a:rPr>
-              <a:t> 2</a:t>
+          <a:lstStyle/>
+          <a:p>
+            <a:r>
+              <a:rPr lang="en-US" sz="1600" dirty="0"/>
+              <a:t>ES_Malaga PMU data* did not violate any of the entso-e RoCoF disconnection limits:</a:t>
+            </a:r>
+          </a:p>
+          <a:p>
+            <a:pPr marL="285750" indent="-285750">
+              <a:buFont typeface="Arial" panose="020B0604020202020204" pitchFamily="34" charset="0"/>
+              <a:buChar char="•"/>
+            </a:pPr>
+            <a:r>
+              <a:rPr lang="en-US" sz="1600" dirty="0"/>
+              <a:t>&gt; 1.25 Hz/s for 500ms </a:t>
+            </a:r>
+          </a:p>
+          <a:p>
+            <a:pPr marL="285750" indent="-285750">
+              <a:buFont typeface="Arial" panose="020B0604020202020204" pitchFamily="34" charset="0"/>
+              <a:buChar char="•"/>
+            </a:pPr>
+            <a:r>
+              <a:rPr lang="en-US" sz="1600" dirty="0"/>
+              <a:t>&gt; 1.5 Hz/s for 1s</a:t>
+            </a:r>
+          </a:p>
+          <a:p>
+            <a:pPr marL="285750" indent="-285750">
+              <a:buFont typeface="Arial" panose="020B0604020202020204" pitchFamily="34" charset="0"/>
+              <a:buChar char="•"/>
+            </a:pPr>
+            <a:r>
+              <a:rPr lang="en-US" sz="1600" dirty="0"/>
+              <a:t>&gt; 2 Hz/s for 2s</a:t>
             </a:r>
           </a:p>
         </p:txBody>
       </p:sp>
       <p:pic>
         <p:nvPicPr>
-          <p:cNvPr id="9" name="Imagen 5">
-            <a:extLst>
-              <a:ext uri="{FF2B5EF4-FFF2-40B4-BE49-F238E27FC236}">
-                <a16:creationId xmlns:a16="http://schemas.microsoft.com/office/drawing/2014/main" id="{D017E832-6263-1272-99F7-8E9D1EEC54E8}"/>
+          <p:cNvPr id="15" name="Imagen 5">
+            <a:extLst>
+              <a:ext uri="{FF2B5EF4-FFF2-40B4-BE49-F238E27FC236}">
+                <a16:creationId xmlns:a16="http://schemas.microsoft.com/office/drawing/2014/main" id="{B798418D-3BD0-DFC6-F9AE-BAE7DA190475}"/>
               </a:ext>
             </a:extLst>
           </p:cNvPr>
@@ -6875,7 +6476,7 @@
           <p:nvPr/>
         </p:nvPicPr>
         <p:blipFill>
-          <a:blip r:embed="rId2">
+          <a:blip r:embed="rId3">
             <a:extLst>
               <a:ext uri="{28A0092B-C50C-407E-A947-70E740481C1C}">
                 <a14:useLocalDpi xmlns:a14="http://schemas.microsoft.com/office/drawing/2010/main" val="0"/>
@@ -6922,10 +6523,10 @@
       </p:pic>
       <p:pic>
         <p:nvPicPr>
-          <p:cNvPr id="10" name="Picture 2">
-            <a:extLst>
-              <a:ext uri="{FF2B5EF4-FFF2-40B4-BE49-F238E27FC236}">
-                <a16:creationId xmlns:a16="http://schemas.microsoft.com/office/drawing/2014/main" id="{23620B47-66DF-0D8A-C4ED-DE956A06BB75}"/>
+          <p:cNvPr id="16" name="Picture 2">
+            <a:extLst>
+              <a:ext uri="{FF2B5EF4-FFF2-40B4-BE49-F238E27FC236}">
+                <a16:creationId xmlns:a16="http://schemas.microsoft.com/office/drawing/2014/main" id="{B01DFCE4-5305-5D5F-A2D6-2883084EF522}"/>
               </a:ext>
             </a:extLst>
           </p:cNvPr>
@@ -6935,7 +6536,7 @@
           <p:nvPr/>
         </p:nvPicPr>
         <p:blipFill>
-          <a:blip r:embed="rId3">
+          <a:blip r:embed="rId4">
             <a:extLst>
               <a:ext uri="{28A0092B-C50C-407E-A947-70E740481C1C}">
                 <a14:useLocalDpi xmlns:a14="http://schemas.microsoft.com/office/drawing/2010/main" val="0"/>
@@ -6980,289 +6581,6 @@
           </a:extLst>
         </p:spPr>
       </p:pic>
-    </p:spTree>
-    <p:extLst>
-      <p:ext uri="{BB962C8B-B14F-4D97-AF65-F5344CB8AC3E}">
-        <p14:creationId xmlns:p14="http://schemas.microsoft.com/office/powerpoint/2010/main" val="1104819674"/>
-      </p:ext>
-    </p:extLst>
-  </p:cSld>
-  <p:clrMapOvr>
-    <a:masterClrMapping/>
-  </p:clrMapOvr>
-</p:sld>
-</file>
-
-<file path=ppt/slides/slide11.xml><?xml version="1.0" encoding="utf-8"?>
-<p:sld xmlns:a="http://schemas.openxmlformats.org/drawingml/2006/main" xmlns:r="http://schemas.openxmlformats.org/officeDocument/2006/relationships" xmlns:p="http://schemas.openxmlformats.org/presentationml/2006/main">
-  <p:cSld>
-    <p:spTree>
-      <p:nvGrpSpPr>
-        <p:cNvPr id="1" name="">
-          <a:extLst>
-            <a:ext uri="{FF2B5EF4-FFF2-40B4-BE49-F238E27FC236}">
-              <a16:creationId xmlns:a16="http://schemas.microsoft.com/office/drawing/2014/main" id="{4268C67E-1B58-9CE1-5EA2-AEFFA1946821}"/>
-            </a:ext>
-          </a:extLst>
-        </p:cNvPr>
-        <p:cNvGrpSpPr/>
-        <p:nvPr/>
-      </p:nvGrpSpPr>
-      <p:grpSpPr>
-        <a:xfrm>
-          <a:off x="0" y="0"/>
-          <a:ext cx="0" cy="0"/>
-          <a:chOff x="0" y="0"/>
-          <a:chExt cx="0" cy="0"/>
-        </a:xfrm>
-      </p:grpSpPr>
-      <p:pic>
-        <p:nvPicPr>
-          <p:cNvPr id="3" name="Picture 2" descr="A graph with blue and red lines&#10;&#10;AI-generated content may be incorrect.">
-            <a:extLst>
-              <a:ext uri="{FF2B5EF4-FFF2-40B4-BE49-F238E27FC236}">
-                <a16:creationId xmlns:a16="http://schemas.microsoft.com/office/drawing/2014/main" id="{A1B26E07-77BA-70BA-EE0B-FA5126A0BF61}"/>
-              </a:ext>
-            </a:extLst>
-          </p:cNvPr>
-          <p:cNvPicPr>
-            <a:picLocks noChangeAspect="1"/>
-          </p:cNvPicPr>
-          <p:nvPr/>
-        </p:nvPicPr>
-        <p:blipFill>
-          <a:blip r:embed="rId2"/>
-          <a:stretch>
-            <a:fillRect/>
-          </a:stretch>
-        </p:blipFill>
-        <p:spPr>
-          <a:xfrm>
-            <a:off x="1271332" y="975436"/>
-            <a:ext cx="10761828" cy="5380914"/>
-          </a:xfrm>
-          <a:prstGeom prst="rect">
-            <a:avLst/>
-          </a:prstGeom>
-        </p:spPr>
-      </p:pic>
-      <p:sp>
-        <p:nvSpPr>
-          <p:cNvPr id="5" name="Slide Number Placeholder 4">
-            <a:extLst>
-              <a:ext uri="{FF2B5EF4-FFF2-40B4-BE49-F238E27FC236}">
-                <a16:creationId xmlns:a16="http://schemas.microsoft.com/office/drawing/2014/main" id="{105AA40D-D4BE-11CB-E902-CC0B8BC4E429}"/>
-              </a:ext>
-            </a:extLst>
-          </p:cNvPr>
-          <p:cNvSpPr>
-            <a:spLocks noGrp="1"/>
-          </p:cNvSpPr>
-          <p:nvPr>
-            <p:ph type="sldNum" sz="quarter" idx="12"/>
-          </p:nvPr>
-        </p:nvSpPr>
-        <p:spPr/>
-        <p:txBody>
-          <a:bodyPr/>
-          <a:lstStyle/>
-          <a:p>
-            <a:fld id="{D86B3D54-5C84-4380-B90C-31F636633DA2}" type="slidenum">
-              <a:rPr lang="es-ES" altLang="es-ES" smtClean="0"/>
-              <a:pPr/>
-              <a:t>11</a:t>
-            </a:fld>
-            <a:endParaRPr lang="es-ES" altLang="es-ES"/>
-          </a:p>
-        </p:txBody>
-      </p:sp>
-      <p:sp>
-        <p:nvSpPr>
-          <p:cNvPr id="85" name="TextBox 84">
-            <a:extLst>
-              <a:ext uri="{FF2B5EF4-FFF2-40B4-BE49-F238E27FC236}">
-                <a16:creationId xmlns:a16="http://schemas.microsoft.com/office/drawing/2014/main" id="{DAC0C50A-38C2-98D9-D8FC-41749C1392F9}"/>
-              </a:ext>
-            </a:extLst>
-          </p:cNvPr>
-          <p:cNvSpPr txBox="1"/>
-          <p:nvPr/>
-        </p:nvSpPr>
-        <p:spPr>
-          <a:xfrm>
-            <a:off x="6652246" y="4236328"/>
-            <a:ext cx="3718447" cy="1354217"/>
-          </a:xfrm>
-          <a:prstGeom prst="rect">
-            <a:avLst/>
-          </a:prstGeom>
-          <a:solidFill>
-            <a:srgbClr val="E9E9E9"/>
-          </a:solidFill>
-        </p:spPr>
-        <p:txBody>
-          <a:bodyPr wrap="square" rtlCol="0">
-            <a:spAutoFit/>
-          </a:bodyPr>
-          <a:lstStyle/>
-          <a:p>
-            <a:r>
-              <a:rPr lang="en-US" sz="1600" dirty="0"/>
-              <a:t>ES_Malaga PMU data* did not violate any of the entso-e RoCoF disconnection limits:</a:t>
-            </a:r>
-          </a:p>
-          <a:p>
-            <a:pPr marL="285750" indent="-285750">
-              <a:buFont typeface="Arial" panose="020B0604020202020204" pitchFamily="34" charset="0"/>
-              <a:buChar char="•"/>
-            </a:pPr>
-            <a:r>
-              <a:rPr lang="en-US" sz="1600" dirty="0"/>
-              <a:t>&gt; 1.25 Hz/s for 500ms </a:t>
-            </a:r>
-          </a:p>
-          <a:p>
-            <a:pPr marL="285750" indent="-285750">
-              <a:buFont typeface="Arial" panose="020B0604020202020204" pitchFamily="34" charset="0"/>
-              <a:buChar char="•"/>
-            </a:pPr>
-            <a:r>
-              <a:rPr lang="en-US" sz="1600" dirty="0"/>
-              <a:t>&gt; 1.5 Hz/s for 1s</a:t>
-            </a:r>
-          </a:p>
-          <a:p>
-            <a:pPr marL="285750" indent="-285750">
-              <a:buFont typeface="Arial" panose="020B0604020202020204" pitchFamily="34" charset="0"/>
-              <a:buChar char="•"/>
-            </a:pPr>
-            <a:r>
-              <a:rPr lang="en-US" sz="1600" dirty="0"/>
-              <a:t>&gt; 2 Hz/s for 2s</a:t>
-            </a:r>
-          </a:p>
-        </p:txBody>
-      </p:sp>
-      <p:pic>
-        <p:nvPicPr>
-          <p:cNvPr id="15" name="Imagen 5">
-            <a:extLst>
-              <a:ext uri="{FF2B5EF4-FFF2-40B4-BE49-F238E27FC236}">
-                <a16:creationId xmlns:a16="http://schemas.microsoft.com/office/drawing/2014/main" id="{B798418D-3BD0-DFC6-F9AE-BAE7DA190475}"/>
-              </a:ext>
-            </a:extLst>
-          </p:cNvPr>
-          <p:cNvPicPr>
-            <a:picLocks noChangeAspect="1" noChangeArrowheads="1"/>
-          </p:cNvPicPr>
-          <p:nvPr/>
-        </p:nvPicPr>
-        <p:blipFill>
-          <a:blip r:embed="rId3">
-            <a:extLst>
-              <a:ext uri="{28A0092B-C50C-407E-A947-70E740481C1C}">
-                <a14:useLocalDpi xmlns:a14="http://schemas.microsoft.com/office/drawing/2010/main" val="0"/>
-              </a:ext>
-            </a:extLst>
-          </a:blip>
-          <a:srcRect/>
-          <a:stretch>
-            <a:fillRect/>
-          </a:stretch>
-        </p:blipFill>
-        <p:spPr bwMode="auto">
-          <a:xfrm>
-            <a:off x="11129080" y="122503"/>
-            <a:ext cx="904080" cy="809624"/>
-          </a:xfrm>
-          <a:prstGeom prst="rect">
-            <a:avLst/>
-          </a:prstGeom>
-          <a:noFill/>
-          <a:ln>
-            <a:noFill/>
-          </a:ln>
-          <a:extLst>
-            <a:ext uri="{909E8E84-426E-40DD-AFC4-6F175D3DCCD1}">
-              <a14:hiddenFill xmlns:a14="http://schemas.microsoft.com/office/drawing/2010/main">
-                <a:solidFill>
-                  <a:srgbClr val="FFFFFF"/>
-                </a:solidFill>
-              </a14:hiddenFill>
-            </a:ext>
-            <a:ext uri="{91240B29-F687-4F45-9708-019B960494DF}">
-              <a14:hiddenLine xmlns:a14="http://schemas.microsoft.com/office/drawing/2010/main" w="9525">
-                <a:solidFill>
-                  <a:srgbClr val="000000"/>
-                </a:solidFill>
-                <a:miter lim="800000"/>
-                <a:headEnd/>
-                <a:tailEnd/>
-              </a14:hiddenLine>
-            </a:ext>
-          </a:extLst>
-        </p:spPr>
-      </p:pic>
-      <p:pic>
-        <p:nvPicPr>
-          <p:cNvPr id="16" name="Picture 2">
-            <a:extLst>
-              <a:ext uri="{FF2B5EF4-FFF2-40B4-BE49-F238E27FC236}">
-                <a16:creationId xmlns:a16="http://schemas.microsoft.com/office/drawing/2014/main" id="{B01DFCE4-5305-5D5F-A2D6-2883084EF522}"/>
-              </a:ext>
-            </a:extLst>
-          </p:cNvPr>
-          <p:cNvPicPr>
-            <a:picLocks noChangeAspect="1" noChangeArrowheads="1"/>
-          </p:cNvPicPr>
-          <p:nvPr/>
-        </p:nvPicPr>
-        <p:blipFill>
-          <a:blip r:embed="rId4">
-            <a:extLst>
-              <a:ext uri="{28A0092B-C50C-407E-A947-70E740481C1C}">
-                <a14:useLocalDpi xmlns:a14="http://schemas.microsoft.com/office/drawing/2010/main" val="0"/>
-              </a:ext>
-            </a:extLst>
-          </a:blip>
-          <a:srcRect/>
-          <a:stretch>
-            <a:fillRect/>
-          </a:stretch>
-        </p:blipFill>
-        <p:spPr bwMode="auto">
-          <a:xfrm>
-            <a:off x="158840" y="122503"/>
-            <a:ext cx="1097236" cy="809624"/>
-          </a:xfrm>
-          <a:prstGeom prst="rect">
-            <a:avLst/>
-          </a:prstGeom>
-          <a:noFill/>
-          <a:ln>
-            <a:noFill/>
-          </a:ln>
-          <a:extLst>
-            <a:ext uri="{909E8E84-426E-40DD-AFC4-6F175D3DCCD1}">
-              <a14:hiddenFill xmlns:a14="http://schemas.microsoft.com/office/drawing/2010/main">
-                <a:solidFill>
-                  <a:srgbClr val="FFFFFF"/>
-                </a:solidFill>
-              </a14:hiddenFill>
-            </a:ext>
-            <a:ext uri="{91240B29-F687-4F45-9708-019B960494DF}">
-              <a14:hiddenLine xmlns:a14="http://schemas.microsoft.com/office/drawing/2010/main" w="9525">
-                <a:solidFill>
-                  <a:srgbClr val="000000"/>
-                </a:solidFill>
-                <a:miter lim="800000"/>
-                <a:headEnd/>
-                <a:tailEnd/>
-              </a14:hiddenLine>
-            </a:ext>
-          </a:extLst>
-        </p:spPr>
-      </p:pic>
       <p:sp>
         <p:nvSpPr>
           <p:cNvPr id="17" name="Title 1">
@@ -7396,7 +6714,7 @@
 </p:sld>
 </file>
 
-<file path=ppt/slides/slide12.xml><?xml version="1.0" encoding="utf-8"?>
+<file path=ppt/slides/slide11.xml><?xml version="1.0" encoding="utf-8"?>
 <p:sld xmlns:a="http://schemas.openxmlformats.org/drawingml/2006/main" xmlns:r="http://schemas.openxmlformats.org/officeDocument/2006/relationships" xmlns:p="http://schemas.openxmlformats.org/presentationml/2006/main">
   <p:cSld>
     <p:spTree>
@@ -7473,7 +6791,7 @@
             <a:fld id="{D86B3D54-5C84-4380-B90C-31F636633DA2}" type="slidenum">
               <a:rPr lang="es-ES" altLang="es-ES" smtClean="0"/>
               <a:pPr/>
-              <a:t>12</a:t>
+              <a:t>11</a:t>
             </a:fld>
             <a:endParaRPr lang="es-ES" altLang="es-ES"/>
           </a:p>
@@ -7880,7 +7198,7 @@
 </p:sld>
 </file>
 
-<file path=ppt/slides/slide13.xml><?xml version="1.0" encoding="utf-8"?>
+<file path=ppt/slides/slide12.xml><?xml version="1.0" encoding="utf-8"?>
 <p:sld xmlns:a="http://schemas.openxmlformats.org/drawingml/2006/main" xmlns:r="http://schemas.openxmlformats.org/officeDocument/2006/relationships" xmlns:p="http://schemas.openxmlformats.org/presentationml/2006/main">
   <p:cSld>
     <p:spTree>
@@ -8091,7 +7409,7 @@
                 <a:latin typeface="Cabin Regular" pitchFamily="2" charset="0"/>
               </a:rPr>
               <a:pPr/>
-              <a:t>13</a:t>
+              <a:t>12</a:t>
             </a:fld>
             <a:endParaRPr lang="es-ES" altLang="es-ES">
               <a:solidFill>
@@ -8546,7 +7864,7 @@
 </p:sld>
 </file>
 
-<file path=ppt/slides/slide14.xml><?xml version="1.0" encoding="utf-8"?>
+<file path=ppt/slides/slide13.xml><?xml version="1.0" encoding="utf-8"?>
 <p:sld xmlns:a="http://schemas.openxmlformats.org/drawingml/2006/main" xmlns:r="http://schemas.openxmlformats.org/officeDocument/2006/relationships" xmlns:p="http://schemas.openxmlformats.org/presentationml/2006/main">
   <p:cSld>
     <p:spTree>
@@ -8593,7 +7911,7 @@
             <a:fld id="{D86B3D54-5C84-4380-B90C-31F636633DA2}" type="slidenum">
               <a:rPr lang="es-ES" altLang="es-ES" smtClean="0"/>
               <a:pPr/>
-              <a:t>14</a:t>
+              <a:t>13</a:t>
             </a:fld>
             <a:endParaRPr lang="es-ES" altLang="es-ES"/>
           </a:p>
@@ -8876,7 +8194,7 @@
 </p:sld>
 </file>
 
-<file path=ppt/slides/slide15.xml><?xml version="1.0" encoding="utf-8"?>
+<file path=ppt/slides/slide14.xml><?xml version="1.0" encoding="utf-8"?>
 <p:sld xmlns:a="http://schemas.openxmlformats.org/drawingml/2006/main" xmlns:r="http://schemas.openxmlformats.org/officeDocument/2006/relationships" xmlns:p="http://schemas.openxmlformats.org/presentationml/2006/main">
   <p:cSld>
     <p:spTree>
@@ -8953,7 +8271,7 @@
             <a:fld id="{D86B3D54-5C84-4380-B90C-31F636633DA2}" type="slidenum">
               <a:rPr lang="es-ES" altLang="es-ES" smtClean="0"/>
               <a:pPr/>
-              <a:t>15</a:t>
+              <a:t>14</a:t>
             </a:fld>
             <a:endParaRPr lang="es-ES" altLang="es-ES"/>
           </a:p>
@@ -9287,7 +8605,7 @@
 </p:sld>
 </file>
 
-<file path=ppt/slides/slide16.xml><?xml version="1.0" encoding="utf-8"?>
+<file path=ppt/slides/slide15.xml><?xml version="1.0" encoding="utf-8"?>
 <p:sld xmlns:a="http://schemas.openxmlformats.org/drawingml/2006/main" xmlns:r="http://schemas.openxmlformats.org/officeDocument/2006/relationships" xmlns:p="http://schemas.openxmlformats.org/presentationml/2006/main">
   <p:cSld>
     <p:spTree>
@@ -9364,7 +8682,7 @@
             <a:fld id="{D86B3D54-5C84-4380-B90C-31F636633DA2}" type="slidenum">
               <a:rPr lang="es-ES" altLang="es-ES" smtClean="0"/>
               <a:pPr/>
-              <a:t>16</a:t>
+              <a:t>15</a:t>
             </a:fld>
             <a:endParaRPr lang="es-ES" altLang="es-ES"/>
           </a:p>
@@ -9611,6 +8929,401 @@
     <p:extLst>
       <p:ext uri="{BB962C8B-B14F-4D97-AF65-F5344CB8AC3E}">
         <p14:creationId xmlns:p14="http://schemas.microsoft.com/office/powerpoint/2010/main" val="599183188"/>
+      </p:ext>
+    </p:extLst>
+  </p:cSld>
+  <p:clrMapOvr>
+    <a:masterClrMapping/>
+  </p:clrMapOvr>
+</p:sld>
+</file>
+
+<file path=ppt/slides/slide16.xml><?xml version="1.0" encoding="utf-8"?>
+<p:sld xmlns:a="http://schemas.openxmlformats.org/drawingml/2006/main" xmlns:r="http://schemas.openxmlformats.org/officeDocument/2006/relationships" xmlns:p="http://schemas.openxmlformats.org/presentationml/2006/main">
+  <p:cSld>
+    <p:spTree>
+      <p:nvGrpSpPr>
+        <p:cNvPr id="1" name="">
+          <a:extLst>
+            <a:ext uri="{FF2B5EF4-FFF2-40B4-BE49-F238E27FC236}">
+              <a16:creationId xmlns:a16="http://schemas.microsoft.com/office/drawing/2014/main" id="{27A9FE06-D87F-CD98-5A22-A4614CBA6AF7}"/>
+            </a:ext>
+          </a:extLst>
+        </p:cNvPr>
+        <p:cNvGrpSpPr/>
+        <p:nvPr/>
+      </p:nvGrpSpPr>
+      <p:grpSpPr>
+        <a:xfrm>
+          <a:off x="0" y="0"/>
+          <a:ext cx="0" cy="0"/>
+          <a:chOff x="0" y="0"/>
+          <a:chExt cx="0" cy="0"/>
+        </a:xfrm>
+      </p:grpSpPr>
+      <p:sp>
+        <p:nvSpPr>
+          <p:cNvPr id="2" name="Footer Placeholder 1">
+            <a:extLst>
+              <a:ext uri="{FF2B5EF4-FFF2-40B4-BE49-F238E27FC236}">
+                <a16:creationId xmlns:a16="http://schemas.microsoft.com/office/drawing/2014/main" id="{EE0ED9DC-4971-7135-E094-41273EAD7F4C}"/>
+              </a:ext>
+            </a:extLst>
+          </p:cNvPr>
+          <p:cNvSpPr>
+            <a:spLocks noGrp="1"/>
+          </p:cNvSpPr>
+          <p:nvPr>
+            <p:ph type="ftr" sz="quarter" idx="11"/>
+          </p:nvPr>
+        </p:nvSpPr>
+        <p:spPr/>
+        <p:txBody>
+          <a:bodyPr/>
+          <a:lstStyle/>
+          <a:p>
+            <a:pPr>
+              <a:defRPr/>
+            </a:pPr>
+            <a:r>
+              <a:rPr lang="en-US"/>
+              <a:t>Apagón – April 28, 2025</a:t>
+            </a:r>
+            <a:endParaRPr lang="es-ES" dirty="0"/>
+          </a:p>
+        </p:txBody>
+      </p:sp>
+      <p:sp>
+        <p:nvSpPr>
+          <p:cNvPr id="3" name="Slide Number Placeholder 2">
+            <a:extLst>
+              <a:ext uri="{FF2B5EF4-FFF2-40B4-BE49-F238E27FC236}">
+                <a16:creationId xmlns:a16="http://schemas.microsoft.com/office/drawing/2014/main" id="{DA1AC263-A9D9-91B5-039E-B431D5DB201A}"/>
+              </a:ext>
+            </a:extLst>
+          </p:cNvPr>
+          <p:cNvSpPr>
+            <a:spLocks noGrp="1"/>
+          </p:cNvSpPr>
+          <p:nvPr>
+            <p:ph type="sldNum" sz="quarter" idx="12"/>
+          </p:nvPr>
+        </p:nvSpPr>
+        <p:spPr/>
+        <p:txBody>
+          <a:bodyPr/>
+          <a:lstStyle/>
+          <a:p>
+            <a:fld id="{F80BEE8C-9BC8-4092-9420-3642836EC31C}" type="slidenum">
+              <a:rPr lang="es-ES" altLang="es-ES" smtClean="0"/>
+              <a:pPr/>
+              <a:t>16</a:t>
+            </a:fld>
+            <a:endParaRPr lang="es-ES" altLang="es-ES"/>
+          </a:p>
+        </p:txBody>
+      </p:sp>
+      <p:pic>
+        <p:nvPicPr>
+          <p:cNvPr id="6" name="Picture 5">
+            <a:extLst>
+              <a:ext uri="{FF2B5EF4-FFF2-40B4-BE49-F238E27FC236}">
+                <a16:creationId xmlns:a16="http://schemas.microsoft.com/office/drawing/2014/main" id="{916C186E-C540-88CF-BABC-2141192D1A13}"/>
+              </a:ext>
+            </a:extLst>
+          </p:cNvPr>
+          <p:cNvPicPr>
+            <a:picLocks noChangeAspect="1"/>
+          </p:cNvPicPr>
+          <p:nvPr/>
+        </p:nvPicPr>
+        <p:blipFill>
+          <a:blip r:embed="rId2"/>
+          <a:stretch>
+            <a:fillRect/>
+          </a:stretch>
+        </p:blipFill>
+        <p:spPr>
+          <a:xfrm>
+            <a:off x="211175" y="424741"/>
+            <a:ext cx="6740450" cy="5898728"/>
+          </a:xfrm>
+          <a:prstGeom prst="rect">
+            <a:avLst/>
+          </a:prstGeom>
+        </p:spPr>
+      </p:pic>
+      <p:sp>
+        <p:nvSpPr>
+          <p:cNvPr id="7" name="TextBox 6">
+            <a:extLst>
+              <a:ext uri="{FF2B5EF4-FFF2-40B4-BE49-F238E27FC236}">
+                <a16:creationId xmlns:a16="http://schemas.microsoft.com/office/drawing/2014/main" id="{12DCF635-0D85-AB20-C537-D8700FC9D89A}"/>
+              </a:ext>
+            </a:extLst>
+          </p:cNvPr>
+          <p:cNvSpPr txBox="1"/>
+          <p:nvPr/>
+        </p:nvSpPr>
+        <p:spPr>
+          <a:xfrm>
+            <a:off x="211175" y="6538912"/>
+            <a:ext cx="3827425" cy="215444"/>
+          </a:xfrm>
+          <a:prstGeom prst="rect">
+            <a:avLst/>
+          </a:prstGeom>
+          <a:noFill/>
+        </p:spPr>
+        <p:txBody>
+          <a:bodyPr wrap="square" rtlCol="0">
+            <a:spAutoFit/>
+          </a:bodyPr>
+          <a:lstStyle/>
+          <a:p>
+            <a:r>
+              <a:rPr lang="en-US" sz="800" dirty="0"/>
+              <a:t>Source: </a:t>
+            </a:r>
+            <a:r>
+              <a:rPr lang="en-US" sz="800" dirty="0">
+                <a:hlinkClick r:id="rId3"/>
+              </a:rPr>
+              <a:t>El Pais, “</a:t>
+            </a:r>
+            <a:r>
+              <a:rPr lang="en-US" sz="800" b="1" i="0" dirty="0">
+                <a:solidFill>
+                  <a:srgbClr val="111111"/>
+                </a:solidFill>
+                <a:effectLst/>
+                <a:latin typeface="MajritTx"/>
+                <a:hlinkClick r:id="rId3"/>
+              </a:rPr>
+              <a:t>¿</a:t>
+            </a:r>
+            <a:r>
+              <a:rPr lang="en-US" sz="800" b="1" i="0" dirty="0" err="1">
+                <a:solidFill>
+                  <a:srgbClr val="111111"/>
+                </a:solidFill>
+                <a:effectLst/>
+                <a:latin typeface="MajritTx"/>
+                <a:hlinkClick r:id="rId3"/>
+              </a:rPr>
+              <a:t>Qué</a:t>
+            </a:r>
+            <a:r>
+              <a:rPr lang="en-US" sz="800" b="1" i="0" dirty="0">
+                <a:solidFill>
+                  <a:srgbClr val="111111"/>
+                </a:solidFill>
+                <a:effectLst/>
+                <a:latin typeface="MajritTx"/>
+                <a:hlinkClick r:id="rId3"/>
+              </a:rPr>
+              <a:t> </a:t>
+            </a:r>
+            <a:r>
+              <a:rPr lang="en-US" sz="800" b="1" i="0" dirty="0" err="1">
+                <a:solidFill>
+                  <a:srgbClr val="111111"/>
+                </a:solidFill>
+                <a:effectLst/>
+                <a:latin typeface="MajritTx"/>
+                <a:hlinkClick r:id="rId3"/>
+              </a:rPr>
+              <a:t>causó</a:t>
+            </a:r>
+            <a:r>
+              <a:rPr lang="en-US" sz="800" b="1" i="0" dirty="0">
+                <a:solidFill>
+                  <a:srgbClr val="111111"/>
+                </a:solidFill>
+                <a:effectLst/>
+                <a:latin typeface="MajritTx"/>
+                <a:hlinkClick r:id="rId3"/>
+              </a:rPr>
+              <a:t> </a:t>
+            </a:r>
+            <a:r>
+              <a:rPr lang="en-US" sz="800" b="1" i="0" dirty="0" err="1">
+                <a:solidFill>
+                  <a:srgbClr val="111111"/>
+                </a:solidFill>
+                <a:effectLst/>
+                <a:latin typeface="MajritTx"/>
+                <a:hlinkClick r:id="rId3"/>
+              </a:rPr>
+              <a:t>el</a:t>
+            </a:r>
+            <a:r>
+              <a:rPr lang="en-US" sz="800" b="1" i="0" dirty="0">
+                <a:solidFill>
+                  <a:srgbClr val="111111"/>
+                </a:solidFill>
+                <a:effectLst/>
+                <a:latin typeface="MajritTx"/>
+                <a:hlinkClick r:id="rId3"/>
+              </a:rPr>
+              <a:t> </a:t>
+            </a:r>
+            <a:r>
+              <a:rPr lang="en-US" sz="800" b="1" i="0" dirty="0" err="1">
+                <a:solidFill>
+                  <a:srgbClr val="111111"/>
+                </a:solidFill>
+                <a:effectLst/>
+                <a:latin typeface="MajritTx"/>
+                <a:hlinkClick r:id="rId3"/>
+              </a:rPr>
+              <a:t>apagón</a:t>
+            </a:r>
+            <a:r>
+              <a:rPr lang="en-US" sz="800" b="1" i="0" dirty="0">
+                <a:solidFill>
+                  <a:srgbClr val="111111"/>
+                </a:solidFill>
+                <a:effectLst/>
+                <a:latin typeface="MajritTx"/>
+                <a:hlinkClick r:id="rId3"/>
+              </a:rPr>
+              <a:t>? </a:t>
+            </a:r>
+            <a:r>
+              <a:rPr lang="en-US" sz="800" b="1" i="0" dirty="0" err="1">
+                <a:solidFill>
+                  <a:srgbClr val="111111"/>
+                </a:solidFill>
+                <a:effectLst/>
+                <a:latin typeface="MajritTx"/>
+                <a:hlinkClick r:id="rId3"/>
+              </a:rPr>
+              <a:t>Explicación</a:t>
+            </a:r>
+            <a:r>
+              <a:rPr lang="en-US" sz="800" b="1" i="0" dirty="0">
+                <a:solidFill>
+                  <a:srgbClr val="111111"/>
+                </a:solidFill>
+                <a:effectLst/>
+                <a:latin typeface="MajritTx"/>
+                <a:hlinkClick r:id="rId3"/>
+              </a:rPr>
+              <a:t> visual y breve de lo que </a:t>
+            </a:r>
+            <a:r>
+              <a:rPr lang="en-US" sz="800" b="1" i="0" dirty="0" err="1">
+                <a:solidFill>
+                  <a:srgbClr val="111111"/>
+                </a:solidFill>
+                <a:effectLst/>
+                <a:latin typeface="MajritTx"/>
+                <a:hlinkClick r:id="rId3"/>
+              </a:rPr>
+              <a:t>sabemos</a:t>
+            </a:r>
+            <a:r>
+              <a:rPr lang="en-US" sz="800" b="1" i="0" dirty="0">
+                <a:solidFill>
+                  <a:srgbClr val="111111"/>
+                </a:solidFill>
+                <a:effectLst/>
+                <a:latin typeface="MajritTx"/>
+                <a:hlinkClick r:id="rId3"/>
+              </a:rPr>
+              <a:t>”</a:t>
+            </a:r>
+            <a:endParaRPr lang="en-US" sz="800" b="1" i="0" dirty="0">
+              <a:solidFill>
+                <a:srgbClr val="111111"/>
+              </a:solidFill>
+              <a:effectLst/>
+              <a:latin typeface="MajritTx"/>
+            </a:endParaRPr>
+          </a:p>
+        </p:txBody>
+      </p:sp>
+      <p:sp>
+        <p:nvSpPr>
+          <p:cNvPr id="9" name="TextBox 8">
+            <a:extLst>
+              <a:ext uri="{FF2B5EF4-FFF2-40B4-BE49-F238E27FC236}">
+                <a16:creationId xmlns:a16="http://schemas.microsoft.com/office/drawing/2014/main" id="{067C6305-2230-D18D-FB7A-A3EE39A6C58A}"/>
+              </a:ext>
+            </a:extLst>
+          </p:cNvPr>
+          <p:cNvSpPr txBox="1"/>
+          <p:nvPr/>
+        </p:nvSpPr>
+        <p:spPr>
+          <a:xfrm>
+            <a:off x="6951625" y="4483632"/>
+            <a:ext cx="2743201" cy="646331"/>
+          </a:xfrm>
+          <a:prstGeom prst="rect">
+            <a:avLst/>
+          </a:prstGeom>
+          <a:solidFill>
+            <a:srgbClr val="E9E9E9"/>
+          </a:solidFill>
+        </p:spPr>
+        <p:txBody>
+          <a:bodyPr wrap="square" rtlCol="0">
+            <a:spAutoFit/>
+          </a:bodyPr>
+          <a:lstStyle/>
+          <a:p>
+            <a:pPr algn="ctr"/>
+            <a:r>
+              <a:rPr lang="en-US" dirty="0"/>
+              <a:t>Iberian connection to France is relatively weak.</a:t>
+            </a:r>
+          </a:p>
+        </p:txBody>
+      </p:sp>
+      <p:sp>
+        <p:nvSpPr>
+          <p:cNvPr id="10" name="TextBox 9">
+            <a:extLst>
+              <a:ext uri="{FF2B5EF4-FFF2-40B4-BE49-F238E27FC236}">
+                <a16:creationId xmlns:a16="http://schemas.microsoft.com/office/drawing/2014/main" id="{2C9AE285-6AA8-C2B0-0B83-F230945DFCF2}"/>
+              </a:ext>
+            </a:extLst>
+          </p:cNvPr>
+          <p:cNvSpPr txBox="1"/>
+          <p:nvPr/>
+        </p:nvSpPr>
+        <p:spPr>
+          <a:xfrm>
+            <a:off x="6951625" y="3224107"/>
+            <a:ext cx="2743201" cy="923330"/>
+          </a:xfrm>
+          <a:prstGeom prst="rect">
+            <a:avLst/>
+          </a:prstGeom>
+          <a:solidFill>
+            <a:srgbClr val="E9E9E9"/>
+          </a:solidFill>
+        </p:spPr>
+        <p:txBody>
+          <a:bodyPr wrap="square" rtlCol="0">
+            <a:spAutoFit/>
+          </a:bodyPr>
+          <a:lstStyle/>
+          <a:p>
+            <a:pPr algn="ctr"/>
+            <a:r>
+              <a:rPr lang="en-US" dirty="0"/>
+              <a:t>France, Germany, and Italy have relatively strong interchange capacity.</a:t>
+            </a:r>
+          </a:p>
+        </p:txBody>
+      </p:sp>
+    </p:spTree>
+    <p:extLst>
+      <p:ext uri="{BB962C8B-B14F-4D97-AF65-F5344CB8AC3E}">
+        <p14:creationId xmlns:p14="http://schemas.microsoft.com/office/powerpoint/2010/main" val="2798147420"/>
       </p:ext>
     </p:extLst>
   </p:cSld>
@@ -16407,401 +16120,6 @@
   <p:cSld>
     <p:spTree>
       <p:nvGrpSpPr>
-        <p:cNvPr id="1" name="">
-          <a:extLst>
-            <a:ext uri="{FF2B5EF4-FFF2-40B4-BE49-F238E27FC236}">
-              <a16:creationId xmlns:a16="http://schemas.microsoft.com/office/drawing/2014/main" id="{27A9FE06-D87F-CD98-5A22-A4614CBA6AF7}"/>
-            </a:ext>
-          </a:extLst>
-        </p:cNvPr>
-        <p:cNvGrpSpPr/>
-        <p:nvPr/>
-      </p:nvGrpSpPr>
-      <p:grpSpPr>
-        <a:xfrm>
-          <a:off x="0" y="0"/>
-          <a:ext cx="0" cy="0"/>
-          <a:chOff x="0" y="0"/>
-          <a:chExt cx="0" cy="0"/>
-        </a:xfrm>
-      </p:grpSpPr>
-      <p:sp>
-        <p:nvSpPr>
-          <p:cNvPr id="2" name="Footer Placeholder 1">
-            <a:extLst>
-              <a:ext uri="{FF2B5EF4-FFF2-40B4-BE49-F238E27FC236}">
-                <a16:creationId xmlns:a16="http://schemas.microsoft.com/office/drawing/2014/main" id="{EE0ED9DC-4971-7135-E094-41273EAD7F4C}"/>
-              </a:ext>
-            </a:extLst>
-          </p:cNvPr>
-          <p:cNvSpPr>
-            <a:spLocks noGrp="1"/>
-          </p:cNvSpPr>
-          <p:nvPr>
-            <p:ph type="ftr" sz="quarter" idx="11"/>
-          </p:nvPr>
-        </p:nvSpPr>
-        <p:spPr/>
-        <p:txBody>
-          <a:bodyPr/>
-          <a:lstStyle/>
-          <a:p>
-            <a:pPr>
-              <a:defRPr/>
-            </a:pPr>
-            <a:r>
-              <a:rPr lang="en-US"/>
-              <a:t>Apagón – April 28, 2025</a:t>
-            </a:r>
-            <a:endParaRPr lang="es-ES" dirty="0"/>
-          </a:p>
-        </p:txBody>
-      </p:sp>
-      <p:sp>
-        <p:nvSpPr>
-          <p:cNvPr id="3" name="Slide Number Placeholder 2">
-            <a:extLst>
-              <a:ext uri="{FF2B5EF4-FFF2-40B4-BE49-F238E27FC236}">
-                <a16:creationId xmlns:a16="http://schemas.microsoft.com/office/drawing/2014/main" id="{DA1AC263-A9D9-91B5-039E-B431D5DB201A}"/>
-              </a:ext>
-            </a:extLst>
-          </p:cNvPr>
-          <p:cNvSpPr>
-            <a:spLocks noGrp="1"/>
-          </p:cNvSpPr>
-          <p:nvPr>
-            <p:ph type="sldNum" sz="quarter" idx="12"/>
-          </p:nvPr>
-        </p:nvSpPr>
-        <p:spPr/>
-        <p:txBody>
-          <a:bodyPr/>
-          <a:lstStyle/>
-          <a:p>
-            <a:fld id="{F80BEE8C-9BC8-4092-9420-3642836EC31C}" type="slidenum">
-              <a:rPr lang="es-ES" altLang="es-ES" smtClean="0"/>
-              <a:pPr/>
-              <a:t>4</a:t>
-            </a:fld>
-            <a:endParaRPr lang="es-ES" altLang="es-ES"/>
-          </a:p>
-        </p:txBody>
-      </p:sp>
-      <p:pic>
-        <p:nvPicPr>
-          <p:cNvPr id="6" name="Picture 5">
-            <a:extLst>
-              <a:ext uri="{FF2B5EF4-FFF2-40B4-BE49-F238E27FC236}">
-                <a16:creationId xmlns:a16="http://schemas.microsoft.com/office/drawing/2014/main" id="{916C186E-C540-88CF-BABC-2141192D1A13}"/>
-              </a:ext>
-            </a:extLst>
-          </p:cNvPr>
-          <p:cNvPicPr>
-            <a:picLocks noChangeAspect="1"/>
-          </p:cNvPicPr>
-          <p:nvPr/>
-        </p:nvPicPr>
-        <p:blipFill>
-          <a:blip r:embed="rId2"/>
-          <a:stretch>
-            <a:fillRect/>
-          </a:stretch>
-        </p:blipFill>
-        <p:spPr>
-          <a:xfrm>
-            <a:off x="211175" y="424741"/>
-            <a:ext cx="6740450" cy="5898728"/>
-          </a:xfrm>
-          <a:prstGeom prst="rect">
-            <a:avLst/>
-          </a:prstGeom>
-        </p:spPr>
-      </p:pic>
-      <p:sp>
-        <p:nvSpPr>
-          <p:cNvPr id="7" name="TextBox 6">
-            <a:extLst>
-              <a:ext uri="{FF2B5EF4-FFF2-40B4-BE49-F238E27FC236}">
-                <a16:creationId xmlns:a16="http://schemas.microsoft.com/office/drawing/2014/main" id="{12DCF635-0D85-AB20-C537-D8700FC9D89A}"/>
-              </a:ext>
-            </a:extLst>
-          </p:cNvPr>
-          <p:cNvSpPr txBox="1"/>
-          <p:nvPr/>
-        </p:nvSpPr>
-        <p:spPr>
-          <a:xfrm>
-            <a:off x="211175" y="6538912"/>
-            <a:ext cx="3827425" cy="215444"/>
-          </a:xfrm>
-          <a:prstGeom prst="rect">
-            <a:avLst/>
-          </a:prstGeom>
-          <a:noFill/>
-        </p:spPr>
-        <p:txBody>
-          <a:bodyPr wrap="square" rtlCol="0">
-            <a:spAutoFit/>
-          </a:bodyPr>
-          <a:lstStyle/>
-          <a:p>
-            <a:r>
-              <a:rPr lang="en-US" sz="800" dirty="0"/>
-              <a:t>Source: </a:t>
-            </a:r>
-            <a:r>
-              <a:rPr lang="en-US" sz="800" dirty="0">
-                <a:hlinkClick r:id="rId3"/>
-              </a:rPr>
-              <a:t>El Pais, “</a:t>
-            </a:r>
-            <a:r>
-              <a:rPr lang="en-US" sz="800" b="1" i="0" dirty="0">
-                <a:solidFill>
-                  <a:srgbClr val="111111"/>
-                </a:solidFill>
-                <a:effectLst/>
-                <a:latin typeface="MajritTx"/>
-                <a:hlinkClick r:id="rId3"/>
-              </a:rPr>
-              <a:t>¿</a:t>
-            </a:r>
-            <a:r>
-              <a:rPr lang="en-US" sz="800" b="1" i="0" dirty="0" err="1">
-                <a:solidFill>
-                  <a:srgbClr val="111111"/>
-                </a:solidFill>
-                <a:effectLst/>
-                <a:latin typeface="MajritTx"/>
-                <a:hlinkClick r:id="rId3"/>
-              </a:rPr>
-              <a:t>Qué</a:t>
-            </a:r>
-            <a:r>
-              <a:rPr lang="en-US" sz="800" b="1" i="0" dirty="0">
-                <a:solidFill>
-                  <a:srgbClr val="111111"/>
-                </a:solidFill>
-                <a:effectLst/>
-                <a:latin typeface="MajritTx"/>
-                <a:hlinkClick r:id="rId3"/>
-              </a:rPr>
-              <a:t> </a:t>
-            </a:r>
-            <a:r>
-              <a:rPr lang="en-US" sz="800" b="1" i="0" dirty="0" err="1">
-                <a:solidFill>
-                  <a:srgbClr val="111111"/>
-                </a:solidFill>
-                <a:effectLst/>
-                <a:latin typeface="MajritTx"/>
-                <a:hlinkClick r:id="rId3"/>
-              </a:rPr>
-              <a:t>causó</a:t>
-            </a:r>
-            <a:r>
-              <a:rPr lang="en-US" sz="800" b="1" i="0" dirty="0">
-                <a:solidFill>
-                  <a:srgbClr val="111111"/>
-                </a:solidFill>
-                <a:effectLst/>
-                <a:latin typeface="MajritTx"/>
-                <a:hlinkClick r:id="rId3"/>
-              </a:rPr>
-              <a:t> </a:t>
-            </a:r>
-            <a:r>
-              <a:rPr lang="en-US" sz="800" b="1" i="0" dirty="0" err="1">
-                <a:solidFill>
-                  <a:srgbClr val="111111"/>
-                </a:solidFill>
-                <a:effectLst/>
-                <a:latin typeface="MajritTx"/>
-                <a:hlinkClick r:id="rId3"/>
-              </a:rPr>
-              <a:t>el</a:t>
-            </a:r>
-            <a:r>
-              <a:rPr lang="en-US" sz="800" b="1" i="0" dirty="0">
-                <a:solidFill>
-                  <a:srgbClr val="111111"/>
-                </a:solidFill>
-                <a:effectLst/>
-                <a:latin typeface="MajritTx"/>
-                <a:hlinkClick r:id="rId3"/>
-              </a:rPr>
-              <a:t> </a:t>
-            </a:r>
-            <a:r>
-              <a:rPr lang="en-US" sz="800" b="1" i="0" dirty="0" err="1">
-                <a:solidFill>
-                  <a:srgbClr val="111111"/>
-                </a:solidFill>
-                <a:effectLst/>
-                <a:latin typeface="MajritTx"/>
-                <a:hlinkClick r:id="rId3"/>
-              </a:rPr>
-              <a:t>apagón</a:t>
-            </a:r>
-            <a:r>
-              <a:rPr lang="en-US" sz="800" b="1" i="0" dirty="0">
-                <a:solidFill>
-                  <a:srgbClr val="111111"/>
-                </a:solidFill>
-                <a:effectLst/>
-                <a:latin typeface="MajritTx"/>
-                <a:hlinkClick r:id="rId3"/>
-              </a:rPr>
-              <a:t>? </a:t>
-            </a:r>
-            <a:r>
-              <a:rPr lang="en-US" sz="800" b="1" i="0" dirty="0" err="1">
-                <a:solidFill>
-                  <a:srgbClr val="111111"/>
-                </a:solidFill>
-                <a:effectLst/>
-                <a:latin typeface="MajritTx"/>
-                <a:hlinkClick r:id="rId3"/>
-              </a:rPr>
-              <a:t>Explicación</a:t>
-            </a:r>
-            <a:r>
-              <a:rPr lang="en-US" sz="800" b="1" i="0" dirty="0">
-                <a:solidFill>
-                  <a:srgbClr val="111111"/>
-                </a:solidFill>
-                <a:effectLst/>
-                <a:latin typeface="MajritTx"/>
-                <a:hlinkClick r:id="rId3"/>
-              </a:rPr>
-              <a:t> visual y breve de lo que </a:t>
-            </a:r>
-            <a:r>
-              <a:rPr lang="en-US" sz="800" b="1" i="0" dirty="0" err="1">
-                <a:solidFill>
-                  <a:srgbClr val="111111"/>
-                </a:solidFill>
-                <a:effectLst/>
-                <a:latin typeface="MajritTx"/>
-                <a:hlinkClick r:id="rId3"/>
-              </a:rPr>
-              <a:t>sabemos</a:t>
-            </a:r>
-            <a:r>
-              <a:rPr lang="en-US" sz="800" b="1" i="0" dirty="0">
-                <a:solidFill>
-                  <a:srgbClr val="111111"/>
-                </a:solidFill>
-                <a:effectLst/>
-                <a:latin typeface="MajritTx"/>
-                <a:hlinkClick r:id="rId3"/>
-              </a:rPr>
-              <a:t>”</a:t>
-            </a:r>
-            <a:endParaRPr lang="en-US" sz="800" b="1" i="0" dirty="0">
-              <a:solidFill>
-                <a:srgbClr val="111111"/>
-              </a:solidFill>
-              <a:effectLst/>
-              <a:latin typeface="MajritTx"/>
-            </a:endParaRPr>
-          </a:p>
-        </p:txBody>
-      </p:sp>
-      <p:sp>
-        <p:nvSpPr>
-          <p:cNvPr id="9" name="TextBox 8">
-            <a:extLst>
-              <a:ext uri="{FF2B5EF4-FFF2-40B4-BE49-F238E27FC236}">
-                <a16:creationId xmlns:a16="http://schemas.microsoft.com/office/drawing/2014/main" id="{067C6305-2230-D18D-FB7A-A3EE39A6C58A}"/>
-              </a:ext>
-            </a:extLst>
-          </p:cNvPr>
-          <p:cNvSpPr txBox="1"/>
-          <p:nvPr/>
-        </p:nvSpPr>
-        <p:spPr>
-          <a:xfrm>
-            <a:off x="6951625" y="4483632"/>
-            <a:ext cx="2743201" cy="646331"/>
-          </a:xfrm>
-          <a:prstGeom prst="rect">
-            <a:avLst/>
-          </a:prstGeom>
-          <a:solidFill>
-            <a:srgbClr val="E9E9E9"/>
-          </a:solidFill>
-        </p:spPr>
-        <p:txBody>
-          <a:bodyPr wrap="square" rtlCol="0">
-            <a:spAutoFit/>
-          </a:bodyPr>
-          <a:lstStyle/>
-          <a:p>
-            <a:pPr algn="ctr"/>
-            <a:r>
-              <a:rPr lang="en-US" dirty="0"/>
-              <a:t>Iberian connection to France is relatively weak.</a:t>
-            </a:r>
-          </a:p>
-        </p:txBody>
-      </p:sp>
-      <p:sp>
-        <p:nvSpPr>
-          <p:cNvPr id="10" name="TextBox 9">
-            <a:extLst>
-              <a:ext uri="{FF2B5EF4-FFF2-40B4-BE49-F238E27FC236}">
-                <a16:creationId xmlns:a16="http://schemas.microsoft.com/office/drawing/2014/main" id="{2C9AE285-6AA8-C2B0-0B83-F230945DFCF2}"/>
-              </a:ext>
-            </a:extLst>
-          </p:cNvPr>
-          <p:cNvSpPr txBox="1"/>
-          <p:nvPr/>
-        </p:nvSpPr>
-        <p:spPr>
-          <a:xfrm>
-            <a:off x="6951625" y="3224107"/>
-            <a:ext cx="2743201" cy="923330"/>
-          </a:xfrm>
-          <a:prstGeom prst="rect">
-            <a:avLst/>
-          </a:prstGeom>
-          <a:solidFill>
-            <a:srgbClr val="E9E9E9"/>
-          </a:solidFill>
-        </p:spPr>
-        <p:txBody>
-          <a:bodyPr wrap="square" rtlCol="0">
-            <a:spAutoFit/>
-          </a:bodyPr>
-          <a:lstStyle/>
-          <a:p>
-            <a:pPr algn="ctr"/>
-            <a:r>
-              <a:rPr lang="en-US" dirty="0"/>
-              <a:t>France, Germany, and Italy have relatively strong interchange capacity.</a:t>
-            </a:r>
-          </a:p>
-        </p:txBody>
-      </p:sp>
-    </p:spTree>
-    <p:extLst>
-      <p:ext uri="{BB962C8B-B14F-4D97-AF65-F5344CB8AC3E}">
-        <p14:creationId xmlns:p14="http://schemas.microsoft.com/office/powerpoint/2010/main" val="2798147420"/>
-      </p:ext>
-    </p:extLst>
-  </p:cSld>
-  <p:clrMapOvr>
-    <a:masterClrMapping/>
-  </p:clrMapOvr>
-</p:sld>
-</file>
-
-<file path=ppt/slides/slide5.xml><?xml version="1.0" encoding="utf-8"?>
-<p:sld xmlns:a="http://schemas.openxmlformats.org/drawingml/2006/main" xmlns:r="http://schemas.openxmlformats.org/officeDocument/2006/relationships" xmlns:p="http://schemas.openxmlformats.org/presentationml/2006/main">
-  <p:cSld>
-    <p:spTree>
-      <p:nvGrpSpPr>
         <p:cNvPr id="1" name=""/>
         <p:cNvGrpSpPr/>
         <p:nvPr/>
@@ -16935,7 +16253,7 @@
             <a:fld id="{D86B3D54-5C84-4380-B90C-31F636633DA2}" type="slidenum">
               <a:rPr lang="es-ES" altLang="es-ES" smtClean="0"/>
               <a:pPr/>
-              <a:t>5</a:t>
+              <a:t>4</a:t>
             </a:fld>
             <a:endParaRPr lang="es-ES" altLang="es-ES"/>
           </a:p>
@@ -17807,7 +17125,7 @@
 </p:sld>
 </file>
 
-<file path=ppt/slides/slide6.xml><?xml version="1.0" encoding="utf-8"?>
+<file path=ppt/slides/slide5.xml><?xml version="1.0" encoding="utf-8"?>
 <p:sld xmlns:a="http://schemas.openxmlformats.org/drawingml/2006/main" xmlns:r="http://schemas.openxmlformats.org/officeDocument/2006/relationships" xmlns:p="http://schemas.openxmlformats.org/presentationml/2006/main">
   <p:cSld>
     <p:spTree>
@@ -17887,7 +17205,7 @@
             <a:fld id="{D86B3D54-5C84-4380-B90C-31F636633DA2}" type="slidenum">
               <a:rPr lang="es-ES" altLang="es-ES" smtClean="0"/>
               <a:pPr/>
-              <a:t>6</a:t>
+              <a:t>5</a:t>
             </a:fld>
             <a:endParaRPr lang="es-ES" altLang="es-ES"/>
           </a:p>
@@ -18375,7 +17693,7 @@
 </p:sld>
 </file>
 
-<file path=ppt/slides/slide7.xml><?xml version="1.0" encoding="utf-8"?>
+<file path=ppt/slides/slide6.xml><?xml version="1.0" encoding="utf-8"?>
 <p:sld xmlns:a="http://schemas.openxmlformats.org/drawingml/2006/main" xmlns:r="http://schemas.openxmlformats.org/officeDocument/2006/relationships" xmlns:p="http://schemas.openxmlformats.org/presentationml/2006/main">
   <p:cSld>
     <p:spTree>
@@ -18452,7 +17770,7 @@
             <a:fld id="{D86B3D54-5C84-4380-B90C-31F636633DA2}" type="slidenum">
               <a:rPr lang="es-ES" altLang="es-ES" smtClean="0"/>
               <a:pPr/>
-              <a:t>7</a:t>
+              <a:t>6</a:t>
             </a:fld>
             <a:endParaRPr lang="es-ES" altLang="es-ES"/>
           </a:p>
@@ -18700,7 +18018,7 @@
 </p:sld>
 </file>
 
-<file path=ppt/slides/slide8.xml><?xml version="1.0" encoding="utf-8"?>
+<file path=ppt/slides/slide7.xml><?xml version="1.0" encoding="utf-8"?>
 <p:sld xmlns:a="http://schemas.openxmlformats.org/drawingml/2006/main" xmlns:r="http://schemas.openxmlformats.org/officeDocument/2006/relationships" xmlns:p="http://schemas.openxmlformats.org/presentationml/2006/main">
   <p:cSld>
     <p:spTree>
@@ -18777,7 +18095,7 @@
             <a:fld id="{D86B3D54-5C84-4380-B90C-31F636633DA2}" type="slidenum">
               <a:rPr lang="es-ES" altLang="es-ES" smtClean="0"/>
               <a:pPr/>
-              <a:t>8</a:t>
+              <a:t>7</a:t>
             </a:fld>
             <a:endParaRPr lang="es-ES" altLang="es-ES"/>
           </a:p>
@@ -19118,7 +18436,7 @@
 </p:sld>
 </file>
 
-<file path=ppt/slides/slide9.xml><?xml version="1.0" encoding="utf-8"?>
+<file path=ppt/slides/slide8.xml><?xml version="1.0" encoding="utf-8"?>
 <p:sld xmlns:a="http://schemas.openxmlformats.org/drawingml/2006/main" xmlns:r="http://schemas.openxmlformats.org/officeDocument/2006/relationships" xmlns:p="http://schemas.openxmlformats.org/presentationml/2006/main">
   <p:cSld>
     <p:spTree>
@@ -19195,7 +18513,7 @@
             <a:fld id="{D86B3D54-5C84-4380-B90C-31F636633DA2}" type="slidenum">
               <a:rPr lang="es-ES" altLang="es-ES" smtClean="0"/>
               <a:pPr/>
-              <a:t>9</a:t>
+              <a:t>8</a:t>
             </a:fld>
             <a:endParaRPr lang="es-ES" altLang="es-ES"/>
           </a:p>
@@ -19879,6 +19197,688 @@
     <p:extLst>
       <p:ext uri="{BB962C8B-B14F-4D97-AF65-F5344CB8AC3E}">
         <p14:creationId xmlns:p14="http://schemas.microsoft.com/office/powerpoint/2010/main" val="2874622929"/>
+      </p:ext>
+    </p:extLst>
+  </p:cSld>
+  <p:clrMapOvr>
+    <a:masterClrMapping/>
+  </p:clrMapOvr>
+</p:sld>
+</file>
+
+<file path=ppt/slides/slide9.xml><?xml version="1.0" encoding="utf-8"?>
+<p:sld xmlns:a="http://schemas.openxmlformats.org/drawingml/2006/main" xmlns:r="http://schemas.openxmlformats.org/officeDocument/2006/relationships" xmlns:p="http://schemas.openxmlformats.org/presentationml/2006/main">
+  <p:cSld>
+    <p:spTree>
+      <p:nvGrpSpPr>
+        <p:cNvPr id="1" name="">
+          <a:extLst>
+            <a:ext uri="{FF2B5EF4-FFF2-40B4-BE49-F238E27FC236}">
+              <a16:creationId xmlns:a16="http://schemas.microsoft.com/office/drawing/2014/main" id="{C0A527B7-B1D5-0298-CCB2-AF3DBB000A33}"/>
+            </a:ext>
+          </a:extLst>
+        </p:cNvPr>
+        <p:cNvGrpSpPr/>
+        <p:nvPr/>
+      </p:nvGrpSpPr>
+      <p:grpSpPr>
+        <a:xfrm>
+          <a:off x="0" y="0"/>
+          <a:ext cx="0" cy="0"/>
+          <a:chOff x="0" y="0"/>
+          <a:chExt cx="0" cy="0"/>
+        </a:xfrm>
+      </p:grpSpPr>
+      <p:sp>
+        <p:nvSpPr>
+          <p:cNvPr id="7" name="Paralelogramo 6">
+            <a:extLst>
+              <a:ext uri="{FF2B5EF4-FFF2-40B4-BE49-F238E27FC236}">
+                <a16:creationId xmlns:a16="http://schemas.microsoft.com/office/drawing/2014/main" id="{F6545BFE-BB10-8421-40F3-000D4C50A5F6}"/>
+              </a:ext>
+            </a:extLst>
+          </p:cNvPr>
+          <p:cNvSpPr/>
+          <p:nvPr/>
+        </p:nvSpPr>
+        <p:spPr>
+          <a:xfrm flipH="1">
+            <a:off x="0" y="0"/>
+            <a:ext cx="5527675" cy="6858000"/>
+          </a:xfrm>
+          <a:prstGeom prst="parallelogram">
+            <a:avLst/>
+          </a:prstGeom>
+          <a:solidFill>
+            <a:srgbClr val="FFCC28"/>
+          </a:solidFill>
+          <a:ln>
+            <a:noFill/>
+          </a:ln>
+        </p:spPr>
+        <p:style>
+          <a:lnRef idx="2">
+            <a:schemeClr val="accent1">
+              <a:shade val="50000"/>
+            </a:schemeClr>
+          </a:lnRef>
+          <a:fillRef idx="1">
+            <a:schemeClr val="accent1"/>
+          </a:fillRef>
+          <a:effectRef idx="0">
+            <a:schemeClr val="accent1"/>
+          </a:effectRef>
+          <a:fontRef idx="minor">
+            <a:schemeClr val="lt1"/>
+          </a:fontRef>
+        </p:style>
+        <p:txBody>
+          <a:bodyPr anchor="ctr"/>
+          <a:lstStyle/>
+          <a:p>
+            <a:pPr algn="ctr" eaLnBrk="1" fontAlgn="auto" hangingPunct="1">
+              <a:spcBef>
+                <a:spcPts val="0"/>
+              </a:spcBef>
+              <a:spcAft>
+                <a:spcPts val="0"/>
+              </a:spcAft>
+              <a:defRPr/>
+            </a:pPr>
+            <a:endParaRPr lang="es-ES">
+              <a:latin typeface="Cabin Regular" pitchFamily="2" charset="77"/>
+            </a:endParaRPr>
+          </a:p>
+        </p:txBody>
+      </p:sp>
+      <p:sp>
+        <p:nvSpPr>
+          <p:cNvPr id="3" name="Marcador de número de diapositiva 2">
+            <a:extLst>
+              <a:ext uri="{FF2B5EF4-FFF2-40B4-BE49-F238E27FC236}">
+                <a16:creationId xmlns:a16="http://schemas.microsoft.com/office/drawing/2014/main" id="{A9B32B6B-286D-B587-85B4-1FC507B9E343}"/>
+              </a:ext>
+            </a:extLst>
+          </p:cNvPr>
+          <p:cNvSpPr>
+            <a:spLocks noGrp="1"/>
+          </p:cNvSpPr>
+          <p:nvPr>
+            <p:ph type="sldNum" sz="quarter" idx="12"/>
+          </p:nvPr>
+        </p:nvSpPr>
+        <p:spPr/>
+        <p:txBody>
+          <a:bodyPr/>
+          <a:lstStyle>
+            <a:lvl1pPr>
+              <a:defRPr>
+                <a:solidFill>
+                  <a:schemeClr val="tx1"/>
+                </a:solidFill>
+                <a:latin typeface="Calibri" panose="020F0502020204030204" pitchFamily="34" charset="0"/>
+              </a:defRPr>
+            </a:lvl1pPr>
+            <a:lvl2pPr marL="742950" indent="-285750">
+              <a:defRPr>
+                <a:solidFill>
+                  <a:schemeClr val="tx1"/>
+                </a:solidFill>
+                <a:latin typeface="Calibri" panose="020F0502020204030204" pitchFamily="34" charset="0"/>
+              </a:defRPr>
+            </a:lvl2pPr>
+            <a:lvl3pPr marL="1143000" indent="-228600">
+              <a:defRPr>
+                <a:solidFill>
+                  <a:schemeClr val="tx1"/>
+                </a:solidFill>
+                <a:latin typeface="Calibri" panose="020F0502020204030204" pitchFamily="34" charset="0"/>
+              </a:defRPr>
+            </a:lvl3pPr>
+            <a:lvl4pPr marL="1600200" indent="-228600">
+              <a:defRPr>
+                <a:solidFill>
+                  <a:schemeClr val="tx1"/>
+                </a:solidFill>
+                <a:latin typeface="Calibri" panose="020F0502020204030204" pitchFamily="34" charset="0"/>
+              </a:defRPr>
+            </a:lvl4pPr>
+            <a:lvl5pPr marL="2057400" indent="-228600">
+              <a:defRPr>
+                <a:solidFill>
+                  <a:schemeClr val="tx1"/>
+                </a:solidFill>
+                <a:latin typeface="Calibri" panose="020F0502020204030204" pitchFamily="34" charset="0"/>
+              </a:defRPr>
+            </a:lvl5pPr>
+            <a:lvl6pPr marL="2514600" indent="-228600" fontAlgn="base">
+              <a:spcBef>
+                <a:spcPct val="0"/>
+              </a:spcBef>
+              <a:spcAft>
+                <a:spcPct val="0"/>
+              </a:spcAft>
+              <a:defRPr>
+                <a:solidFill>
+                  <a:schemeClr val="tx1"/>
+                </a:solidFill>
+                <a:latin typeface="Calibri" panose="020F0502020204030204" pitchFamily="34" charset="0"/>
+              </a:defRPr>
+            </a:lvl6pPr>
+            <a:lvl7pPr marL="2971800" indent="-228600" fontAlgn="base">
+              <a:spcBef>
+                <a:spcPct val="0"/>
+              </a:spcBef>
+              <a:spcAft>
+                <a:spcPct val="0"/>
+              </a:spcAft>
+              <a:defRPr>
+                <a:solidFill>
+                  <a:schemeClr val="tx1"/>
+                </a:solidFill>
+                <a:latin typeface="Calibri" panose="020F0502020204030204" pitchFamily="34" charset="0"/>
+              </a:defRPr>
+            </a:lvl7pPr>
+            <a:lvl8pPr marL="3429000" indent="-228600" fontAlgn="base">
+              <a:spcBef>
+                <a:spcPct val="0"/>
+              </a:spcBef>
+              <a:spcAft>
+                <a:spcPct val="0"/>
+              </a:spcAft>
+              <a:defRPr>
+                <a:solidFill>
+                  <a:schemeClr val="tx1"/>
+                </a:solidFill>
+                <a:latin typeface="Calibri" panose="020F0502020204030204" pitchFamily="34" charset="0"/>
+              </a:defRPr>
+            </a:lvl8pPr>
+            <a:lvl9pPr marL="3886200" indent="-228600" fontAlgn="base">
+              <a:spcBef>
+                <a:spcPct val="0"/>
+              </a:spcBef>
+              <a:spcAft>
+                <a:spcPct val="0"/>
+              </a:spcAft>
+              <a:defRPr>
+                <a:solidFill>
+                  <a:schemeClr val="tx1"/>
+                </a:solidFill>
+                <a:latin typeface="Calibri" panose="020F0502020204030204" pitchFamily="34" charset="0"/>
+              </a:defRPr>
+            </a:lvl9pPr>
+          </a:lstStyle>
+          <a:p>
+            <a:fld id="{75AE09BB-B6BF-466C-9F64-2188A5A41A10}" type="slidenum">
+              <a:rPr lang="es-ES" altLang="es-ES">
+                <a:solidFill>
+                  <a:srgbClr val="898989"/>
+                </a:solidFill>
+                <a:latin typeface="Cabin Regular" pitchFamily="2" charset="0"/>
+              </a:rPr>
+              <a:pPr/>
+              <a:t>9</a:t>
+            </a:fld>
+            <a:endParaRPr lang="es-ES" altLang="es-ES">
+              <a:solidFill>
+                <a:srgbClr val="898989"/>
+              </a:solidFill>
+              <a:latin typeface="Cabin Regular" pitchFamily="2" charset="0"/>
+            </a:endParaRPr>
+          </a:p>
+        </p:txBody>
+      </p:sp>
+      <p:sp>
+        <p:nvSpPr>
+          <p:cNvPr id="4" name="CuadroTexto 3">
+            <a:extLst>
+              <a:ext uri="{FF2B5EF4-FFF2-40B4-BE49-F238E27FC236}">
+                <a16:creationId xmlns:a16="http://schemas.microsoft.com/office/drawing/2014/main" id="{E3D53BAC-3FFA-7F26-0128-B8726748F888}"/>
+              </a:ext>
+            </a:extLst>
+          </p:cNvPr>
+          <p:cNvSpPr txBox="1"/>
+          <p:nvPr/>
+        </p:nvSpPr>
+        <p:spPr>
+          <a:xfrm>
+            <a:off x="2252664" y="2787650"/>
+            <a:ext cx="8778860" cy="646331"/>
+          </a:xfrm>
+          <a:prstGeom prst="rect">
+            <a:avLst/>
+          </a:prstGeom>
+          <a:noFill/>
+        </p:spPr>
+        <p:txBody>
+          <a:bodyPr wrap="square">
+            <a:spAutoFit/>
+          </a:bodyPr>
+          <a:lstStyle/>
+          <a:p>
+            <a:pPr eaLnBrk="1" fontAlgn="auto" hangingPunct="1">
+              <a:spcBef>
+                <a:spcPts val="0"/>
+              </a:spcBef>
+              <a:spcAft>
+                <a:spcPts val="0"/>
+              </a:spcAft>
+              <a:defRPr/>
+            </a:pPr>
+            <a:r>
+              <a:rPr lang="es-ES" sz="3600" b="1" spc="300" dirty="0" err="1">
+                <a:latin typeface="Open Sans Extrabold" panose="020B0606030504020204" pitchFamily="34" charset="0"/>
+                <a:ea typeface="Open Sans Extrabold" panose="020B0606030504020204" pitchFamily="34" charset="0"/>
+                <a:cs typeface="Open Sans Extrabold" panose="020B0606030504020204" pitchFamily="34" charset="0"/>
+              </a:rPr>
+              <a:t>Rate</a:t>
+            </a:r>
+            <a:r>
+              <a:rPr lang="es-ES" sz="3600" b="1" spc="300" dirty="0">
+                <a:latin typeface="Open Sans Extrabold" panose="020B0606030504020204" pitchFamily="34" charset="0"/>
+                <a:ea typeface="Open Sans Extrabold" panose="020B0606030504020204" pitchFamily="34" charset="0"/>
+                <a:cs typeface="Open Sans Extrabold" panose="020B0606030504020204" pitchFamily="34" charset="0"/>
+              </a:rPr>
+              <a:t> </a:t>
+            </a:r>
+            <a:r>
+              <a:rPr lang="es-ES" sz="3600" b="1" spc="300" dirty="0" err="1">
+                <a:latin typeface="Open Sans Extrabold" panose="020B0606030504020204" pitchFamily="34" charset="0"/>
+                <a:ea typeface="Open Sans Extrabold" panose="020B0606030504020204" pitchFamily="34" charset="0"/>
+                <a:cs typeface="Open Sans Extrabold" panose="020B0606030504020204" pitchFamily="34" charset="0"/>
+              </a:rPr>
+              <a:t>of</a:t>
+            </a:r>
+            <a:r>
+              <a:rPr lang="es-ES" sz="3600" b="1" spc="300" dirty="0">
+                <a:latin typeface="Open Sans Extrabold" panose="020B0606030504020204" pitchFamily="34" charset="0"/>
+                <a:ea typeface="Open Sans Extrabold" panose="020B0606030504020204" pitchFamily="34" charset="0"/>
+                <a:cs typeface="Open Sans Extrabold" panose="020B0606030504020204" pitchFamily="34" charset="0"/>
+              </a:rPr>
+              <a:t> Change </a:t>
+            </a:r>
+            <a:r>
+              <a:rPr lang="es-ES" sz="3600" b="1" spc="300" dirty="0" err="1">
+                <a:latin typeface="Open Sans Extrabold" panose="020B0606030504020204" pitchFamily="34" charset="0"/>
+                <a:ea typeface="Open Sans Extrabold" panose="020B0606030504020204" pitchFamily="34" charset="0"/>
+                <a:cs typeface="Open Sans Extrabold" panose="020B0606030504020204" pitchFamily="34" charset="0"/>
+              </a:rPr>
+              <a:t>of</a:t>
+            </a:r>
+            <a:r>
+              <a:rPr lang="es-ES" sz="3600" b="1" spc="300" dirty="0">
+                <a:latin typeface="Open Sans Extrabold" panose="020B0606030504020204" pitchFamily="34" charset="0"/>
+                <a:ea typeface="Open Sans Extrabold" panose="020B0606030504020204" pitchFamily="34" charset="0"/>
+                <a:cs typeface="Open Sans Extrabold" panose="020B0606030504020204" pitchFamily="34" charset="0"/>
+              </a:rPr>
+              <a:t> </a:t>
+            </a:r>
+            <a:r>
+              <a:rPr lang="es-ES" sz="3600" b="1" spc="300" dirty="0" err="1">
+                <a:latin typeface="Open Sans Extrabold" panose="020B0606030504020204" pitchFamily="34" charset="0"/>
+                <a:ea typeface="Open Sans Extrabold" panose="020B0606030504020204" pitchFamily="34" charset="0"/>
+                <a:cs typeface="Open Sans Extrabold" panose="020B0606030504020204" pitchFamily="34" charset="0"/>
+              </a:rPr>
+              <a:t>Frequency</a:t>
+            </a:r>
+            <a:endParaRPr lang="es-ES" dirty="0">
+              <a:latin typeface="Cabin Regular" pitchFamily="2" charset="77"/>
+            </a:endParaRPr>
+          </a:p>
+        </p:txBody>
+      </p:sp>
+      <p:sp>
+        <p:nvSpPr>
+          <p:cNvPr id="5" name="Rectángulo 4">
+            <a:extLst>
+              <a:ext uri="{FF2B5EF4-FFF2-40B4-BE49-F238E27FC236}">
+                <a16:creationId xmlns:a16="http://schemas.microsoft.com/office/drawing/2014/main" id="{168594E2-CA84-BB04-DF14-402D08E95ED9}"/>
+              </a:ext>
+            </a:extLst>
+          </p:cNvPr>
+          <p:cNvSpPr/>
+          <p:nvPr/>
+        </p:nvSpPr>
+        <p:spPr>
+          <a:xfrm flipV="1">
+            <a:off x="8097838" y="3527425"/>
+            <a:ext cx="1751012" cy="46038"/>
+          </a:xfrm>
+          <a:prstGeom prst="rect">
+            <a:avLst/>
+          </a:prstGeom>
+          <a:solidFill>
+            <a:srgbClr val="FFCC28"/>
+          </a:solidFill>
+          <a:ln>
+            <a:noFill/>
+          </a:ln>
+        </p:spPr>
+        <p:style>
+          <a:lnRef idx="2">
+            <a:schemeClr val="accent1">
+              <a:shade val="50000"/>
+            </a:schemeClr>
+          </a:lnRef>
+          <a:fillRef idx="1">
+            <a:schemeClr val="accent1"/>
+          </a:fillRef>
+          <a:effectRef idx="0">
+            <a:schemeClr val="accent1"/>
+          </a:effectRef>
+          <a:fontRef idx="minor">
+            <a:schemeClr val="lt1"/>
+          </a:fontRef>
+        </p:style>
+        <p:txBody>
+          <a:bodyPr anchor="ctr"/>
+          <a:lstStyle/>
+          <a:p>
+            <a:pPr algn="ctr" eaLnBrk="1" fontAlgn="auto" hangingPunct="1">
+              <a:spcBef>
+                <a:spcPts val="0"/>
+              </a:spcBef>
+              <a:spcAft>
+                <a:spcPts val="0"/>
+              </a:spcAft>
+              <a:defRPr/>
+            </a:pPr>
+            <a:endParaRPr lang="es-ES">
+              <a:latin typeface="Cabin Regular" pitchFamily="2" charset="77"/>
+            </a:endParaRPr>
+          </a:p>
+        </p:txBody>
+      </p:sp>
+      <p:sp>
+        <p:nvSpPr>
+          <p:cNvPr id="54278" name="CuadroTexto 5">
+            <a:extLst>
+              <a:ext uri="{FF2B5EF4-FFF2-40B4-BE49-F238E27FC236}">
+                <a16:creationId xmlns:a16="http://schemas.microsoft.com/office/drawing/2014/main" id="{8C66E389-97E8-D9A6-F827-56CF5DF959F5}"/>
+              </a:ext>
+            </a:extLst>
+          </p:cNvPr>
+          <p:cNvSpPr txBox="1">
+            <a:spLocks noChangeArrowheads="1"/>
+          </p:cNvSpPr>
+          <p:nvPr/>
+        </p:nvSpPr>
+        <p:spPr bwMode="auto">
+          <a:xfrm>
+            <a:off x="2252663" y="2308225"/>
+            <a:ext cx="3937000" cy="369888"/>
+          </a:xfrm>
+          <a:prstGeom prst="rect">
+            <a:avLst/>
+          </a:prstGeom>
+          <a:noFill/>
+          <a:ln>
+            <a:noFill/>
+          </a:ln>
+          <a:extLst>
+            <a:ext uri="{909E8E84-426E-40DD-AFC4-6F175D3DCCD1}">
+              <a14:hiddenFill xmlns:a14="http://schemas.microsoft.com/office/drawing/2010/main">
+                <a:solidFill>
+                  <a:srgbClr val="FFFFFF"/>
+                </a:solidFill>
+              </a14:hiddenFill>
+            </a:ext>
+            <a:ext uri="{91240B29-F687-4F45-9708-019B960494DF}">
+              <a14:hiddenLine xmlns:a14="http://schemas.microsoft.com/office/drawing/2010/main" w="9525">
+                <a:solidFill>
+                  <a:srgbClr val="000000"/>
+                </a:solidFill>
+                <a:miter lim="800000"/>
+                <a:headEnd/>
+                <a:tailEnd/>
+              </a14:hiddenLine>
+            </a:ext>
+          </a:extLst>
+        </p:spPr>
+        <p:txBody>
+          <a:bodyPr>
+            <a:spAutoFit/>
+          </a:bodyPr>
+          <a:lstStyle>
+            <a:lvl1pPr>
+              <a:defRPr>
+                <a:solidFill>
+                  <a:schemeClr val="tx1"/>
+                </a:solidFill>
+                <a:latin typeface="Calibri" panose="020F0502020204030204" pitchFamily="34" charset="0"/>
+              </a:defRPr>
+            </a:lvl1pPr>
+            <a:lvl2pPr marL="742950" indent="-285750">
+              <a:defRPr>
+                <a:solidFill>
+                  <a:schemeClr val="tx1"/>
+                </a:solidFill>
+                <a:latin typeface="Calibri" panose="020F0502020204030204" pitchFamily="34" charset="0"/>
+              </a:defRPr>
+            </a:lvl2pPr>
+            <a:lvl3pPr marL="1143000" indent="-228600">
+              <a:defRPr>
+                <a:solidFill>
+                  <a:schemeClr val="tx1"/>
+                </a:solidFill>
+                <a:latin typeface="Calibri" panose="020F0502020204030204" pitchFamily="34" charset="0"/>
+              </a:defRPr>
+            </a:lvl3pPr>
+            <a:lvl4pPr marL="1600200" indent="-228600">
+              <a:defRPr>
+                <a:solidFill>
+                  <a:schemeClr val="tx1"/>
+                </a:solidFill>
+                <a:latin typeface="Calibri" panose="020F0502020204030204" pitchFamily="34" charset="0"/>
+              </a:defRPr>
+            </a:lvl4pPr>
+            <a:lvl5pPr marL="2057400" indent="-228600">
+              <a:defRPr>
+                <a:solidFill>
+                  <a:schemeClr val="tx1"/>
+                </a:solidFill>
+                <a:latin typeface="Calibri" panose="020F0502020204030204" pitchFamily="34" charset="0"/>
+              </a:defRPr>
+            </a:lvl5pPr>
+            <a:lvl6pPr marL="2514600" indent="-228600" fontAlgn="base">
+              <a:spcBef>
+                <a:spcPct val="0"/>
+              </a:spcBef>
+              <a:spcAft>
+                <a:spcPct val="0"/>
+              </a:spcAft>
+              <a:defRPr>
+                <a:solidFill>
+                  <a:schemeClr val="tx1"/>
+                </a:solidFill>
+                <a:latin typeface="Calibri" panose="020F0502020204030204" pitchFamily="34" charset="0"/>
+              </a:defRPr>
+            </a:lvl6pPr>
+            <a:lvl7pPr marL="2971800" indent="-228600" fontAlgn="base">
+              <a:spcBef>
+                <a:spcPct val="0"/>
+              </a:spcBef>
+              <a:spcAft>
+                <a:spcPct val="0"/>
+              </a:spcAft>
+              <a:defRPr>
+                <a:solidFill>
+                  <a:schemeClr val="tx1"/>
+                </a:solidFill>
+                <a:latin typeface="Calibri" panose="020F0502020204030204" pitchFamily="34" charset="0"/>
+              </a:defRPr>
+            </a:lvl7pPr>
+            <a:lvl8pPr marL="3429000" indent="-228600" fontAlgn="base">
+              <a:spcBef>
+                <a:spcPct val="0"/>
+              </a:spcBef>
+              <a:spcAft>
+                <a:spcPct val="0"/>
+              </a:spcAft>
+              <a:defRPr>
+                <a:solidFill>
+                  <a:schemeClr val="tx1"/>
+                </a:solidFill>
+                <a:latin typeface="Calibri" panose="020F0502020204030204" pitchFamily="34" charset="0"/>
+              </a:defRPr>
+            </a:lvl8pPr>
+            <a:lvl9pPr marL="3886200" indent="-228600" fontAlgn="base">
+              <a:spcBef>
+                <a:spcPct val="0"/>
+              </a:spcBef>
+              <a:spcAft>
+                <a:spcPct val="0"/>
+              </a:spcAft>
+              <a:defRPr>
+                <a:solidFill>
+                  <a:schemeClr val="tx1"/>
+                </a:solidFill>
+                <a:latin typeface="Calibri" panose="020F0502020204030204" pitchFamily="34" charset="0"/>
+              </a:defRPr>
+            </a:lvl9pPr>
+          </a:lstStyle>
+          <a:p>
+            <a:pPr eaLnBrk="1" hangingPunct="1"/>
+            <a:r>
+              <a:rPr lang="es-ES" altLang="es-ES" b="1" dirty="0" err="1">
+                <a:latin typeface="Open Sans" panose="020B0606030504020204" pitchFamily="34" charset="0"/>
+                <a:cs typeface="Open Sans" panose="020B0606030504020204" pitchFamily="34" charset="0"/>
+              </a:rPr>
+              <a:t>Section</a:t>
+            </a:r>
+            <a:r>
+              <a:rPr lang="es-ES" altLang="es-ES" dirty="0">
+                <a:latin typeface="Cabin Regular" pitchFamily="2" charset="0"/>
+              </a:rPr>
+              <a:t> 2</a:t>
+            </a:r>
+          </a:p>
+        </p:txBody>
+      </p:sp>
+      <p:pic>
+        <p:nvPicPr>
+          <p:cNvPr id="9" name="Imagen 5">
+            <a:extLst>
+              <a:ext uri="{FF2B5EF4-FFF2-40B4-BE49-F238E27FC236}">
+                <a16:creationId xmlns:a16="http://schemas.microsoft.com/office/drawing/2014/main" id="{D017E832-6263-1272-99F7-8E9D1EEC54E8}"/>
+              </a:ext>
+            </a:extLst>
+          </p:cNvPr>
+          <p:cNvPicPr>
+            <a:picLocks noChangeAspect="1" noChangeArrowheads="1"/>
+          </p:cNvPicPr>
+          <p:nvPr/>
+        </p:nvPicPr>
+        <p:blipFill>
+          <a:blip r:embed="rId2">
+            <a:extLst>
+              <a:ext uri="{28A0092B-C50C-407E-A947-70E740481C1C}">
+                <a14:useLocalDpi xmlns:a14="http://schemas.microsoft.com/office/drawing/2010/main" val="0"/>
+              </a:ext>
+            </a:extLst>
+          </a:blip>
+          <a:srcRect/>
+          <a:stretch>
+            <a:fillRect/>
+          </a:stretch>
+        </p:blipFill>
+        <p:spPr bwMode="auto">
+          <a:xfrm>
+            <a:off x="11129080" y="122503"/>
+            <a:ext cx="904080" cy="809624"/>
+          </a:xfrm>
+          <a:prstGeom prst="rect">
+            <a:avLst/>
+          </a:prstGeom>
+          <a:noFill/>
+          <a:ln>
+            <a:noFill/>
+          </a:ln>
+          <a:extLst>
+            <a:ext uri="{909E8E84-426E-40DD-AFC4-6F175D3DCCD1}">
+              <a14:hiddenFill xmlns:a14="http://schemas.microsoft.com/office/drawing/2010/main">
+                <a:solidFill>
+                  <a:srgbClr val="FFFFFF"/>
+                </a:solidFill>
+              </a14:hiddenFill>
+            </a:ext>
+            <a:ext uri="{91240B29-F687-4F45-9708-019B960494DF}">
+              <a14:hiddenLine xmlns:a14="http://schemas.microsoft.com/office/drawing/2010/main" w="9525">
+                <a:solidFill>
+                  <a:srgbClr val="000000"/>
+                </a:solidFill>
+                <a:miter lim="800000"/>
+                <a:headEnd/>
+                <a:tailEnd/>
+              </a14:hiddenLine>
+            </a:ext>
+          </a:extLst>
+        </p:spPr>
+      </p:pic>
+      <p:pic>
+        <p:nvPicPr>
+          <p:cNvPr id="10" name="Picture 2">
+            <a:extLst>
+              <a:ext uri="{FF2B5EF4-FFF2-40B4-BE49-F238E27FC236}">
+                <a16:creationId xmlns:a16="http://schemas.microsoft.com/office/drawing/2014/main" id="{23620B47-66DF-0D8A-C4ED-DE956A06BB75}"/>
+              </a:ext>
+            </a:extLst>
+          </p:cNvPr>
+          <p:cNvPicPr>
+            <a:picLocks noChangeAspect="1" noChangeArrowheads="1"/>
+          </p:cNvPicPr>
+          <p:nvPr/>
+        </p:nvPicPr>
+        <p:blipFill>
+          <a:blip r:embed="rId3">
+            <a:extLst>
+              <a:ext uri="{28A0092B-C50C-407E-A947-70E740481C1C}">
+                <a14:useLocalDpi xmlns:a14="http://schemas.microsoft.com/office/drawing/2010/main" val="0"/>
+              </a:ext>
+            </a:extLst>
+          </a:blip>
+          <a:srcRect/>
+          <a:stretch>
+            <a:fillRect/>
+          </a:stretch>
+        </p:blipFill>
+        <p:spPr bwMode="auto">
+          <a:xfrm>
+            <a:off x="158840" y="122503"/>
+            <a:ext cx="1097236" cy="809624"/>
+          </a:xfrm>
+          <a:prstGeom prst="rect">
+            <a:avLst/>
+          </a:prstGeom>
+          <a:noFill/>
+          <a:ln>
+            <a:noFill/>
+          </a:ln>
+          <a:extLst>
+            <a:ext uri="{909E8E84-426E-40DD-AFC4-6F175D3DCCD1}">
+              <a14:hiddenFill xmlns:a14="http://schemas.microsoft.com/office/drawing/2010/main">
+                <a:solidFill>
+                  <a:srgbClr val="FFFFFF"/>
+                </a:solidFill>
+              </a14:hiddenFill>
+            </a:ext>
+            <a:ext uri="{91240B29-F687-4F45-9708-019B960494DF}">
+              <a14:hiddenLine xmlns:a14="http://schemas.microsoft.com/office/drawing/2010/main" w="9525">
+                <a:solidFill>
+                  <a:srgbClr val="000000"/>
+                </a:solidFill>
+                <a:miter lim="800000"/>
+                <a:headEnd/>
+                <a:tailEnd/>
+              </a14:hiddenLine>
+            </a:ext>
+          </a:extLst>
+        </p:spPr>
+      </p:pic>
+    </p:spTree>
+    <p:extLst>
+      <p:ext uri="{BB962C8B-B14F-4D97-AF65-F5344CB8AC3E}">
+        <p14:creationId xmlns:p14="http://schemas.microsoft.com/office/powerpoint/2010/main" val="1104819674"/>
       </p:ext>
     </p:extLst>
   </p:cSld>
